--- a/Threads/JAVA. Потоки.pptx
+++ b/Threads/JAVA. Потоки.pptx
@@ -5,7 +5,7 @@
     <p:sldMasterId id="2147483672" r:id="rId1"/>
   </p:sldMasterIdLst>
   <p:notesMasterIdLst>
-    <p:notesMasterId r:id="rId17"/>
+    <p:notesMasterId r:id="rId19"/>
   </p:notesMasterIdLst>
   <p:sldIdLst>
     <p:sldId id="323" r:id="rId2"/>
@@ -19,10 +19,12 @@
     <p:sldId id="327" r:id="rId10"/>
     <p:sldId id="328" r:id="rId11"/>
     <p:sldId id="329" r:id="rId12"/>
-    <p:sldId id="330" r:id="rId13"/>
-    <p:sldId id="331" r:id="rId14"/>
-    <p:sldId id="332" r:id="rId15"/>
-    <p:sldId id="333" r:id="rId16"/>
+    <p:sldId id="336" r:id="rId13"/>
+    <p:sldId id="337" r:id="rId14"/>
+    <p:sldId id="333" r:id="rId15"/>
+    <p:sldId id="330" r:id="rId16"/>
+    <p:sldId id="335" r:id="rId17"/>
+    <p:sldId id="332" r:id="rId18"/>
   </p:sldIdLst>
   <p:sldSz cx="12192000" cy="6858000"/>
   <p:notesSz cx="6858000" cy="9144000"/>
@@ -145,10 +147,16 @@
             <p14:sldId id="327"/>
             <p14:sldId id="328"/>
             <p14:sldId id="329"/>
+            <p14:sldId id="336"/>
+            <p14:sldId id="337"/>
+            <p14:sldId id="333"/>
             <p14:sldId id="330"/>
-            <p14:sldId id="331"/>
+            <p14:sldId id="335"/>
+          </p14:sldIdLst>
+        </p14:section>
+        <p14:section name="Синхронизация" id="{4A07B7DF-4BCE-4E9E-9F33-D72A8CD0F846}">
+          <p14:sldIdLst>
             <p14:sldId id="332"/>
-            <p14:sldId id="333"/>
           </p14:sldIdLst>
         </p14:section>
       </p14:sectionLst>
@@ -263,7 +271,7 @@
           <a:p>
             <a:fld id="{019F44A0-8A0A-43F3-90DF-D835DD5C642B}" type="datetimeFigureOut">
               <a:rPr lang="ru-RU" smtClean="0"/>
-              <a:t>27.02.2025</a:t>
+              <a:t>03.03.2025</a:t>
             </a:fld>
             <a:endParaRPr lang="ru-RU"/>
           </a:p>
@@ -783,6 +791,26 @@
           <a:bodyPr/>
           <a:lstStyle/>
           <a:p>
+            <a:r>
+              <a:rPr lang="ru-RU" dirty="0" err="1" smtClean="0"/>
+              <a:t>join</a:t>
+            </a:r>
+            <a:r>
+              <a:rPr lang="ru-RU" dirty="0" smtClean="0"/>
+              <a:t>()</a:t>
+            </a:r>
+            <a:r>
+              <a:rPr lang="ru-RU" sz="1200" b="0" i="0" kern="1200" dirty="0" smtClean="0">
+                <a:solidFill>
+                  <a:schemeClr val="tx1"/>
+                </a:solidFill>
+                <a:effectLst/>
+                <a:latin typeface="+mn-lt"/>
+                <a:ea typeface="+mn-ea"/>
+                <a:cs typeface="+mn-cs"/>
+              </a:rPr>
+              <a:t>: Заставляет текущий поток дождаться завершения другого потока, у которого вызван этот метод, прежде чем продолжить выполнение программы.</a:t>
+            </a:r>
             <a:endParaRPr lang="ru-RU" sz="1200" b="0" i="0" kern="1200" dirty="0" smtClean="0">
               <a:solidFill>
                 <a:schemeClr val="tx1"/>
@@ -821,7 +849,7 @@
     </p:spTree>
     <p:extLst>
       <p:ext uri="{BB962C8B-B14F-4D97-AF65-F5344CB8AC3E}">
-        <p14:creationId xmlns:p14="http://schemas.microsoft.com/office/powerpoint/2010/main" val="456375873"/>
+        <p14:creationId xmlns:p14="http://schemas.microsoft.com/office/powerpoint/2010/main" val="2820632857"/>
       </p:ext>
     </p:extLst>
   </p:cSld>
@@ -875,7 +903,206 @@
           <a:bodyPr/>
           <a:lstStyle/>
           <a:p>
+            <a:r>
+              <a:rPr lang="ru-RU" sz="1200" b="0" i="0" kern="1200" dirty="0" smtClean="0">
+                <a:solidFill>
+                  <a:schemeClr val="tx1"/>
+                </a:solidFill>
+                <a:effectLst/>
+                <a:latin typeface="+mn-lt"/>
+                <a:ea typeface="+mn-ea"/>
+                <a:cs typeface="+mn-cs"/>
+              </a:rPr>
+              <a:t>Каждый поток имеет приоритет, который влияет на то, как JVM распределяет время процессора между потоками. Приоритеты потоков служат </a:t>
+            </a:r>
+            <a:r>
+              <a:rPr lang="ru-RU" sz="1200" b="1" i="0" kern="1200" dirty="0" smtClean="0">
+                <a:solidFill>
+                  <a:schemeClr val="tx1"/>
+                </a:solidFill>
+                <a:effectLst/>
+                <a:latin typeface="+mn-lt"/>
+                <a:ea typeface="+mn-ea"/>
+                <a:cs typeface="+mn-cs"/>
+              </a:rPr>
+              <a:t>подсказкой</a:t>
+            </a:r>
+            <a:r>
+              <a:rPr lang="ru-RU" sz="1200" b="0" i="0" kern="1200" dirty="0" smtClean="0">
+                <a:solidFill>
+                  <a:schemeClr val="tx1"/>
+                </a:solidFill>
+                <a:effectLst/>
+                <a:latin typeface="+mn-lt"/>
+                <a:ea typeface="+mn-ea"/>
+                <a:cs typeface="+mn-cs"/>
+              </a:rPr>
+              <a:t> для планировщика потоков JVM при принятии решения о том, какой поток выполнить следующим. Однако окончательное решение о распределении времени процессора зависит от реализации JVM и операционной системы.</a:t>
+            </a:r>
+          </a:p>
+          <a:p>
+            <a:r>
+              <a:rPr lang="ru-RU" sz="1200" b="0" i="0" kern="1200" dirty="0" smtClean="0">
+                <a:solidFill>
+                  <a:schemeClr val="tx1"/>
+                </a:solidFill>
+                <a:effectLst/>
+                <a:latin typeface="+mn-lt"/>
+                <a:ea typeface="+mn-ea"/>
+                <a:cs typeface="+mn-cs"/>
+              </a:rPr>
+              <a:t>Потоки с более высоким приоритетом, как правило, получают больше процессорного времени, но </a:t>
+            </a:r>
+            <a:r>
+              <a:rPr lang="ru-RU" sz="1200" b="1" i="0" kern="1200" dirty="0" smtClean="0">
+                <a:solidFill>
+                  <a:schemeClr val="tx1"/>
+                </a:solidFill>
+                <a:effectLst/>
+                <a:latin typeface="+mn-lt"/>
+                <a:ea typeface="+mn-ea"/>
+                <a:cs typeface="+mn-cs"/>
+              </a:rPr>
+              <a:t>это не гарантирует</a:t>
+            </a:r>
+            <a:r>
+              <a:rPr lang="ru-RU" sz="1200" b="0" i="0" kern="1200" dirty="0" smtClean="0">
+                <a:solidFill>
+                  <a:schemeClr val="tx1"/>
+                </a:solidFill>
+                <a:effectLst/>
+                <a:latin typeface="+mn-lt"/>
+                <a:ea typeface="+mn-ea"/>
+                <a:cs typeface="+mn-cs"/>
+              </a:rPr>
+              <a:t>, что они будут всегда выполняться раньше потоков с более низким приоритетом. Приоритеты лишь помогают JVM принимать решение, но не являются обязательными для исполнения.</a:t>
+            </a:r>
+            <a:endParaRPr lang="en-US" sz="1200" b="0" i="0" kern="1200" dirty="0" smtClean="0">
+              <a:solidFill>
+                <a:schemeClr val="tx1"/>
+              </a:solidFill>
+              <a:effectLst/>
+              <a:latin typeface="+mn-lt"/>
+              <a:ea typeface="+mn-ea"/>
+              <a:cs typeface="+mn-cs"/>
+            </a:endParaRPr>
+          </a:p>
+          <a:p>
             <a:endParaRPr lang="ru-RU" sz="1200" b="0" i="0" kern="1200" dirty="0" smtClean="0">
+              <a:solidFill>
+                <a:schemeClr val="tx1"/>
+              </a:solidFill>
+              <a:effectLst/>
+              <a:latin typeface="+mn-lt"/>
+              <a:ea typeface="+mn-ea"/>
+              <a:cs typeface="+mn-cs"/>
+            </a:endParaRPr>
+          </a:p>
+          <a:p>
+            <a:r>
+              <a:rPr lang="ru-RU" sz="1200" b="0" i="0" kern="1200" dirty="0" smtClean="0">
+                <a:solidFill>
+                  <a:schemeClr val="tx1"/>
+                </a:solidFill>
+                <a:effectLst/>
+                <a:latin typeface="+mn-lt"/>
+                <a:ea typeface="+mn-ea"/>
+                <a:cs typeface="+mn-cs"/>
+              </a:rPr>
+              <a:t>Приоритеты потоков задаются числами от 1 до 10:</a:t>
+            </a:r>
+          </a:p>
+          <a:p>
+            <a:r>
+              <a:rPr lang="ru-RU" sz="1200" b="1" i="0" kern="1200" dirty="0" smtClean="0">
+                <a:solidFill>
+                  <a:schemeClr val="tx1"/>
+                </a:solidFill>
+                <a:effectLst/>
+                <a:latin typeface="+mn-lt"/>
+                <a:ea typeface="+mn-ea"/>
+                <a:cs typeface="+mn-cs"/>
+              </a:rPr>
+              <a:t>MIN_PRIORITY (1)</a:t>
+            </a:r>
+            <a:r>
+              <a:rPr lang="ru-RU" sz="1200" b="0" i="0" kern="1200" dirty="0" smtClean="0">
+                <a:solidFill>
+                  <a:schemeClr val="tx1"/>
+                </a:solidFill>
+                <a:effectLst/>
+                <a:latin typeface="+mn-lt"/>
+                <a:ea typeface="+mn-ea"/>
+                <a:cs typeface="+mn-cs"/>
+              </a:rPr>
+              <a:t>: Минимальный приоритет.</a:t>
+            </a:r>
+          </a:p>
+          <a:p>
+            <a:r>
+              <a:rPr lang="ru-RU" sz="1200" b="1" i="0" kern="1200" dirty="0" smtClean="0">
+                <a:solidFill>
+                  <a:schemeClr val="tx1"/>
+                </a:solidFill>
+                <a:effectLst/>
+                <a:latin typeface="+mn-lt"/>
+                <a:ea typeface="+mn-ea"/>
+                <a:cs typeface="+mn-cs"/>
+              </a:rPr>
+              <a:t>NORM_PRIORITY (5)</a:t>
+            </a:r>
+            <a:r>
+              <a:rPr lang="ru-RU" sz="1200" b="0" i="0" kern="1200" dirty="0" smtClean="0">
+                <a:solidFill>
+                  <a:schemeClr val="tx1"/>
+                </a:solidFill>
+                <a:effectLst/>
+                <a:latin typeface="+mn-lt"/>
+                <a:ea typeface="+mn-ea"/>
+                <a:cs typeface="+mn-cs"/>
+              </a:rPr>
+              <a:t>: Нормальный приоритет, который используется по умолчанию.</a:t>
+            </a:r>
+          </a:p>
+          <a:p>
+            <a:r>
+              <a:rPr lang="ru-RU" sz="1200" b="1" i="0" kern="1200" dirty="0" smtClean="0">
+                <a:solidFill>
+                  <a:schemeClr val="tx1"/>
+                </a:solidFill>
+                <a:effectLst/>
+                <a:latin typeface="+mn-lt"/>
+                <a:ea typeface="+mn-ea"/>
+                <a:cs typeface="+mn-cs"/>
+              </a:rPr>
+              <a:t>MAX_PRIORITY (10)</a:t>
+            </a:r>
+            <a:r>
+              <a:rPr lang="ru-RU" sz="1200" b="0" i="0" kern="1200" dirty="0" smtClean="0">
+                <a:solidFill>
+                  <a:schemeClr val="tx1"/>
+                </a:solidFill>
+                <a:effectLst/>
+                <a:latin typeface="+mn-lt"/>
+                <a:ea typeface="+mn-ea"/>
+                <a:cs typeface="+mn-cs"/>
+              </a:rPr>
+              <a:t>: Максимальный приоритет.</a:t>
+            </a:r>
+          </a:p>
+          <a:p>
+            <a:endParaRPr lang="en-US" sz="1200" b="0" i="0" kern="1200" dirty="0" smtClean="0">
+              <a:solidFill>
+                <a:schemeClr val="tx1"/>
+              </a:solidFill>
+              <a:effectLst/>
+              <a:latin typeface="+mn-lt"/>
+              <a:ea typeface="+mn-ea"/>
+              <a:cs typeface="+mn-cs"/>
+            </a:endParaRPr>
+          </a:p>
+          <a:p>
+            <a:endParaRPr lang="ru-RU" sz="1200" b="0" i="0" kern="1200" dirty="0">
               <a:solidFill>
                 <a:schemeClr val="tx1"/>
               </a:solidFill>
@@ -913,7 +1140,7 @@
     </p:spTree>
     <p:extLst>
       <p:ext uri="{BB962C8B-B14F-4D97-AF65-F5344CB8AC3E}">
-        <p14:creationId xmlns:p14="http://schemas.microsoft.com/office/powerpoint/2010/main" val="1115881495"/>
+        <p14:creationId xmlns:p14="http://schemas.microsoft.com/office/powerpoint/2010/main" val="268900601"/>
       </p:ext>
     </p:extLst>
   </p:cSld>
@@ -967,6 +1194,614 @@
           <a:bodyPr/>
           <a:lstStyle/>
           <a:p>
+            <a:r>
+              <a:rPr lang="ru-RU" sz="1200" b="1" i="0" kern="1200" dirty="0" smtClean="0">
+                <a:solidFill>
+                  <a:schemeClr val="tx1"/>
+                </a:solidFill>
+                <a:effectLst/>
+                <a:latin typeface="+mn-lt"/>
+                <a:ea typeface="+mn-ea"/>
+                <a:cs typeface="+mn-cs"/>
+              </a:rPr>
+              <a:t>NEW.</a:t>
+            </a:r>
+            <a:r>
+              <a:rPr lang="ru-RU" sz="1200" b="0" i="0" kern="1200" dirty="0" smtClean="0">
+                <a:solidFill>
+                  <a:schemeClr val="tx1"/>
+                </a:solidFill>
+                <a:effectLst/>
+                <a:latin typeface="+mn-lt"/>
+                <a:ea typeface="+mn-ea"/>
+                <a:cs typeface="+mn-cs"/>
+              </a:rPr>
+              <a:t> Поток создан, но ещё не запущен. Это состояние возникает сразу после создания объекта </a:t>
+            </a:r>
+            <a:r>
+              <a:rPr lang="ru-RU" sz="1200" b="0" i="0" kern="1200" dirty="0" err="1" smtClean="0">
+                <a:solidFill>
+                  <a:schemeClr val="tx1"/>
+                </a:solidFill>
+                <a:effectLst/>
+                <a:latin typeface="+mn-lt"/>
+                <a:ea typeface="+mn-ea"/>
+                <a:cs typeface="+mn-cs"/>
+              </a:rPr>
+              <a:t>Thread</a:t>
+            </a:r>
+            <a:r>
+              <a:rPr lang="ru-RU" sz="1200" b="0" i="0" kern="1200" dirty="0" smtClean="0">
+                <a:solidFill>
+                  <a:schemeClr val="tx1"/>
+                </a:solidFill>
+                <a:effectLst/>
+                <a:latin typeface="+mn-lt"/>
+                <a:ea typeface="+mn-ea"/>
+                <a:cs typeface="+mn-cs"/>
+              </a:rPr>
+              <a:t>, но до вызова метода </a:t>
+            </a:r>
+            <a:r>
+              <a:rPr lang="ru-RU" sz="1200" b="0" i="0" kern="1200" dirty="0" err="1" smtClean="0">
+                <a:solidFill>
+                  <a:schemeClr val="tx1"/>
+                </a:solidFill>
+                <a:effectLst/>
+                <a:latin typeface="+mn-lt"/>
+                <a:ea typeface="+mn-ea"/>
+                <a:cs typeface="+mn-cs"/>
+              </a:rPr>
+              <a:t>start</a:t>
+            </a:r>
+            <a:r>
+              <a:rPr lang="ru-RU" sz="1200" b="0" i="0" kern="1200" dirty="0" smtClean="0">
+                <a:solidFill>
+                  <a:schemeClr val="tx1"/>
+                </a:solidFill>
+                <a:effectLst/>
+                <a:latin typeface="+mn-lt"/>
+                <a:ea typeface="+mn-ea"/>
+                <a:cs typeface="+mn-cs"/>
+              </a:rPr>
+              <a:t>(). В этом состоянии поток не готов к выполнению и не потребляет системные ресурсы.</a:t>
+            </a:r>
+          </a:p>
+          <a:p>
+            <a:r>
+              <a:rPr lang="ru-RU" dirty="0" err="1" smtClean="0">
+                <a:effectLst/>
+              </a:rPr>
+              <a:t>Thread</a:t>
+            </a:r>
+            <a:r>
+              <a:rPr lang="ru-RU" dirty="0" smtClean="0"/>
+              <a:t> </a:t>
+            </a:r>
+            <a:r>
+              <a:rPr lang="ru-RU" dirty="0" err="1" smtClean="0"/>
+              <a:t>thread</a:t>
+            </a:r>
+            <a:r>
+              <a:rPr lang="ru-RU" dirty="0" smtClean="0"/>
+              <a:t> </a:t>
+            </a:r>
+            <a:r>
+              <a:rPr lang="ru-RU" sz="1200" kern="1200" dirty="0" smtClean="0">
+                <a:solidFill>
+                  <a:schemeClr val="tx1"/>
+                </a:solidFill>
+                <a:effectLst/>
+                <a:latin typeface="+mn-lt"/>
+                <a:ea typeface="+mn-ea"/>
+                <a:cs typeface="+mn-cs"/>
+              </a:rPr>
+              <a:t>=</a:t>
+            </a:r>
+            <a:r>
+              <a:rPr lang="ru-RU" dirty="0" smtClean="0"/>
+              <a:t> </a:t>
+            </a:r>
+            <a:r>
+              <a:rPr lang="ru-RU" dirty="0" err="1" smtClean="0">
+                <a:effectLst/>
+              </a:rPr>
+              <a:t>new</a:t>
+            </a:r>
+            <a:r>
+              <a:rPr lang="ru-RU" dirty="0" smtClean="0"/>
+              <a:t> </a:t>
+            </a:r>
+            <a:r>
+              <a:rPr lang="ru-RU" dirty="0" err="1" smtClean="0">
+                <a:effectLst/>
+              </a:rPr>
+              <a:t>Thread</a:t>
+            </a:r>
+            <a:r>
+              <a:rPr lang="ru-RU" dirty="0" smtClean="0">
+                <a:effectLst/>
+              </a:rPr>
+              <a:t>(</a:t>
+            </a:r>
+            <a:r>
+              <a:rPr lang="ru-RU" dirty="0" err="1" smtClean="0">
+                <a:effectLst/>
+              </a:rPr>
+              <a:t>new</a:t>
+            </a:r>
+            <a:r>
+              <a:rPr lang="ru-RU" dirty="0" smtClean="0"/>
+              <a:t> </a:t>
+            </a:r>
+            <a:r>
+              <a:rPr lang="ru-RU" dirty="0" err="1" smtClean="0">
+                <a:effectLst/>
+              </a:rPr>
+              <a:t>OrderTask</a:t>
+            </a:r>
+            <a:r>
+              <a:rPr lang="ru-RU" dirty="0" smtClean="0">
+                <a:effectLst/>
+              </a:rPr>
+              <a:t>());</a:t>
+            </a:r>
+            <a:r>
+              <a:rPr lang="ru-RU" dirty="0" smtClean="0"/>
+              <a:t> </a:t>
+            </a:r>
+            <a:r>
+              <a:rPr lang="ru-RU" dirty="0" smtClean="0">
+                <a:effectLst/>
+              </a:rPr>
+              <a:t>// Новый поток</a:t>
+            </a:r>
+          </a:p>
+          <a:p>
+            <a:r>
+              <a:rPr lang="ru-RU" sz="1200" b="1" i="0" kern="1200" dirty="0" smtClean="0">
+                <a:solidFill>
+                  <a:schemeClr val="tx1"/>
+                </a:solidFill>
+                <a:effectLst/>
+                <a:latin typeface="+mn-lt"/>
+                <a:ea typeface="+mn-ea"/>
+                <a:cs typeface="+mn-cs"/>
+              </a:rPr>
+              <a:t>RUNNABLE.</a:t>
+            </a:r>
+            <a:r>
+              <a:rPr lang="ru-RU" sz="1200" b="0" i="0" kern="1200" dirty="0" smtClean="0">
+                <a:solidFill>
+                  <a:schemeClr val="tx1"/>
+                </a:solidFill>
+                <a:effectLst/>
+                <a:latin typeface="+mn-lt"/>
+                <a:ea typeface="+mn-ea"/>
+                <a:cs typeface="+mn-cs"/>
+              </a:rPr>
+              <a:t> После вызова метода </a:t>
+            </a:r>
+            <a:r>
+              <a:rPr lang="ru-RU" sz="1200" b="0" i="0" kern="1200" dirty="0" err="1" smtClean="0">
+                <a:solidFill>
+                  <a:schemeClr val="tx1"/>
+                </a:solidFill>
+                <a:effectLst/>
+                <a:latin typeface="+mn-lt"/>
+                <a:ea typeface="+mn-ea"/>
+                <a:cs typeface="+mn-cs"/>
+              </a:rPr>
+              <a:t>start</a:t>
+            </a:r>
+            <a:r>
+              <a:rPr lang="ru-RU" sz="1200" b="0" i="0" kern="1200" dirty="0" smtClean="0">
+                <a:solidFill>
+                  <a:schemeClr val="tx1"/>
+                </a:solidFill>
+                <a:effectLst/>
+                <a:latin typeface="+mn-lt"/>
+                <a:ea typeface="+mn-ea"/>
+                <a:cs typeface="+mn-cs"/>
+              </a:rPr>
+              <a:t>() поток переходит в состояние RUNNABLE. В этом состоянии поток считается готовым к выполнению и может быть выбран планировщиком потоков для выполнения на процессоре. Поток может фактически выполняться или ожидать своей очереди на выполнение.</a:t>
+            </a:r>
+          </a:p>
+          <a:p>
+            <a:r>
+              <a:rPr lang="ru-RU" dirty="0" err="1" smtClean="0"/>
+              <a:t>thread</a:t>
+            </a:r>
+            <a:r>
+              <a:rPr lang="ru-RU" dirty="0" err="1" smtClean="0">
+                <a:effectLst/>
+              </a:rPr>
+              <a:t>.start</a:t>
+            </a:r>
+            <a:r>
+              <a:rPr lang="ru-RU" dirty="0" smtClean="0">
+                <a:effectLst/>
+              </a:rPr>
+              <a:t>();</a:t>
+            </a:r>
+            <a:r>
+              <a:rPr lang="ru-RU" dirty="0" smtClean="0"/>
+              <a:t> </a:t>
+            </a:r>
+            <a:r>
+              <a:rPr lang="ru-RU" dirty="0" smtClean="0">
+                <a:effectLst/>
+              </a:rPr>
+              <a:t>// Поток становится готовым к выполнению</a:t>
+            </a:r>
+            <a:r>
+              <a:rPr lang="ru-RU" dirty="0" smtClean="0"/>
+              <a:t> </a:t>
+            </a:r>
+          </a:p>
+          <a:p>
+            <a:r>
+              <a:rPr lang="ru-RU" sz="1200" b="1" i="0" kern="1200" dirty="0" smtClean="0">
+                <a:solidFill>
+                  <a:schemeClr val="tx1"/>
+                </a:solidFill>
+                <a:effectLst/>
+                <a:latin typeface="+mn-lt"/>
+                <a:ea typeface="+mn-ea"/>
+                <a:cs typeface="+mn-cs"/>
+              </a:rPr>
+              <a:t>BLOCKED.</a:t>
+            </a:r>
+            <a:r>
+              <a:rPr lang="ru-RU" sz="1200" b="0" i="0" kern="1200" dirty="0" smtClean="0">
+                <a:solidFill>
+                  <a:schemeClr val="tx1"/>
+                </a:solidFill>
+                <a:effectLst/>
+                <a:latin typeface="+mn-lt"/>
+                <a:ea typeface="+mn-ea"/>
+                <a:cs typeface="+mn-cs"/>
+              </a:rPr>
+              <a:t> Поток переходит в это состояние, если он пытается войти в синхронизированный блок или метод, доступ к которому в данный момент удерживается другим потоком. Как только монитор освобождается, поток возвращается в состояние RUNNABLE.</a:t>
+            </a:r>
+          </a:p>
+          <a:p>
+            <a:r>
+              <a:rPr lang="ru-RU" sz="1200" b="0" i="0" kern="1200" dirty="0" smtClean="0">
+                <a:solidFill>
+                  <a:schemeClr val="tx1"/>
+                </a:solidFill>
+                <a:effectLst/>
+                <a:latin typeface="+mn-lt"/>
+                <a:ea typeface="+mn-ea"/>
+                <a:cs typeface="+mn-cs"/>
+              </a:rPr>
+              <a:t>Подробнее о блокировках и мониторах будет рассмотрено в следующей статье.</a:t>
+            </a:r>
+          </a:p>
+          <a:p>
+            <a:r>
+              <a:rPr lang="ru-RU" sz="1200" b="1" i="0" kern="1200" dirty="0" smtClean="0">
+                <a:solidFill>
+                  <a:schemeClr val="tx1"/>
+                </a:solidFill>
+                <a:effectLst/>
+                <a:latin typeface="+mn-lt"/>
+                <a:ea typeface="+mn-ea"/>
+                <a:cs typeface="+mn-cs"/>
+              </a:rPr>
+              <a:t>WAITING.</a:t>
+            </a:r>
+            <a:r>
+              <a:rPr lang="ru-RU" sz="1200" b="0" i="0" kern="1200" dirty="0" smtClean="0">
+                <a:solidFill>
+                  <a:schemeClr val="tx1"/>
+                </a:solidFill>
+                <a:effectLst/>
+                <a:latin typeface="+mn-lt"/>
+                <a:ea typeface="+mn-ea"/>
+                <a:cs typeface="+mn-cs"/>
+              </a:rPr>
+              <a:t> Поток находится в состоянии ожидания без указания времени, пока другой поток не разбудит его. Это происходит при вызове методов </a:t>
+            </a:r>
+            <a:r>
+              <a:rPr lang="ru-RU" sz="1200" b="0" i="0" kern="1200" dirty="0" err="1" smtClean="0">
+                <a:solidFill>
+                  <a:schemeClr val="tx1"/>
+                </a:solidFill>
+                <a:effectLst/>
+                <a:latin typeface="+mn-lt"/>
+                <a:ea typeface="+mn-ea"/>
+                <a:cs typeface="+mn-cs"/>
+              </a:rPr>
+              <a:t>Object.wait</a:t>
+            </a:r>
+            <a:r>
+              <a:rPr lang="ru-RU" sz="1200" b="0" i="0" kern="1200" dirty="0" smtClean="0">
+                <a:solidFill>
+                  <a:schemeClr val="tx1"/>
+                </a:solidFill>
+                <a:effectLst/>
+                <a:latin typeface="+mn-lt"/>
+                <a:ea typeface="+mn-ea"/>
+                <a:cs typeface="+mn-cs"/>
+              </a:rPr>
+              <a:t>(), </a:t>
+            </a:r>
+            <a:r>
+              <a:rPr lang="ru-RU" sz="1200" b="0" i="0" kern="1200" dirty="0" err="1" smtClean="0">
+                <a:solidFill>
+                  <a:schemeClr val="tx1"/>
+                </a:solidFill>
+                <a:effectLst/>
+                <a:latin typeface="+mn-lt"/>
+                <a:ea typeface="+mn-ea"/>
+                <a:cs typeface="+mn-cs"/>
+              </a:rPr>
+              <a:t>Thread.join</a:t>
+            </a:r>
+            <a:r>
+              <a:rPr lang="ru-RU" sz="1200" b="0" i="0" kern="1200" dirty="0" smtClean="0">
+                <a:solidFill>
+                  <a:schemeClr val="tx1"/>
+                </a:solidFill>
+                <a:effectLst/>
+                <a:latin typeface="+mn-lt"/>
+                <a:ea typeface="+mn-ea"/>
+                <a:cs typeface="+mn-cs"/>
+              </a:rPr>
+              <a:t>() без таймаута или </a:t>
+            </a:r>
+            <a:r>
+              <a:rPr lang="ru-RU" sz="1200" b="0" i="0" kern="1200" dirty="0" err="1" smtClean="0">
+                <a:solidFill>
+                  <a:schemeClr val="tx1"/>
+                </a:solidFill>
+                <a:effectLst/>
+                <a:latin typeface="+mn-lt"/>
+                <a:ea typeface="+mn-ea"/>
+                <a:cs typeface="+mn-cs"/>
+              </a:rPr>
+              <a:t>LockSupport.park</a:t>
+            </a:r>
+            <a:r>
+              <a:rPr lang="ru-RU" sz="1200" b="0" i="0" kern="1200" dirty="0" smtClean="0">
+                <a:solidFill>
+                  <a:schemeClr val="tx1"/>
+                </a:solidFill>
+                <a:effectLst/>
+                <a:latin typeface="+mn-lt"/>
+                <a:ea typeface="+mn-ea"/>
+                <a:cs typeface="+mn-cs"/>
+              </a:rPr>
+              <a:t>(). Поток остаётся в этом состоянии, пока не получит уведомление или пока другой поток не завершится (в случае </a:t>
+            </a:r>
+            <a:r>
+              <a:rPr lang="ru-RU" sz="1200" b="0" i="0" kern="1200" dirty="0" err="1" smtClean="0">
+                <a:solidFill>
+                  <a:schemeClr val="tx1"/>
+                </a:solidFill>
+                <a:effectLst/>
+                <a:latin typeface="+mn-lt"/>
+                <a:ea typeface="+mn-ea"/>
+                <a:cs typeface="+mn-cs"/>
+              </a:rPr>
+              <a:t>join</a:t>
+            </a:r>
+            <a:r>
+              <a:rPr lang="ru-RU" sz="1200" b="0" i="0" kern="1200" dirty="0" smtClean="0">
+                <a:solidFill>
+                  <a:schemeClr val="tx1"/>
+                </a:solidFill>
+                <a:effectLst/>
+                <a:latin typeface="+mn-lt"/>
+                <a:ea typeface="+mn-ea"/>
+                <a:cs typeface="+mn-cs"/>
+              </a:rPr>
+              <a:t>()).</a:t>
+            </a:r>
+          </a:p>
+          <a:p>
+            <a:r>
+              <a:rPr lang="ru-RU" dirty="0" err="1" smtClean="0"/>
+              <a:t>thread</a:t>
+            </a:r>
+            <a:r>
+              <a:rPr lang="ru-RU" dirty="0" err="1" smtClean="0">
+                <a:effectLst/>
+              </a:rPr>
+              <a:t>.join</a:t>
+            </a:r>
+            <a:r>
+              <a:rPr lang="ru-RU" dirty="0" smtClean="0">
+                <a:effectLst/>
+              </a:rPr>
+              <a:t>();</a:t>
+            </a:r>
+            <a:r>
+              <a:rPr lang="ru-RU" dirty="0" smtClean="0"/>
+              <a:t> </a:t>
+            </a:r>
+            <a:r>
+              <a:rPr lang="ru-RU" dirty="0" smtClean="0">
+                <a:effectLst/>
+              </a:rPr>
+              <a:t>// Ожидание завершения другого потока</a:t>
+            </a:r>
+          </a:p>
+          <a:p>
+            <a:r>
+              <a:rPr lang="ru-RU" sz="1200" b="1" i="0" kern="1200" dirty="0" smtClean="0">
+                <a:solidFill>
+                  <a:schemeClr val="tx1"/>
+                </a:solidFill>
+                <a:effectLst/>
+                <a:latin typeface="+mn-lt"/>
+                <a:ea typeface="+mn-ea"/>
+                <a:cs typeface="+mn-cs"/>
+              </a:rPr>
+              <a:t>TIMED_WAITING.</a:t>
+            </a:r>
+            <a:r>
+              <a:rPr lang="ru-RU" sz="1200" b="0" i="0" kern="1200" dirty="0" smtClean="0">
+                <a:solidFill>
+                  <a:schemeClr val="tx1"/>
+                </a:solidFill>
+                <a:effectLst/>
+                <a:latin typeface="+mn-lt"/>
+                <a:ea typeface="+mn-ea"/>
+                <a:cs typeface="+mn-cs"/>
+              </a:rPr>
+              <a:t> Похожее на состояние WAITING, но с указанным временем ожидания. Поток переходит в это состояние при вызове методов </a:t>
+            </a:r>
+            <a:r>
+              <a:rPr lang="ru-RU" sz="1200" b="0" i="0" kern="1200" dirty="0" err="1" smtClean="0">
+                <a:solidFill>
+                  <a:schemeClr val="tx1"/>
+                </a:solidFill>
+                <a:effectLst/>
+                <a:latin typeface="+mn-lt"/>
+                <a:ea typeface="+mn-ea"/>
+                <a:cs typeface="+mn-cs"/>
+              </a:rPr>
+              <a:t>sleep</a:t>
+            </a:r>
+            <a:r>
+              <a:rPr lang="ru-RU" sz="1200" b="0" i="0" kern="1200" dirty="0" smtClean="0">
+                <a:solidFill>
+                  <a:schemeClr val="tx1"/>
+                </a:solidFill>
+                <a:effectLst/>
+                <a:latin typeface="+mn-lt"/>
+                <a:ea typeface="+mn-ea"/>
+                <a:cs typeface="+mn-cs"/>
+              </a:rPr>
+              <a:t>() или </a:t>
+            </a:r>
+            <a:r>
+              <a:rPr lang="ru-RU" sz="1200" b="0" i="0" kern="1200" dirty="0" err="1" smtClean="0">
+                <a:solidFill>
+                  <a:schemeClr val="tx1"/>
+                </a:solidFill>
+                <a:effectLst/>
+                <a:latin typeface="+mn-lt"/>
+                <a:ea typeface="+mn-ea"/>
+                <a:cs typeface="+mn-cs"/>
+              </a:rPr>
+              <a:t>join</a:t>
+            </a:r>
+            <a:r>
+              <a:rPr lang="ru-RU" sz="1200" b="0" i="0" kern="1200" dirty="0" smtClean="0">
+                <a:solidFill>
+                  <a:schemeClr val="tx1"/>
+                </a:solidFill>
+                <a:effectLst/>
+                <a:latin typeface="+mn-lt"/>
+                <a:ea typeface="+mn-ea"/>
+                <a:cs typeface="+mn-cs"/>
+              </a:rPr>
+              <a:t>() с указанием таймаута. По истечении времени ожидания поток автоматически возвращается в состояние RUNNABLE.</a:t>
+            </a:r>
+          </a:p>
+          <a:p>
+            <a:r>
+              <a:rPr lang="ru-RU" dirty="0" err="1" smtClean="0">
+                <a:effectLst/>
+              </a:rPr>
+              <a:t>Thread.sleep</a:t>
+            </a:r>
+            <a:r>
+              <a:rPr lang="ru-RU" dirty="0" smtClean="0">
+                <a:effectLst/>
+              </a:rPr>
+              <a:t>(1000);</a:t>
+            </a:r>
+            <a:r>
+              <a:rPr lang="ru-RU" dirty="0" smtClean="0"/>
+              <a:t> </a:t>
+            </a:r>
+            <a:r>
+              <a:rPr lang="ru-RU" dirty="0" smtClean="0">
+                <a:effectLst/>
+              </a:rPr>
+              <a:t>// Ожидание в течение 1 секунды</a:t>
+            </a:r>
+          </a:p>
+          <a:p>
+            <a:r>
+              <a:rPr lang="ru-RU" sz="1200" b="1" i="0" kern="1200" dirty="0" smtClean="0">
+                <a:solidFill>
+                  <a:schemeClr val="tx1"/>
+                </a:solidFill>
+                <a:effectLst/>
+                <a:latin typeface="+mn-lt"/>
+                <a:ea typeface="+mn-ea"/>
+                <a:cs typeface="+mn-cs"/>
+              </a:rPr>
+              <a:t>TERMINATED.</a:t>
+            </a:r>
+            <a:r>
+              <a:rPr lang="ru-RU" sz="1200" b="0" i="0" kern="1200" dirty="0" smtClean="0">
+                <a:solidFill>
+                  <a:schemeClr val="tx1"/>
+                </a:solidFill>
+                <a:effectLst/>
+                <a:latin typeface="+mn-lt"/>
+                <a:ea typeface="+mn-ea"/>
+                <a:cs typeface="+mn-cs"/>
+              </a:rPr>
+              <a:t> Поток переходит в это состояние, когда метод </a:t>
+            </a:r>
+            <a:r>
+              <a:rPr lang="ru-RU" sz="1200" b="0" i="0" kern="1200" dirty="0" err="1" smtClean="0">
+                <a:solidFill>
+                  <a:schemeClr val="tx1"/>
+                </a:solidFill>
+                <a:effectLst/>
+                <a:latin typeface="+mn-lt"/>
+                <a:ea typeface="+mn-ea"/>
+                <a:cs typeface="+mn-cs"/>
+              </a:rPr>
+              <a:t>run</a:t>
+            </a:r>
+            <a:r>
+              <a:rPr lang="ru-RU" sz="1200" b="0" i="0" kern="1200" dirty="0" smtClean="0">
+                <a:solidFill>
+                  <a:schemeClr val="tx1"/>
+                </a:solidFill>
+                <a:effectLst/>
+                <a:latin typeface="+mn-lt"/>
+                <a:ea typeface="+mn-ea"/>
+                <a:cs typeface="+mn-cs"/>
+              </a:rPr>
+              <a:t>() завершает своё выполнение либо из-за нормального завершения, либо из-за </a:t>
+            </a:r>
+            <a:r>
+              <a:rPr lang="ru-RU" sz="1200" b="0" i="0" kern="1200" dirty="0" err="1" smtClean="0">
+                <a:solidFill>
+                  <a:schemeClr val="tx1"/>
+                </a:solidFill>
+                <a:effectLst/>
+                <a:latin typeface="+mn-lt"/>
+                <a:ea typeface="+mn-ea"/>
+                <a:cs typeface="+mn-cs"/>
+              </a:rPr>
+              <a:t>неперехваченного</a:t>
+            </a:r>
+            <a:r>
+              <a:rPr lang="ru-RU" sz="1200" b="0" i="0" kern="1200" dirty="0" smtClean="0">
+                <a:solidFill>
+                  <a:schemeClr val="tx1"/>
+                </a:solidFill>
+                <a:effectLst/>
+                <a:latin typeface="+mn-lt"/>
+                <a:ea typeface="+mn-ea"/>
+                <a:cs typeface="+mn-cs"/>
+              </a:rPr>
+              <a:t> исключения. В этом состоянии поток больше не может быть перезапущен.</a:t>
+            </a:r>
+          </a:p>
+          <a:p>
             <a:endParaRPr lang="ru-RU" sz="1200" b="0" i="0" kern="1200" dirty="0" smtClean="0">
               <a:solidFill>
                 <a:schemeClr val="tx1"/>
@@ -1005,7 +1840,7 @@
     </p:spTree>
     <p:extLst>
       <p:ext uri="{BB962C8B-B14F-4D97-AF65-F5344CB8AC3E}">
-        <p14:creationId xmlns:p14="http://schemas.microsoft.com/office/powerpoint/2010/main" val="1464506822"/>
+        <p14:creationId xmlns:p14="http://schemas.microsoft.com/office/powerpoint/2010/main" val="3585983072"/>
       </p:ext>
     </p:extLst>
   </p:cSld>
@@ -1059,6 +1894,56 @@
           <a:bodyPr/>
           <a:lstStyle/>
           <a:p>
+            <a:r>
+              <a:rPr lang="en-US" sz="1200" kern="1200" dirty="0" err="1" smtClean="0">
+                <a:solidFill>
+                  <a:schemeClr val="tx1"/>
+                </a:solidFill>
+                <a:effectLst/>
+                <a:latin typeface="+mn-lt"/>
+                <a:ea typeface="+mn-ea"/>
+                <a:cs typeface="+mn-cs"/>
+              </a:rPr>
+              <a:t>boolean</a:t>
+            </a:r>
+            <a:r>
+              <a:rPr lang="en-US" sz="1200" kern="1200" dirty="0" smtClean="0">
+                <a:solidFill>
+                  <a:schemeClr val="tx1"/>
+                </a:solidFill>
+                <a:effectLst/>
+                <a:latin typeface="+mn-lt"/>
+                <a:ea typeface="+mn-ea"/>
+                <a:cs typeface="+mn-cs"/>
+              </a:rPr>
+              <a:t> </a:t>
+            </a:r>
+            <a:r>
+              <a:rPr lang="en-US" sz="1200" b="1" kern="1200" dirty="0" err="1" smtClean="0">
+                <a:solidFill>
+                  <a:schemeClr val="tx1"/>
+                </a:solidFill>
+                <a:effectLst/>
+                <a:latin typeface="+mn-lt"/>
+                <a:ea typeface="+mn-ea"/>
+                <a:cs typeface="+mn-cs"/>
+              </a:rPr>
+              <a:t>isAlive</a:t>
+            </a:r>
+            <a:r>
+              <a:rPr lang="en-US" sz="1200" kern="1200" dirty="0" smtClean="0">
+                <a:solidFill>
+                  <a:schemeClr val="tx1"/>
+                </a:solidFill>
+                <a:effectLst/>
+                <a:latin typeface="+mn-lt"/>
+                <a:ea typeface="+mn-ea"/>
+                <a:cs typeface="+mn-cs"/>
+              </a:rPr>
+              <a:t>()</a:t>
+            </a:r>
+          </a:p>
+          <a:p>
             <a:endParaRPr lang="ru-RU" sz="1200" b="0" i="0" kern="1200" dirty="0" smtClean="0">
               <a:solidFill>
                 <a:schemeClr val="tx1"/>
@@ -1097,7 +1982,241 @@
     </p:spTree>
     <p:extLst>
       <p:ext uri="{BB962C8B-B14F-4D97-AF65-F5344CB8AC3E}">
-        <p14:creationId xmlns:p14="http://schemas.microsoft.com/office/powerpoint/2010/main" val="3585983072"/>
+        <p14:creationId xmlns:p14="http://schemas.microsoft.com/office/powerpoint/2010/main" val="456375873"/>
+      </p:ext>
+    </p:extLst>
+  </p:cSld>
+  <p:clrMapOvr>
+    <a:masterClrMapping/>
+  </p:clrMapOvr>
+</p:notes>
+</file>
+
+<file path=ppt/notesSlides/notesSlide15.xml><?xml version="1.0" encoding="utf-8"?>
+<p:notes xmlns:a="http://schemas.openxmlformats.org/drawingml/2006/main" xmlns:r="http://schemas.openxmlformats.org/officeDocument/2006/relationships" xmlns:p="http://schemas.openxmlformats.org/presentationml/2006/main">
+  <p:cSld>
+    <p:spTree>
+      <p:nvGrpSpPr>
+        <p:cNvPr id="1" name=""/>
+        <p:cNvGrpSpPr/>
+        <p:nvPr/>
+      </p:nvGrpSpPr>
+      <p:grpSpPr>
+        <a:xfrm>
+          <a:off x="0" y="0"/>
+          <a:ext cx="0" cy="0"/>
+          <a:chOff x="0" y="0"/>
+          <a:chExt cx="0" cy="0"/>
+        </a:xfrm>
+      </p:grpSpPr>
+      <p:sp>
+        <p:nvSpPr>
+          <p:cNvPr id="2" name="Образ слайда 1"/>
+          <p:cNvSpPr>
+            <a:spLocks noGrp="1" noRot="1" noChangeAspect="1"/>
+          </p:cNvSpPr>
+          <p:nvPr>
+            <p:ph type="sldImg"/>
+          </p:nvPr>
+        </p:nvSpPr>
+        <p:spPr/>
+      </p:sp>
+      <p:sp>
+        <p:nvSpPr>
+          <p:cNvPr id="3" name="Заметки 2"/>
+          <p:cNvSpPr>
+            <a:spLocks noGrp="1"/>
+          </p:cNvSpPr>
+          <p:nvPr>
+            <p:ph type="body" idx="1"/>
+          </p:nvPr>
+        </p:nvSpPr>
+        <p:spPr/>
+        <p:txBody>
+          <a:bodyPr/>
+          <a:lstStyle/>
+          <a:p>
+            <a:r>
+              <a:rPr lang="en-US" sz="1200" kern="1200" dirty="0" err="1" smtClean="0">
+                <a:solidFill>
+                  <a:schemeClr val="tx1"/>
+                </a:solidFill>
+                <a:effectLst/>
+                <a:latin typeface="+mn-lt"/>
+                <a:ea typeface="+mn-ea"/>
+                <a:cs typeface="+mn-cs"/>
+              </a:rPr>
+              <a:t>boolean</a:t>
+            </a:r>
+            <a:r>
+              <a:rPr lang="en-US" sz="1200" kern="1200" dirty="0" smtClean="0">
+                <a:solidFill>
+                  <a:schemeClr val="tx1"/>
+                </a:solidFill>
+                <a:effectLst/>
+                <a:latin typeface="+mn-lt"/>
+                <a:ea typeface="+mn-ea"/>
+                <a:cs typeface="+mn-cs"/>
+              </a:rPr>
+              <a:t> </a:t>
+            </a:r>
+            <a:r>
+              <a:rPr lang="en-US" sz="1200" b="1" kern="1200" dirty="0" err="1" smtClean="0">
+                <a:solidFill>
+                  <a:schemeClr val="tx1"/>
+                </a:solidFill>
+                <a:effectLst/>
+                <a:latin typeface="+mn-lt"/>
+                <a:ea typeface="+mn-ea"/>
+                <a:cs typeface="+mn-cs"/>
+              </a:rPr>
+              <a:t>isAlive</a:t>
+            </a:r>
+            <a:r>
+              <a:rPr lang="en-US" sz="1200" kern="1200" dirty="0" smtClean="0">
+                <a:solidFill>
+                  <a:schemeClr val="tx1"/>
+                </a:solidFill>
+                <a:effectLst/>
+                <a:latin typeface="+mn-lt"/>
+                <a:ea typeface="+mn-ea"/>
+                <a:cs typeface="+mn-cs"/>
+              </a:rPr>
+              <a:t>()</a:t>
+            </a:r>
+          </a:p>
+          <a:p>
+            <a:endParaRPr lang="ru-RU" sz="1200" b="0" i="0" kern="1200" dirty="0" smtClean="0">
+              <a:solidFill>
+                <a:schemeClr val="tx1"/>
+              </a:solidFill>
+              <a:effectLst/>
+              <a:latin typeface="+mn-lt"/>
+              <a:ea typeface="+mn-ea"/>
+              <a:cs typeface="+mn-cs"/>
+            </a:endParaRPr>
+          </a:p>
+        </p:txBody>
+      </p:sp>
+      <p:sp>
+        <p:nvSpPr>
+          <p:cNvPr id="4" name="Номер слайда 3"/>
+          <p:cNvSpPr>
+            <a:spLocks noGrp="1"/>
+          </p:cNvSpPr>
+          <p:nvPr>
+            <p:ph type="sldNum" sz="quarter" idx="10"/>
+          </p:nvPr>
+        </p:nvSpPr>
+        <p:spPr/>
+        <p:txBody>
+          <a:bodyPr/>
+          <a:lstStyle/>
+          <a:p>
+            <a:fld id="{2C2769E1-66CF-4217-9636-E3EC3F826ACE}" type="slidenum">
+              <a:rPr lang="ru-RU" smtClean="0"/>
+              <a:t>16</a:t>
+            </a:fld>
+            <a:endParaRPr lang="ru-RU"/>
+          </a:p>
+        </p:txBody>
+      </p:sp>
+    </p:spTree>
+    <p:extLst>
+      <p:ext uri="{BB962C8B-B14F-4D97-AF65-F5344CB8AC3E}">
+        <p14:creationId xmlns:p14="http://schemas.microsoft.com/office/powerpoint/2010/main" val="1253791535"/>
+      </p:ext>
+    </p:extLst>
+  </p:cSld>
+  <p:clrMapOvr>
+    <a:masterClrMapping/>
+  </p:clrMapOvr>
+</p:notes>
+</file>
+
+<file path=ppt/notesSlides/notesSlide16.xml><?xml version="1.0" encoding="utf-8"?>
+<p:notes xmlns:a="http://schemas.openxmlformats.org/drawingml/2006/main" xmlns:r="http://schemas.openxmlformats.org/officeDocument/2006/relationships" xmlns:p="http://schemas.openxmlformats.org/presentationml/2006/main">
+  <p:cSld>
+    <p:spTree>
+      <p:nvGrpSpPr>
+        <p:cNvPr id="1" name=""/>
+        <p:cNvGrpSpPr/>
+        <p:nvPr/>
+      </p:nvGrpSpPr>
+      <p:grpSpPr>
+        <a:xfrm>
+          <a:off x="0" y="0"/>
+          <a:ext cx="0" cy="0"/>
+          <a:chOff x="0" y="0"/>
+          <a:chExt cx="0" cy="0"/>
+        </a:xfrm>
+      </p:grpSpPr>
+      <p:sp>
+        <p:nvSpPr>
+          <p:cNvPr id="2" name="Образ слайда 1"/>
+          <p:cNvSpPr>
+            <a:spLocks noGrp="1" noRot="1" noChangeAspect="1"/>
+          </p:cNvSpPr>
+          <p:nvPr>
+            <p:ph type="sldImg"/>
+          </p:nvPr>
+        </p:nvSpPr>
+        <p:spPr/>
+      </p:sp>
+      <p:sp>
+        <p:nvSpPr>
+          <p:cNvPr id="3" name="Заметки 2"/>
+          <p:cNvSpPr>
+            <a:spLocks noGrp="1"/>
+          </p:cNvSpPr>
+          <p:nvPr>
+            <p:ph type="body" idx="1"/>
+          </p:nvPr>
+        </p:nvSpPr>
+        <p:spPr/>
+        <p:txBody>
+          <a:bodyPr/>
+          <a:lstStyle/>
+          <a:p>
+            <a:endParaRPr lang="ru-RU" sz="1200" b="0" i="0" kern="1200" dirty="0" smtClean="0">
+              <a:solidFill>
+                <a:schemeClr val="tx1"/>
+              </a:solidFill>
+              <a:effectLst/>
+              <a:latin typeface="+mn-lt"/>
+              <a:ea typeface="+mn-ea"/>
+              <a:cs typeface="+mn-cs"/>
+            </a:endParaRPr>
+          </a:p>
+        </p:txBody>
+      </p:sp>
+      <p:sp>
+        <p:nvSpPr>
+          <p:cNvPr id="4" name="Номер слайда 3"/>
+          <p:cNvSpPr>
+            <a:spLocks noGrp="1"/>
+          </p:cNvSpPr>
+          <p:nvPr>
+            <p:ph type="sldNum" sz="quarter" idx="10"/>
+          </p:nvPr>
+        </p:nvSpPr>
+        <p:spPr/>
+        <p:txBody>
+          <a:bodyPr/>
+          <a:lstStyle/>
+          <a:p>
+            <a:fld id="{2C2769E1-66CF-4217-9636-E3EC3F826ACE}" type="slidenum">
+              <a:rPr lang="ru-RU" smtClean="0"/>
+              <a:t>17</a:t>
+            </a:fld>
+            <a:endParaRPr lang="ru-RU"/>
+          </a:p>
+        </p:txBody>
+      </p:sp>
+    </p:spTree>
+    <p:extLst>
+      <p:ext uri="{BB962C8B-B14F-4D97-AF65-F5344CB8AC3E}">
+        <p14:creationId xmlns:p14="http://schemas.microsoft.com/office/powerpoint/2010/main" val="1464506822"/>
       </p:ext>
     </p:extLst>
   </p:cSld>
@@ -2632,7 +3751,7 @@
           <a:p>
             <a:fld id="{596E9984-6A6F-4402-816E-AE95968D1A70}" type="datetimeFigureOut">
               <a:rPr lang="ru-RU" smtClean="0"/>
-              <a:t>27.02.2025</a:t>
+              <a:t>03.03.2025</a:t>
             </a:fld>
             <a:endParaRPr lang="ru-RU"/>
           </a:p>
@@ -2802,7 +3921,7 @@
           <a:p>
             <a:fld id="{596E9984-6A6F-4402-816E-AE95968D1A70}" type="datetimeFigureOut">
               <a:rPr lang="ru-RU" smtClean="0"/>
-              <a:t>27.02.2025</a:t>
+              <a:t>03.03.2025</a:t>
             </a:fld>
             <a:endParaRPr lang="ru-RU"/>
           </a:p>
@@ -2982,7 +4101,7 @@
           <a:p>
             <a:fld id="{596E9984-6A6F-4402-816E-AE95968D1A70}" type="datetimeFigureOut">
               <a:rPr lang="ru-RU" smtClean="0"/>
-              <a:t>27.02.2025</a:t>
+              <a:t>03.03.2025</a:t>
             </a:fld>
             <a:endParaRPr lang="ru-RU"/>
           </a:p>
@@ -3152,7 +4271,7 @@
           <a:p>
             <a:fld id="{596E9984-6A6F-4402-816E-AE95968D1A70}" type="datetimeFigureOut">
               <a:rPr lang="ru-RU" smtClean="0"/>
-              <a:t>27.02.2025</a:t>
+              <a:t>03.03.2025</a:t>
             </a:fld>
             <a:endParaRPr lang="ru-RU"/>
           </a:p>
@@ -3398,7 +4517,7 @@
           <a:p>
             <a:fld id="{596E9984-6A6F-4402-816E-AE95968D1A70}" type="datetimeFigureOut">
               <a:rPr lang="ru-RU" smtClean="0"/>
-              <a:t>27.02.2025</a:t>
+              <a:t>03.03.2025</a:t>
             </a:fld>
             <a:endParaRPr lang="ru-RU"/>
           </a:p>
@@ -3630,7 +4749,7 @@
           <a:p>
             <a:fld id="{596E9984-6A6F-4402-816E-AE95968D1A70}" type="datetimeFigureOut">
               <a:rPr lang="ru-RU" smtClean="0"/>
-              <a:t>27.02.2025</a:t>
+              <a:t>03.03.2025</a:t>
             </a:fld>
             <a:endParaRPr lang="ru-RU"/>
           </a:p>
@@ -3997,7 +5116,7 @@
           <a:p>
             <a:fld id="{596E9984-6A6F-4402-816E-AE95968D1A70}" type="datetimeFigureOut">
               <a:rPr lang="ru-RU" smtClean="0"/>
-              <a:t>27.02.2025</a:t>
+              <a:t>03.03.2025</a:t>
             </a:fld>
             <a:endParaRPr lang="ru-RU"/>
           </a:p>
@@ -4115,7 +5234,7 @@
           <a:p>
             <a:fld id="{596E9984-6A6F-4402-816E-AE95968D1A70}" type="datetimeFigureOut">
               <a:rPr lang="ru-RU" smtClean="0"/>
-              <a:t>27.02.2025</a:t>
+              <a:t>03.03.2025</a:t>
             </a:fld>
             <a:endParaRPr lang="ru-RU"/>
           </a:p>
@@ -4210,7 +5329,7 @@
           <a:p>
             <a:fld id="{596E9984-6A6F-4402-816E-AE95968D1A70}" type="datetimeFigureOut">
               <a:rPr lang="ru-RU" smtClean="0"/>
-              <a:t>27.02.2025</a:t>
+              <a:t>03.03.2025</a:t>
             </a:fld>
             <a:endParaRPr lang="ru-RU"/>
           </a:p>
@@ -4487,7 +5606,7 @@
           <a:p>
             <a:fld id="{596E9984-6A6F-4402-816E-AE95968D1A70}" type="datetimeFigureOut">
               <a:rPr lang="ru-RU" smtClean="0"/>
-              <a:t>27.02.2025</a:t>
+              <a:t>03.03.2025</a:t>
             </a:fld>
             <a:endParaRPr lang="ru-RU"/>
           </a:p>
@@ -4744,7 +5863,7 @@
           <a:p>
             <a:fld id="{596E9984-6A6F-4402-816E-AE95968D1A70}" type="datetimeFigureOut">
               <a:rPr lang="ru-RU" smtClean="0"/>
-              <a:t>27.02.2025</a:t>
+              <a:t>03.03.2025</a:t>
             </a:fld>
             <a:endParaRPr lang="ru-RU"/>
           </a:p>
@@ -4957,7 +6076,7 @@
           <a:p>
             <a:fld id="{596E9984-6A6F-4402-816E-AE95968D1A70}" type="datetimeFigureOut">
               <a:rPr lang="ru-RU" smtClean="0"/>
-              <a:t>27.02.2025</a:t>
+              <a:t>03.03.2025</a:t>
             </a:fld>
             <a:endParaRPr lang="ru-RU"/>
           </a:p>
@@ -6372,7 +7491,7 @@
       </p:grpSpPr>
       <p:pic>
         <p:nvPicPr>
-          <p:cNvPr id="4" name="Рисунок 3"/>
+          <p:cNvPr id="3" name="Рисунок 2"/>
           <p:cNvPicPr>
             <a:picLocks noChangeAspect="1"/>
           </p:cNvPicPr>
@@ -6386,8 +7505,8 @@
         </p:blipFill>
         <p:spPr>
           <a:xfrm>
-            <a:off x="263524" y="1218808"/>
-            <a:ext cx="5312345" cy="5479036"/>
+            <a:off x="263523" y="1218806"/>
+            <a:ext cx="5291703" cy="5480692"/>
           </a:xfrm>
           <a:prstGeom prst="rect">
             <a:avLst/>
@@ -6873,15 +7992,7 @@
                   <a:srgbClr val="B5B7BC"/>
                 </a:solidFill>
               </a:rPr>
-              <a:t>.</a:t>
-            </a:r>
-            <a:r>
-              <a:rPr lang="ru-RU" dirty="0" smtClean="0">
-                <a:solidFill>
-                  <a:srgbClr val="B5B7BC"/>
-                </a:solidFill>
-              </a:rPr>
-              <a:t> </a:t>
+              <a:t>. </a:t>
             </a:r>
             <a:endParaRPr lang="ru-RU" dirty="0">
               <a:solidFill>
@@ -6936,30 +8047,69 @@
           <a:chExt cx="0" cy="0"/>
         </a:xfrm>
       </p:grpSpPr>
-      <p:pic>
-        <p:nvPicPr>
-          <p:cNvPr id="8" name="Рисунок 7"/>
-          <p:cNvPicPr>
-            <a:picLocks noChangeAspect="1"/>
-          </p:cNvPicPr>
+      <p:grpSp>
+        <p:nvGrpSpPr>
+          <p:cNvPr id="13" name="Группа 12"/>
+          <p:cNvGrpSpPr/>
           <p:nvPr/>
-        </p:nvPicPr>
-        <p:blipFill>
-          <a:blip r:embed="rId3"/>
-          <a:stretch>
-            <a:fillRect/>
-          </a:stretch>
-        </p:blipFill>
-        <p:spPr>
+        </p:nvGrpSpPr>
+        <p:grpSpPr>
           <a:xfrm>
-            <a:off x="8316224" y="1218807"/>
-            <a:ext cx="1468101" cy="5479037"/>
+            <a:off x="7200831" y="1218807"/>
+            <a:ext cx="3698886" cy="5479037"/>
+            <a:chOff x="7093181" y="1218807"/>
+            <a:chExt cx="3698886" cy="5479037"/>
           </a:xfrm>
-          <a:prstGeom prst="rect">
-            <a:avLst/>
-          </a:prstGeom>
-        </p:spPr>
-      </p:pic>
+        </p:grpSpPr>
+        <p:pic>
+          <p:nvPicPr>
+            <p:cNvPr id="10" name="Рисунок 9"/>
+            <p:cNvPicPr>
+              <a:picLocks noChangeAspect="1"/>
+            </p:cNvPicPr>
+            <p:nvPr/>
+          </p:nvPicPr>
+          <p:blipFill>
+            <a:blip r:embed="rId3"/>
+            <a:stretch>
+              <a:fillRect/>
+            </a:stretch>
+          </p:blipFill>
+          <p:spPr>
+            <a:xfrm>
+              <a:off x="7093181" y="1218807"/>
+              <a:ext cx="1707972" cy="5479037"/>
+            </a:xfrm>
+            <a:prstGeom prst="rect">
+              <a:avLst/>
+            </a:prstGeom>
+          </p:spPr>
+        </p:pic>
+        <p:pic>
+          <p:nvPicPr>
+            <p:cNvPr id="12" name="Рисунок 11"/>
+            <p:cNvPicPr>
+              <a:picLocks noChangeAspect="1"/>
+            </p:cNvPicPr>
+            <p:nvPr/>
+          </p:nvPicPr>
+          <p:blipFill>
+            <a:blip r:embed="rId4"/>
+            <a:stretch>
+              <a:fillRect/>
+            </a:stretch>
+          </p:blipFill>
+          <p:spPr>
+            <a:xfrm>
+              <a:off x="9050274" y="1218807"/>
+              <a:ext cx="1741793" cy="4396758"/>
+            </a:xfrm>
+            <a:prstGeom prst="rect">
+              <a:avLst/>
+            </a:prstGeom>
+          </p:spPr>
+        </p:pic>
+      </p:grpSp>
       <p:pic>
         <p:nvPicPr>
           <p:cNvPr id="3" name="Рисунок 2"/>
@@ -6969,7 +8119,7 @@
           <p:nvPr/>
         </p:nvPicPr>
         <p:blipFill>
-          <a:blip r:embed="rId4"/>
+          <a:blip r:embed="rId5"/>
           <a:stretch>
             <a:fillRect/>
           </a:stretch>
@@ -7309,6 +8459,117 @@
           <a:chExt cx="0" cy="0"/>
         </a:xfrm>
       </p:grpSpPr>
+      <p:grpSp>
+        <p:nvGrpSpPr>
+          <p:cNvPr id="17" name="Группа 16"/>
+          <p:cNvGrpSpPr/>
+          <p:nvPr/>
+        </p:nvGrpSpPr>
+        <p:grpSpPr>
+          <a:xfrm>
+            <a:off x="6181567" y="3346243"/>
+            <a:ext cx="5746336" cy="3363871"/>
+            <a:chOff x="6181567" y="2530163"/>
+            <a:chExt cx="5746336" cy="3363871"/>
+          </a:xfrm>
+        </p:grpSpPr>
+        <p:pic>
+          <p:nvPicPr>
+            <p:cNvPr id="14" name="Рисунок 13"/>
+            <p:cNvPicPr>
+              <a:picLocks noChangeAspect="1"/>
+            </p:cNvPicPr>
+            <p:nvPr/>
+          </p:nvPicPr>
+          <p:blipFill>
+            <a:blip r:embed="rId3"/>
+            <a:stretch>
+              <a:fillRect/>
+            </a:stretch>
+          </p:blipFill>
+          <p:spPr>
+            <a:xfrm>
+              <a:off x="6181567" y="2530164"/>
+              <a:ext cx="1780872" cy="3363870"/>
+            </a:xfrm>
+            <a:prstGeom prst="rect">
+              <a:avLst/>
+            </a:prstGeom>
+          </p:spPr>
+        </p:pic>
+        <p:pic>
+          <p:nvPicPr>
+            <p:cNvPr id="15" name="Рисунок 14"/>
+            <p:cNvPicPr>
+              <a:picLocks noChangeAspect="1"/>
+            </p:cNvPicPr>
+            <p:nvPr/>
+          </p:nvPicPr>
+          <p:blipFill>
+            <a:blip r:embed="rId4"/>
+            <a:stretch>
+              <a:fillRect/>
+            </a:stretch>
+          </p:blipFill>
+          <p:spPr>
+            <a:xfrm>
+              <a:off x="8211616" y="2530163"/>
+              <a:ext cx="1720650" cy="3338061"/>
+            </a:xfrm>
+            <a:prstGeom prst="rect">
+              <a:avLst/>
+            </a:prstGeom>
+          </p:spPr>
+        </p:pic>
+        <p:pic>
+          <p:nvPicPr>
+            <p:cNvPr id="16" name="Рисунок 15"/>
+            <p:cNvPicPr>
+              <a:picLocks noChangeAspect="1"/>
+            </p:cNvPicPr>
+            <p:nvPr/>
+          </p:nvPicPr>
+          <p:blipFill>
+            <a:blip r:embed="rId5"/>
+            <a:stretch>
+              <a:fillRect/>
+            </a:stretch>
+          </p:blipFill>
+          <p:spPr>
+            <a:xfrm>
+              <a:off x="10181443" y="2530163"/>
+              <a:ext cx="1746460" cy="2916502"/>
+            </a:xfrm>
+            <a:prstGeom prst="rect">
+              <a:avLst/>
+            </a:prstGeom>
+          </p:spPr>
+        </p:pic>
+      </p:grpSp>
+      <p:pic>
+        <p:nvPicPr>
+          <p:cNvPr id="4" name="Рисунок 3"/>
+          <p:cNvPicPr>
+            <a:picLocks noChangeAspect="1"/>
+          </p:cNvPicPr>
+          <p:nvPr/>
+        </p:nvPicPr>
+        <p:blipFill>
+          <a:blip r:embed="rId6"/>
+          <a:stretch>
+            <a:fillRect/>
+          </a:stretch>
+        </p:blipFill>
+        <p:spPr>
+          <a:xfrm>
+            <a:off x="263523" y="1218807"/>
+            <a:ext cx="4514954" cy="5478053"/>
+          </a:xfrm>
+          <a:prstGeom prst="rect">
+            <a:avLst/>
+          </a:prstGeom>
+        </p:spPr>
+      </p:pic>
       <p:sp>
         <p:nvSpPr>
           <p:cNvPr id="2" name="Заголовок 1"/>
@@ -7339,7 +8600,17 @@
                 <a:latin typeface="Calibri" panose="020F0502020204030204" pitchFamily="34" charset="0"/>
                 <a:cs typeface="Calibri" panose="020F0502020204030204" pitchFamily="34" charset="0"/>
               </a:rPr>
-              <a:t>Жив ли поток?</a:t>
+              <a:t>Несколько потоков. </a:t>
+            </a:r>
+            <a:r>
+              <a:rPr lang="ru-RU" sz="2800" dirty="0" smtClean="0">
+                <a:solidFill>
+                  <a:srgbClr val="965C3F"/>
+                </a:solidFill>
+                <a:latin typeface="Calibri" panose="020F0502020204030204" pitchFamily="34" charset="0"/>
+                <a:cs typeface="Calibri" panose="020F0502020204030204" pitchFamily="34" charset="0"/>
+              </a:rPr>
+              <a:t>Объединение потоков</a:t>
             </a:r>
             <a:endParaRPr lang="ru-RU" sz="2800" dirty="0">
               <a:solidFill>
@@ -7505,8 +8776,8 @@
         </p:nvSpPr>
         <p:spPr>
           <a:xfrm>
-            <a:off x="6172074" y="1218808"/>
-            <a:ext cx="5756400" cy="5479036"/>
+            <a:off x="6172074" y="3346242"/>
+            <a:ext cx="5756400" cy="3351601"/>
           </a:xfrm>
           <a:prstGeom prst="rect">
             <a:avLst/>
@@ -7589,10 +8860,187 @@
           </a:p>
         </p:txBody>
       </p:sp>
+      <p:sp>
+        <p:nvSpPr>
+          <p:cNvPr id="23" name="Прямоугольник 22"/>
+          <p:cNvSpPr/>
+          <p:nvPr/>
+        </p:nvSpPr>
+        <p:spPr>
+          <a:xfrm>
+            <a:off x="6172074" y="1218808"/>
+            <a:ext cx="5756400" cy="2006173"/>
+          </a:xfrm>
+          <a:prstGeom prst="rect">
+            <a:avLst/>
+          </a:prstGeom>
+          <a:noFill/>
+          <a:ln>
+            <a:solidFill>
+              <a:srgbClr val="4A494A"/>
+            </a:solidFill>
+          </a:ln>
+        </p:spPr>
+        <p:style>
+          <a:lnRef idx="2">
+            <a:schemeClr val="accent1">
+              <a:shade val="50000"/>
+            </a:schemeClr>
+          </a:lnRef>
+          <a:fillRef idx="1">
+            <a:schemeClr val="accent1"/>
+          </a:fillRef>
+          <a:effectRef idx="0">
+            <a:schemeClr val="accent1"/>
+          </a:effectRef>
+          <a:fontRef idx="minor">
+            <a:schemeClr val="lt1"/>
+          </a:fontRef>
+        </p:style>
+        <p:txBody>
+          <a:bodyPr rtlCol="0" anchor="ctr"/>
+          <a:lstStyle/>
+          <a:p>
+            <a:pPr algn="ctr"/>
+            <a:endParaRPr lang="ru-RU"/>
+          </a:p>
+        </p:txBody>
+      </p:sp>
+      <p:grpSp>
+        <p:nvGrpSpPr>
+          <p:cNvPr id="18" name="Группа 17"/>
+          <p:cNvGrpSpPr/>
+          <p:nvPr/>
+        </p:nvGrpSpPr>
+        <p:grpSpPr>
+          <a:xfrm>
+            <a:off x="6262676" y="1621730"/>
+            <a:ext cx="5575197" cy="1200329"/>
+            <a:chOff x="6272674" y="1950020"/>
+            <a:chExt cx="5575197" cy="1200329"/>
+          </a:xfrm>
+        </p:grpSpPr>
+        <p:sp>
+          <p:nvSpPr>
+            <p:cNvPr id="24" name="Прямоугольник 23"/>
+            <p:cNvSpPr/>
+            <p:nvPr/>
+          </p:nvSpPr>
+          <p:spPr>
+            <a:xfrm>
+              <a:off x="6272674" y="1950020"/>
+              <a:ext cx="1128322" cy="369332"/>
+            </a:xfrm>
+            <a:prstGeom prst="rect">
+              <a:avLst/>
+            </a:prstGeom>
+          </p:spPr>
+          <p:txBody>
+            <a:bodyPr wrap="none">
+              <a:spAutoFit/>
+            </a:bodyPr>
+            <a:lstStyle/>
+            <a:p>
+              <a:pPr>
+                <a:defRPr/>
+              </a:pPr>
+              <a:r>
+                <a:rPr lang="en-US" dirty="0" smtClean="0">
+                  <a:solidFill>
+                    <a:srgbClr val="AE9446"/>
+                  </a:solidFill>
+                </a:rPr>
+                <a:t>void</a:t>
+              </a:r>
+              <a:r>
+                <a:rPr lang="en-US" dirty="0" smtClean="0"/>
+                <a:t> </a:t>
+              </a:r>
+              <a:r>
+                <a:rPr lang="en-US" dirty="0" smtClean="0">
+                  <a:solidFill>
+                    <a:srgbClr val="935B6D"/>
+                  </a:solidFill>
+                </a:rPr>
+                <a:t>join</a:t>
+              </a:r>
+              <a:r>
+                <a:rPr lang="en-US" dirty="0" smtClean="0">
+                  <a:solidFill>
+                    <a:srgbClr val="B5B7BC"/>
+                  </a:solidFill>
+                </a:rPr>
+                <a:t>()</a:t>
+              </a:r>
+              <a:endParaRPr lang="en-US" dirty="0">
+                <a:solidFill>
+                  <a:srgbClr val="B5B7BC"/>
+                </a:solidFill>
+              </a:endParaRPr>
+            </a:p>
+          </p:txBody>
+        </p:sp>
+        <p:sp>
+          <p:nvSpPr>
+            <p:cNvPr id="25" name="Прямоугольник 24"/>
+            <p:cNvSpPr/>
+            <p:nvPr/>
+          </p:nvSpPr>
+          <p:spPr>
+            <a:xfrm>
+              <a:off x="7266860" y="1950020"/>
+              <a:ext cx="4581011" cy="1200329"/>
+            </a:xfrm>
+            <a:prstGeom prst="rect">
+              <a:avLst/>
+            </a:prstGeom>
+          </p:spPr>
+          <p:txBody>
+            <a:bodyPr wrap="square">
+              <a:spAutoFit/>
+            </a:bodyPr>
+            <a:lstStyle/>
+            <a:p>
+              <a:r>
+                <a:rPr lang="en-US" dirty="0" smtClean="0">
+                  <a:solidFill>
+                    <a:srgbClr val="B5B7BC"/>
+                  </a:solidFill>
+                </a:rPr>
+                <a:t>- </a:t>
+              </a:r>
+              <a:r>
+                <a:rPr lang="ru-RU" dirty="0">
+                  <a:solidFill>
+                    <a:srgbClr val="B5B7BC"/>
+                  </a:solidFill>
+                </a:rPr>
+                <a:t>з</a:t>
+              </a:r>
+              <a:r>
+                <a:rPr lang="ru-RU" dirty="0" smtClean="0">
+                  <a:solidFill>
+                    <a:srgbClr val="B5B7BC"/>
+                  </a:solidFill>
+                </a:rPr>
+                <a:t>аставляет </a:t>
+              </a:r>
+              <a:r>
+                <a:rPr lang="ru-RU" dirty="0">
+                  <a:solidFill>
+                    <a:srgbClr val="B5B7BC"/>
+                  </a:solidFill>
+                </a:rPr>
+                <a:t>текущий поток дождаться завершения другого потока, у которого вызван этот метод, прежде чем продолжить выполнение программы.</a:t>
+              </a:r>
+            </a:p>
+          </p:txBody>
+        </p:sp>
+      </p:grpSp>
     </p:spTree>
     <p:extLst>
       <p:ext uri="{BB962C8B-B14F-4D97-AF65-F5344CB8AC3E}">
-        <p14:creationId xmlns:p14="http://schemas.microsoft.com/office/powerpoint/2010/main" val="1567496221"/>
+        <p14:creationId xmlns:p14="http://schemas.microsoft.com/office/powerpoint/2010/main" val="267978212"/>
       </p:ext>
     </p:extLst>
   </p:cSld>
@@ -7610,6 +9058,810 @@
 </file>
 
 <file path=ppt/slides/slide13.xml><?xml version="1.0" encoding="utf-8"?>
+<p:sld xmlns:a="http://schemas.openxmlformats.org/drawingml/2006/main" xmlns:r="http://schemas.openxmlformats.org/officeDocument/2006/relationships" xmlns:p="http://schemas.openxmlformats.org/presentationml/2006/main">
+  <p:cSld>
+    <p:bg>
+      <p:bgPr>
+        <a:solidFill>
+          <a:srgbClr val="1E1F22"/>
+        </a:solidFill>
+        <a:effectLst/>
+      </p:bgPr>
+    </p:bg>
+    <p:spTree>
+      <p:nvGrpSpPr>
+        <p:cNvPr id="1" name=""/>
+        <p:cNvGrpSpPr/>
+        <p:nvPr/>
+      </p:nvGrpSpPr>
+      <p:grpSpPr>
+        <a:xfrm>
+          <a:off x="0" y="0"/>
+          <a:ext cx="0" cy="0"/>
+          <a:chOff x="0" y="0"/>
+          <a:chExt cx="0" cy="0"/>
+        </a:xfrm>
+      </p:grpSpPr>
+      <p:pic>
+        <p:nvPicPr>
+          <p:cNvPr id="5" name="Рисунок 4"/>
+          <p:cNvPicPr>
+            <a:picLocks noChangeAspect="1"/>
+          </p:cNvPicPr>
+          <p:nvPr/>
+        </p:nvPicPr>
+        <p:blipFill>
+          <a:blip r:embed="rId3"/>
+          <a:stretch>
+            <a:fillRect/>
+          </a:stretch>
+        </p:blipFill>
+        <p:spPr>
+          <a:xfrm>
+            <a:off x="6172073" y="3326048"/>
+            <a:ext cx="3343742" cy="514422"/>
+          </a:xfrm>
+          <a:prstGeom prst="rect">
+            <a:avLst/>
+          </a:prstGeom>
+        </p:spPr>
+      </p:pic>
+      <p:pic>
+        <p:nvPicPr>
+          <p:cNvPr id="3" name="Рисунок 2"/>
+          <p:cNvPicPr>
+            <a:picLocks noChangeAspect="1"/>
+          </p:cNvPicPr>
+          <p:nvPr/>
+        </p:nvPicPr>
+        <p:blipFill>
+          <a:blip r:embed="rId4"/>
+          <a:stretch>
+            <a:fillRect/>
+          </a:stretch>
+        </p:blipFill>
+        <p:spPr>
+          <a:xfrm>
+            <a:off x="263526" y="3326048"/>
+            <a:ext cx="5756400" cy="3384066"/>
+          </a:xfrm>
+          <a:prstGeom prst="rect">
+            <a:avLst/>
+          </a:prstGeom>
+        </p:spPr>
+      </p:pic>
+      <p:sp>
+        <p:nvSpPr>
+          <p:cNvPr id="2" name="Заголовок 1"/>
+          <p:cNvSpPr>
+            <a:spLocks noGrp="1"/>
+          </p:cNvSpPr>
+          <p:nvPr>
+            <p:ph type="title"/>
+          </p:nvPr>
+        </p:nvSpPr>
+        <p:spPr>
+          <a:xfrm>
+            <a:off x="180000" y="180000"/>
+            <a:ext cx="11916228" cy="563789"/>
+          </a:xfrm>
+        </p:spPr>
+        <p:txBody>
+          <a:bodyPr>
+            <a:noAutofit/>
+          </a:bodyPr>
+          <a:lstStyle/>
+          <a:p>
+            <a:r>
+              <a:rPr lang="ru-RU" sz="2800" dirty="0" smtClean="0">
+                <a:solidFill>
+                  <a:srgbClr val="965C3F"/>
+                </a:solidFill>
+                <a:latin typeface="Calibri" panose="020F0502020204030204" pitchFamily="34" charset="0"/>
+                <a:cs typeface="Calibri" panose="020F0502020204030204" pitchFamily="34" charset="0"/>
+              </a:rPr>
+              <a:t>Несколько потоков. </a:t>
+            </a:r>
+            <a:r>
+              <a:rPr lang="ru-RU" sz="2800" dirty="0" smtClean="0">
+                <a:solidFill>
+                  <a:srgbClr val="965C3F"/>
+                </a:solidFill>
+                <a:latin typeface="Calibri" panose="020F0502020204030204" pitchFamily="34" charset="0"/>
+                <a:cs typeface="Calibri" panose="020F0502020204030204" pitchFamily="34" charset="0"/>
+              </a:rPr>
+              <a:t>Приоритет</a:t>
+            </a:r>
+            <a:endParaRPr lang="ru-RU" sz="2800" dirty="0">
+              <a:solidFill>
+                <a:srgbClr val="965C3F"/>
+              </a:solidFill>
+              <a:latin typeface="Calibri" panose="020F0502020204030204" pitchFamily="34" charset="0"/>
+              <a:cs typeface="Calibri" panose="020F0502020204030204" pitchFamily="34" charset="0"/>
+            </a:endParaRPr>
+          </a:p>
+        </p:txBody>
+      </p:sp>
+      <p:cxnSp>
+        <p:nvCxnSpPr>
+          <p:cNvPr id="6" name="Прямая соединительная линия 5"/>
+          <p:cNvCxnSpPr/>
+          <p:nvPr/>
+        </p:nvCxnSpPr>
+        <p:spPr>
+          <a:xfrm flipV="1">
+            <a:off x="180000" y="0"/>
+            <a:ext cx="0" cy="6858000"/>
+          </a:xfrm>
+          <a:prstGeom prst="line">
+            <a:avLst/>
+          </a:prstGeom>
+          <a:ln w="22225">
+            <a:solidFill>
+              <a:srgbClr val="4A494A"/>
+            </a:solidFill>
+          </a:ln>
+        </p:spPr>
+        <p:style>
+          <a:lnRef idx="1">
+            <a:schemeClr val="accent1"/>
+          </a:lnRef>
+          <a:fillRef idx="0">
+            <a:schemeClr val="accent1"/>
+          </a:fillRef>
+          <a:effectRef idx="0">
+            <a:schemeClr val="accent1"/>
+          </a:effectRef>
+          <a:fontRef idx="minor">
+            <a:schemeClr val="tx1"/>
+          </a:fontRef>
+        </p:style>
+      </p:cxnSp>
+      <p:cxnSp>
+        <p:nvCxnSpPr>
+          <p:cNvPr id="7" name="Прямая соединительная линия 6"/>
+          <p:cNvCxnSpPr/>
+          <p:nvPr/>
+        </p:nvCxnSpPr>
+        <p:spPr>
+          <a:xfrm flipH="1">
+            <a:off x="180000" y="180000"/>
+            <a:ext cx="12154876" cy="0"/>
+          </a:xfrm>
+          <a:prstGeom prst="line">
+            <a:avLst/>
+          </a:prstGeom>
+          <a:ln w="22225">
+            <a:solidFill>
+              <a:srgbClr val="4A494A"/>
+            </a:solidFill>
+          </a:ln>
+        </p:spPr>
+        <p:style>
+          <a:lnRef idx="1">
+            <a:schemeClr val="accent1"/>
+          </a:lnRef>
+          <a:fillRef idx="0">
+            <a:schemeClr val="accent1"/>
+          </a:fillRef>
+          <a:effectRef idx="0">
+            <a:schemeClr val="accent1"/>
+          </a:effectRef>
+          <a:fontRef idx="minor">
+            <a:schemeClr val="tx1"/>
+          </a:fontRef>
+        </p:style>
+      </p:cxnSp>
+      <p:cxnSp>
+        <p:nvCxnSpPr>
+          <p:cNvPr id="11" name="Прямая соединительная линия 10"/>
+          <p:cNvCxnSpPr/>
+          <p:nvPr/>
+        </p:nvCxnSpPr>
+        <p:spPr>
+          <a:xfrm flipH="1">
+            <a:off x="180000" y="761864"/>
+            <a:ext cx="12154876" cy="0"/>
+          </a:xfrm>
+          <a:prstGeom prst="line">
+            <a:avLst/>
+          </a:prstGeom>
+          <a:ln w="22225">
+            <a:solidFill>
+              <a:srgbClr val="4A494A"/>
+            </a:solidFill>
+          </a:ln>
+        </p:spPr>
+        <p:style>
+          <a:lnRef idx="1">
+            <a:schemeClr val="accent1"/>
+          </a:lnRef>
+          <a:fillRef idx="0">
+            <a:schemeClr val="accent1"/>
+          </a:fillRef>
+          <a:effectRef idx="0">
+            <a:schemeClr val="accent1"/>
+          </a:effectRef>
+          <a:fontRef idx="minor">
+            <a:schemeClr val="tx1"/>
+          </a:fontRef>
+        </p:style>
+      </p:cxnSp>
+      <p:sp>
+        <p:nvSpPr>
+          <p:cNvPr id="36" name="Прямоугольник 35"/>
+          <p:cNvSpPr/>
+          <p:nvPr/>
+        </p:nvSpPr>
+        <p:spPr>
+          <a:xfrm>
+            <a:off x="6172074" y="3326048"/>
+            <a:ext cx="5756400" cy="3371795"/>
+          </a:xfrm>
+          <a:prstGeom prst="rect">
+            <a:avLst/>
+          </a:prstGeom>
+          <a:noFill/>
+          <a:ln>
+            <a:solidFill>
+              <a:srgbClr val="4A494A"/>
+            </a:solidFill>
+          </a:ln>
+        </p:spPr>
+        <p:style>
+          <a:lnRef idx="2">
+            <a:schemeClr val="accent1">
+              <a:shade val="50000"/>
+            </a:schemeClr>
+          </a:lnRef>
+          <a:fillRef idx="1">
+            <a:schemeClr val="accent1"/>
+          </a:fillRef>
+          <a:effectRef idx="0">
+            <a:schemeClr val="accent1"/>
+          </a:effectRef>
+          <a:fontRef idx="minor">
+            <a:schemeClr val="lt1"/>
+          </a:fontRef>
+        </p:style>
+        <p:txBody>
+          <a:bodyPr rtlCol="0" anchor="ctr"/>
+          <a:lstStyle/>
+          <a:p>
+            <a:pPr algn="ctr"/>
+            <a:endParaRPr lang="ru-RU"/>
+          </a:p>
+        </p:txBody>
+      </p:sp>
+      <p:sp>
+        <p:nvSpPr>
+          <p:cNvPr id="41" name="Прямоугольник 40"/>
+          <p:cNvSpPr/>
+          <p:nvPr/>
+        </p:nvSpPr>
+        <p:spPr>
+          <a:xfrm>
+            <a:off x="263525" y="3326048"/>
+            <a:ext cx="5756400" cy="3371795"/>
+          </a:xfrm>
+          <a:prstGeom prst="rect">
+            <a:avLst/>
+          </a:prstGeom>
+          <a:noFill/>
+          <a:ln>
+            <a:solidFill>
+              <a:srgbClr val="4A494A"/>
+            </a:solidFill>
+          </a:ln>
+        </p:spPr>
+        <p:style>
+          <a:lnRef idx="2">
+            <a:schemeClr val="accent1">
+              <a:shade val="50000"/>
+            </a:schemeClr>
+          </a:lnRef>
+          <a:fillRef idx="1">
+            <a:schemeClr val="accent1"/>
+          </a:fillRef>
+          <a:effectRef idx="0">
+            <a:schemeClr val="accent1"/>
+          </a:effectRef>
+          <a:fontRef idx="minor">
+            <a:schemeClr val="lt1"/>
+          </a:fontRef>
+        </p:style>
+        <p:txBody>
+          <a:bodyPr rtlCol="0" anchor="ctr"/>
+          <a:lstStyle/>
+          <a:p>
+            <a:pPr algn="ctr"/>
+            <a:endParaRPr lang="ru-RU"/>
+          </a:p>
+        </p:txBody>
+      </p:sp>
+      <p:sp>
+        <p:nvSpPr>
+          <p:cNvPr id="23" name="Прямоугольник 22"/>
+          <p:cNvSpPr/>
+          <p:nvPr/>
+        </p:nvSpPr>
+        <p:spPr>
+          <a:xfrm>
+            <a:off x="6172074" y="1780930"/>
+            <a:ext cx="5756400" cy="1477328"/>
+          </a:xfrm>
+          <a:prstGeom prst="rect">
+            <a:avLst/>
+          </a:prstGeom>
+          <a:noFill/>
+          <a:ln>
+            <a:solidFill>
+              <a:srgbClr val="4A494A"/>
+            </a:solidFill>
+          </a:ln>
+        </p:spPr>
+        <p:style>
+          <a:lnRef idx="2">
+            <a:schemeClr val="accent1">
+              <a:shade val="50000"/>
+            </a:schemeClr>
+          </a:lnRef>
+          <a:fillRef idx="1">
+            <a:schemeClr val="accent1"/>
+          </a:fillRef>
+          <a:effectRef idx="0">
+            <a:schemeClr val="accent1"/>
+          </a:effectRef>
+          <a:fontRef idx="minor">
+            <a:schemeClr val="lt1"/>
+          </a:fontRef>
+        </p:style>
+        <p:txBody>
+          <a:bodyPr rtlCol="0" anchor="ctr"/>
+          <a:lstStyle/>
+          <a:p>
+            <a:pPr algn="ctr"/>
+            <a:endParaRPr lang="ru-RU"/>
+          </a:p>
+        </p:txBody>
+      </p:sp>
+      <p:grpSp>
+        <p:nvGrpSpPr>
+          <p:cNvPr id="18" name="Группа 17"/>
+          <p:cNvGrpSpPr/>
+          <p:nvPr/>
+        </p:nvGrpSpPr>
+        <p:grpSpPr>
+          <a:xfrm>
+            <a:off x="6257438" y="1780930"/>
+            <a:ext cx="5354459" cy="894285"/>
+            <a:chOff x="6267437" y="1780591"/>
+            <a:chExt cx="5354459" cy="894285"/>
+          </a:xfrm>
+        </p:grpSpPr>
+        <p:sp>
+          <p:nvSpPr>
+            <p:cNvPr id="24" name="Прямоугольник 23"/>
+            <p:cNvSpPr/>
+            <p:nvPr/>
+          </p:nvSpPr>
+          <p:spPr>
+            <a:xfrm>
+              <a:off x="6267437" y="1780591"/>
+              <a:ext cx="3137205" cy="369332"/>
+            </a:xfrm>
+            <a:prstGeom prst="rect">
+              <a:avLst/>
+            </a:prstGeom>
+          </p:spPr>
+          <p:txBody>
+            <a:bodyPr wrap="none">
+              <a:spAutoFit/>
+            </a:bodyPr>
+            <a:lstStyle/>
+            <a:p>
+              <a:pPr>
+                <a:defRPr/>
+              </a:pPr>
+              <a:r>
+                <a:rPr lang="en-US" dirty="0">
+                  <a:solidFill>
+                    <a:srgbClr val="AE9446"/>
+                  </a:solidFill>
+                </a:rPr>
+                <a:t>void </a:t>
+              </a:r>
+              <a:r>
+                <a:rPr lang="en-US" dirty="0" err="1">
+                  <a:solidFill>
+                    <a:srgbClr val="935B6D"/>
+                  </a:solidFill>
+                </a:rPr>
+                <a:t>setPriority</a:t>
+              </a:r>
+              <a:r>
+                <a:rPr lang="en-US" dirty="0">
+                  <a:solidFill>
+                    <a:srgbClr val="B5B7BC"/>
+                  </a:solidFill>
+                </a:rPr>
+                <a:t>(</a:t>
+              </a:r>
+              <a:r>
+                <a:rPr lang="en-US" dirty="0" err="1">
+                  <a:solidFill>
+                    <a:srgbClr val="B5B7BC"/>
+                  </a:solidFill>
+                </a:rPr>
+                <a:t>int</a:t>
+              </a:r>
+              <a:r>
+                <a:rPr lang="en-US" dirty="0">
+                  <a:solidFill>
+                    <a:srgbClr val="B5B7BC"/>
+                  </a:solidFill>
+                </a:rPr>
+                <a:t> </a:t>
+              </a:r>
+              <a:r>
+                <a:rPr lang="en-US" dirty="0" err="1">
+                  <a:solidFill>
+                    <a:srgbClr val="9CC56C"/>
+                  </a:solidFill>
+                </a:rPr>
+                <a:t>newPriority</a:t>
+              </a:r>
+              <a:r>
+                <a:rPr lang="en-US" dirty="0">
+                  <a:solidFill>
+                    <a:srgbClr val="B5B7BC"/>
+                  </a:solidFill>
+                </a:rPr>
+                <a:t>)</a:t>
+              </a:r>
+            </a:p>
+          </p:txBody>
+        </p:sp>
+        <p:sp>
+          <p:nvSpPr>
+            <p:cNvPr id="25" name="Прямоугольник 24"/>
+            <p:cNvSpPr/>
+            <p:nvPr/>
+          </p:nvSpPr>
+          <p:spPr>
+            <a:xfrm>
+              <a:off x="6267437" y="2028545"/>
+              <a:ext cx="5354459" cy="646331"/>
+            </a:xfrm>
+            <a:prstGeom prst="rect">
+              <a:avLst/>
+            </a:prstGeom>
+          </p:spPr>
+          <p:txBody>
+            <a:bodyPr wrap="square">
+              <a:spAutoFit/>
+            </a:bodyPr>
+            <a:lstStyle/>
+            <a:p>
+              <a:r>
+                <a:rPr lang="en-US" dirty="0" smtClean="0">
+                  <a:solidFill>
+                    <a:srgbClr val="B5B7BC"/>
+                  </a:solidFill>
+                </a:rPr>
+                <a:t>- </a:t>
+              </a:r>
+              <a:r>
+                <a:rPr lang="ru-RU" dirty="0">
+                  <a:solidFill>
+                    <a:srgbClr val="B5B7BC"/>
+                  </a:solidFill>
+                </a:rPr>
+                <a:t>у</a:t>
+              </a:r>
+              <a:r>
+                <a:rPr lang="ru-RU" dirty="0" smtClean="0">
+                  <a:solidFill>
+                    <a:srgbClr val="B5B7BC"/>
+                  </a:solidFill>
+                </a:rPr>
+                <a:t>станавливает приоритет потока (только до запуска потока</a:t>
+              </a:r>
+              <a:endParaRPr lang="ru-RU" dirty="0">
+                <a:solidFill>
+                  <a:srgbClr val="B5B7BC"/>
+                </a:solidFill>
+              </a:endParaRPr>
+            </a:p>
+          </p:txBody>
+        </p:sp>
+      </p:grpSp>
+      <p:sp>
+        <p:nvSpPr>
+          <p:cNvPr id="19" name="Прямоугольник 18"/>
+          <p:cNvSpPr/>
+          <p:nvPr/>
+        </p:nvSpPr>
+        <p:spPr>
+          <a:xfrm>
+            <a:off x="261979" y="799365"/>
+            <a:ext cx="11664381" cy="923330"/>
+          </a:xfrm>
+          <a:prstGeom prst="rect">
+            <a:avLst/>
+          </a:prstGeom>
+          <a:ln>
+            <a:solidFill>
+              <a:srgbClr val="4A494A"/>
+            </a:solidFill>
+          </a:ln>
+        </p:spPr>
+        <p:txBody>
+          <a:bodyPr wrap="square">
+            <a:spAutoFit/>
+          </a:bodyPr>
+          <a:lstStyle/>
+          <a:p>
+            <a:r>
+              <a:rPr lang="ru-RU" dirty="0">
+                <a:solidFill>
+                  <a:srgbClr val="B5B7BC"/>
+                </a:solidFill>
+              </a:rPr>
+              <a:t>Каждый поток имеет </a:t>
+            </a:r>
+            <a:r>
+              <a:rPr lang="ru-RU" dirty="0">
+                <a:solidFill>
+                  <a:srgbClr val="AE9446"/>
+                </a:solidFill>
+              </a:rPr>
+              <a:t>приоритет</a:t>
+            </a:r>
+            <a:r>
+              <a:rPr lang="ru-RU" dirty="0">
+                <a:solidFill>
+                  <a:srgbClr val="B5B7BC"/>
+                </a:solidFill>
+              </a:rPr>
+              <a:t>, который влияет на то, как JVM распределяет время процессора между потоками. </a:t>
+            </a:r>
+            <a:endParaRPr lang="ru-RU" dirty="0" smtClean="0">
+              <a:solidFill>
+                <a:srgbClr val="B5B7BC"/>
+              </a:solidFill>
+            </a:endParaRPr>
+          </a:p>
+          <a:p>
+            <a:r>
+              <a:rPr lang="ru-RU" dirty="0" smtClean="0">
+                <a:solidFill>
+                  <a:srgbClr val="B5B7BC"/>
+                </a:solidFill>
+              </a:rPr>
+              <a:t>Однако</a:t>
+            </a:r>
+            <a:r>
+              <a:rPr lang="ru-RU" dirty="0">
+                <a:solidFill>
+                  <a:srgbClr val="B5B7BC"/>
+                </a:solidFill>
+              </a:rPr>
+              <a:t> </a:t>
+            </a:r>
+            <a:r>
+              <a:rPr lang="ru-RU" dirty="0" smtClean="0">
+                <a:solidFill>
+                  <a:srgbClr val="B5B7BC"/>
+                </a:solidFill>
+              </a:rPr>
+              <a:t>приоритет </a:t>
+            </a:r>
+            <a:r>
+              <a:rPr lang="ru-RU" dirty="0">
+                <a:solidFill>
+                  <a:srgbClr val="935B6D"/>
+                </a:solidFill>
+              </a:rPr>
+              <a:t>не гарантирует</a:t>
+            </a:r>
+            <a:r>
+              <a:rPr lang="ru-RU" dirty="0">
+                <a:solidFill>
+                  <a:srgbClr val="B5B7BC"/>
+                </a:solidFill>
+              </a:rPr>
+              <a:t>, что </a:t>
+            </a:r>
+            <a:r>
+              <a:rPr lang="ru-RU" dirty="0" smtClean="0">
+                <a:solidFill>
+                  <a:srgbClr val="B5B7BC"/>
+                </a:solidFill>
+              </a:rPr>
+              <a:t>высокоприоритетные потоки будут </a:t>
+            </a:r>
+            <a:r>
+              <a:rPr lang="ru-RU" dirty="0">
+                <a:solidFill>
+                  <a:srgbClr val="B5B7BC"/>
+                </a:solidFill>
+              </a:rPr>
+              <a:t>всегда выполняться раньше </a:t>
+            </a:r>
+            <a:r>
+              <a:rPr lang="ru-RU" dirty="0" smtClean="0">
+                <a:solidFill>
+                  <a:srgbClr val="B5B7BC"/>
+                </a:solidFill>
+              </a:rPr>
+              <a:t>низкоприоритетных.</a:t>
+            </a:r>
+            <a:endParaRPr lang="ru-RU" dirty="0">
+              <a:solidFill>
+                <a:srgbClr val="935B6D"/>
+              </a:solidFill>
+            </a:endParaRPr>
+          </a:p>
+        </p:txBody>
+      </p:sp>
+      <p:sp>
+        <p:nvSpPr>
+          <p:cNvPr id="9" name="Прямоугольник 8"/>
+          <p:cNvSpPr/>
+          <p:nvPr/>
+        </p:nvSpPr>
+        <p:spPr>
+          <a:xfrm>
+            <a:off x="263525" y="1780930"/>
+            <a:ext cx="5756400" cy="1477328"/>
+          </a:xfrm>
+          <a:prstGeom prst="rect">
+            <a:avLst/>
+          </a:prstGeom>
+          <a:ln>
+            <a:solidFill>
+              <a:srgbClr val="4A494A"/>
+            </a:solidFill>
+          </a:ln>
+        </p:spPr>
+        <p:txBody>
+          <a:bodyPr wrap="square">
+            <a:spAutoFit/>
+          </a:bodyPr>
+          <a:lstStyle/>
+          <a:p>
+            <a:r>
+              <a:rPr lang="ru-RU" dirty="0">
+                <a:solidFill>
+                  <a:srgbClr val="B5B7BC"/>
+                </a:solidFill>
+              </a:rPr>
+              <a:t>Приоритеты потоков задаются числами от 1 до 10:</a:t>
+            </a:r>
+          </a:p>
+          <a:p>
+            <a:r>
+              <a:rPr lang="ru-RU" dirty="0">
+                <a:solidFill>
+                  <a:srgbClr val="AE9446"/>
+                </a:solidFill>
+              </a:rPr>
+              <a:t>MIN_PRIORITY</a:t>
+            </a:r>
+            <a:r>
+              <a:rPr lang="ru-RU" dirty="0">
+                <a:solidFill>
+                  <a:srgbClr val="AE9446"/>
+                </a:solidFill>
+              </a:rPr>
+              <a:t> </a:t>
+            </a:r>
+            <a:r>
+              <a:rPr lang="ru-RU" dirty="0">
+                <a:solidFill>
+                  <a:srgbClr val="9CC56C"/>
+                </a:solidFill>
+              </a:rPr>
+              <a:t>(1)</a:t>
+            </a:r>
+            <a:r>
+              <a:rPr lang="ru-RU" dirty="0">
+                <a:solidFill>
+                  <a:srgbClr val="B5B7BC"/>
+                </a:solidFill>
+              </a:rPr>
+              <a:t>: Минимальный приоритет.</a:t>
+            </a:r>
+          </a:p>
+          <a:p>
+            <a:r>
+              <a:rPr lang="ru-RU" dirty="0">
+                <a:solidFill>
+                  <a:srgbClr val="AE9446"/>
+                </a:solidFill>
+              </a:rPr>
+              <a:t>NORM_PRIORITY </a:t>
+            </a:r>
+            <a:r>
+              <a:rPr lang="ru-RU" dirty="0">
+                <a:solidFill>
+                  <a:srgbClr val="9CC56C"/>
+                </a:solidFill>
+              </a:rPr>
+              <a:t>(5)</a:t>
+            </a:r>
+            <a:r>
+              <a:rPr lang="ru-RU" dirty="0">
+                <a:solidFill>
+                  <a:srgbClr val="B5B7BC"/>
+                </a:solidFill>
+              </a:rPr>
+              <a:t>: Нормальный </a:t>
+            </a:r>
+            <a:r>
+              <a:rPr lang="ru-RU" dirty="0" smtClean="0">
+                <a:solidFill>
+                  <a:srgbClr val="B5B7BC"/>
+                </a:solidFill>
+              </a:rPr>
+              <a:t>приоритет (по умолчанию).</a:t>
+            </a:r>
+            <a:endParaRPr lang="ru-RU" dirty="0">
+              <a:solidFill>
+                <a:srgbClr val="B5B7BC"/>
+              </a:solidFill>
+            </a:endParaRPr>
+          </a:p>
+          <a:p>
+            <a:r>
+              <a:rPr lang="ru-RU" dirty="0">
+                <a:solidFill>
+                  <a:srgbClr val="AE9446"/>
+                </a:solidFill>
+              </a:rPr>
+              <a:t>MAX_PRIORITY </a:t>
+            </a:r>
+            <a:r>
+              <a:rPr lang="ru-RU" dirty="0">
+                <a:solidFill>
+                  <a:srgbClr val="9CC56C"/>
+                </a:solidFill>
+              </a:rPr>
+              <a:t>(10)</a:t>
+            </a:r>
+            <a:r>
+              <a:rPr lang="ru-RU" dirty="0">
+                <a:solidFill>
+                  <a:srgbClr val="B5B7BC"/>
+                </a:solidFill>
+              </a:rPr>
+              <a:t>: Максимальный приоритет.</a:t>
+            </a:r>
+          </a:p>
+        </p:txBody>
+      </p:sp>
+    </p:spTree>
+    <p:extLst>
+      <p:ext uri="{BB962C8B-B14F-4D97-AF65-F5344CB8AC3E}">
+        <p14:creationId xmlns:p14="http://schemas.microsoft.com/office/powerpoint/2010/main" val="2441154479"/>
+      </p:ext>
+    </p:extLst>
+  </p:cSld>
+  <p:clrMapOvr>
+    <a:masterClrMapping/>
+  </p:clrMapOvr>
+  <p:timing>
+    <p:tnLst>
+      <p:par>
+        <p:cTn id="1" dur="indefinite" restart="never" nodeType="tmRoot"/>
+      </p:par>
+    </p:tnLst>
+  </p:timing>
+</p:sld>
+</file>
+
+<file path=ppt/slides/slide14.xml><?xml version="1.0" encoding="utf-8"?>
 <p:sld xmlns:a="http://schemas.openxmlformats.org/drawingml/2006/main" xmlns:r="http://schemas.openxmlformats.org/officeDocument/2006/relationships" xmlns:p="http://schemas.openxmlformats.org/presentationml/2006/main">
   <p:cSld>
     <p:bg>
@@ -7664,7 +9916,2833 @@
                 <a:latin typeface="Calibri" panose="020F0502020204030204" pitchFamily="34" charset="0"/>
                 <a:cs typeface="Calibri" panose="020F0502020204030204" pitchFamily="34" charset="0"/>
               </a:rPr>
-              <a:t>Присоединение потока</a:t>
+              <a:t>Этапы жизни потока</a:t>
+            </a:r>
+            <a:endParaRPr lang="ru-RU" sz="2800" dirty="0">
+              <a:solidFill>
+                <a:srgbClr val="965C3F"/>
+              </a:solidFill>
+              <a:latin typeface="Calibri" panose="020F0502020204030204" pitchFamily="34" charset="0"/>
+              <a:cs typeface="Calibri" panose="020F0502020204030204" pitchFamily="34" charset="0"/>
+            </a:endParaRPr>
+          </a:p>
+        </p:txBody>
+      </p:sp>
+      <p:cxnSp>
+        <p:nvCxnSpPr>
+          <p:cNvPr id="6" name="Прямая соединительная линия 5"/>
+          <p:cNvCxnSpPr/>
+          <p:nvPr/>
+        </p:nvCxnSpPr>
+        <p:spPr>
+          <a:xfrm flipV="1">
+            <a:off x="180000" y="0"/>
+            <a:ext cx="0" cy="6858000"/>
+          </a:xfrm>
+          <a:prstGeom prst="line">
+            <a:avLst/>
+          </a:prstGeom>
+          <a:ln w="22225">
+            <a:solidFill>
+              <a:srgbClr val="4A494A"/>
+            </a:solidFill>
+          </a:ln>
+        </p:spPr>
+        <p:style>
+          <a:lnRef idx="1">
+            <a:schemeClr val="accent1"/>
+          </a:lnRef>
+          <a:fillRef idx="0">
+            <a:schemeClr val="accent1"/>
+          </a:fillRef>
+          <a:effectRef idx="0">
+            <a:schemeClr val="accent1"/>
+          </a:effectRef>
+          <a:fontRef idx="minor">
+            <a:schemeClr val="tx1"/>
+          </a:fontRef>
+        </p:style>
+      </p:cxnSp>
+      <p:cxnSp>
+        <p:nvCxnSpPr>
+          <p:cNvPr id="7" name="Прямая соединительная линия 6"/>
+          <p:cNvCxnSpPr/>
+          <p:nvPr/>
+        </p:nvCxnSpPr>
+        <p:spPr>
+          <a:xfrm flipH="1">
+            <a:off x="180000" y="180000"/>
+            <a:ext cx="12154876" cy="0"/>
+          </a:xfrm>
+          <a:prstGeom prst="line">
+            <a:avLst/>
+          </a:prstGeom>
+          <a:ln w="22225">
+            <a:solidFill>
+              <a:srgbClr val="4A494A"/>
+            </a:solidFill>
+          </a:ln>
+        </p:spPr>
+        <p:style>
+          <a:lnRef idx="1">
+            <a:schemeClr val="accent1"/>
+          </a:lnRef>
+          <a:fillRef idx="0">
+            <a:schemeClr val="accent1"/>
+          </a:fillRef>
+          <a:effectRef idx="0">
+            <a:schemeClr val="accent1"/>
+          </a:effectRef>
+          <a:fontRef idx="minor">
+            <a:schemeClr val="tx1"/>
+          </a:fontRef>
+        </p:style>
+      </p:cxnSp>
+      <p:cxnSp>
+        <p:nvCxnSpPr>
+          <p:cNvPr id="11" name="Прямая соединительная линия 10"/>
+          <p:cNvCxnSpPr/>
+          <p:nvPr/>
+        </p:nvCxnSpPr>
+        <p:spPr>
+          <a:xfrm flipH="1">
+            <a:off x="180000" y="761864"/>
+            <a:ext cx="12154876" cy="0"/>
+          </a:xfrm>
+          <a:prstGeom prst="line">
+            <a:avLst/>
+          </a:prstGeom>
+          <a:ln w="22225">
+            <a:solidFill>
+              <a:srgbClr val="4A494A"/>
+            </a:solidFill>
+          </a:ln>
+        </p:spPr>
+        <p:style>
+          <a:lnRef idx="1">
+            <a:schemeClr val="accent1"/>
+          </a:lnRef>
+          <a:fillRef idx="0">
+            <a:schemeClr val="accent1"/>
+          </a:fillRef>
+          <a:effectRef idx="0">
+            <a:schemeClr val="accent1"/>
+          </a:effectRef>
+          <a:fontRef idx="minor">
+            <a:schemeClr val="tx1"/>
+          </a:fontRef>
+        </p:style>
+      </p:cxnSp>
+      <p:grpSp>
+        <p:nvGrpSpPr>
+          <p:cNvPr id="117" name="Группа 116"/>
+          <p:cNvGrpSpPr/>
+          <p:nvPr/>
+        </p:nvGrpSpPr>
+        <p:grpSpPr>
+          <a:xfrm>
+            <a:off x="337658" y="996088"/>
+            <a:ext cx="5623855" cy="5356475"/>
+            <a:chOff x="327610" y="996088"/>
+            <a:chExt cx="5623855" cy="5356475"/>
+          </a:xfrm>
+        </p:grpSpPr>
+        <p:sp>
+          <p:nvSpPr>
+            <p:cNvPr id="12" name="Прямоугольник 11"/>
+            <p:cNvSpPr/>
+            <p:nvPr/>
+          </p:nvSpPr>
+          <p:spPr>
+            <a:xfrm>
+              <a:off x="2428291" y="996088"/>
+              <a:ext cx="1422492" cy="360000"/>
+            </a:xfrm>
+            <a:prstGeom prst="rect">
+              <a:avLst/>
+            </a:prstGeom>
+            <a:noFill/>
+            <a:ln w="38100">
+              <a:solidFill>
+                <a:srgbClr val="AE9446"/>
+              </a:solidFill>
+            </a:ln>
+          </p:spPr>
+          <p:style>
+            <a:lnRef idx="2">
+              <a:schemeClr val="accent1">
+                <a:shade val="50000"/>
+              </a:schemeClr>
+            </a:lnRef>
+            <a:fillRef idx="1">
+              <a:schemeClr val="accent1"/>
+            </a:fillRef>
+            <a:effectRef idx="0">
+              <a:schemeClr val="accent1"/>
+            </a:effectRef>
+            <a:fontRef idx="minor">
+              <a:schemeClr val="lt1"/>
+            </a:fontRef>
+          </p:style>
+          <p:txBody>
+            <a:bodyPr rtlCol="0" anchor="ctr"/>
+            <a:lstStyle/>
+            <a:p>
+              <a:pPr algn="ctr"/>
+              <a:r>
+                <a:rPr lang="en-US" dirty="0" smtClean="0">
+                  <a:solidFill>
+                    <a:srgbClr val="AE9446"/>
+                  </a:solidFill>
+                </a:rPr>
+                <a:t>New</a:t>
+              </a:r>
+              <a:endParaRPr lang="ru-RU" dirty="0">
+                <a:solidFill>
+                  <a:srgbClr val="AE9446"/>
+                </a:solidFill>
+              </a:endParaRPr>
+            </a:p>
+          </p:txBody>
+        </p:sp>
+        <p:sp>
+          <p:nvSpPr>
+            <p:cNvPr id="16" name="Прямоугольник 15"/>
+            <p:cNvSpPr/>
+            <p:nvPr/>
+          </p:nvSpPr>
+          <p:spPr>
+            <a:xfrm>
+              <a:off x="327610" y="4327072"/>
+              <a:ext cx="1422492" cy="360000"/>
+            </a:xfrm>
+            <a:prstGeom prst="rect">
+              <a:avLst/>
+            </a:prstGeom>
+            <a:noFill/>
+            <a:ln w="38100">
+              <a:solidFill>
+                <a:srgbClr val="935B6D"/>
+              </a:solidFill>
+            </a:ln>
+          </p:spPr>
+          <p:style>
+            <a:lnRef idx="2">
+              <a:schemeClr val="accent1">
+                <a:shade val="50000"/>
+              </a:schemeClr>
+            </a:lnRef>
+            <a:fillRef idx="1">
+              <a:schemeClr val="accent1"/>
+            </a:fillRef>
+            <a:effectRef idx="0">
+              <a:schemeClr val="accent1"/>
+            </a:effectRef>
+            <a:fontRef idx="minor">
+              <a:schemeClr val="lt1"/>
+            </a:fontRef>
+          </p:style>
+          <p:txBody>
+            <a:bodyPr rtlCol="0" anchor="ctr"/>
+            <a:lstStyle/>
+            <a:p>
+              <a:pPr algn="ctr"/>
+              <a:r>
+                <a:rPr lang="en-US" dirty="0" smtClean="0">
+                  <a:solidFill>
+                    <a:srgbClr val="935B6D"/>
+                  </a:solidFill>
+                </a:rPr>
+                <a:t>Time Waiting</a:t>
+              </a:r>
+              <a:endParaRPr lang="ru-RU" dirty="0">
+                <a:solidFill>
+                  <a:srgbClr val="935B6D"/>
+                </a:solidFill>
+              </a:endParaRPr>
+            </a:p>
+          </p:txBody>
+        </p:sp>
+        <p:sp>
+          <p:nvSpPr>
+            <p:cNvPr id="17" name="Прямоугольник 16"/>
+            <p:cNvSpPr/>
+            <p:nvPr/>
+          </p:nvSpPr>
+          <p:spPr>
+            <a:xfrm>
+              <a:off x="4528973" y="2661580"/>
+              <a:ext cx="1422492" cy="360000"/>
+            </a:xfrm>
+            <a:prstGeom prst="rect">
+              <a:avLst/>
+            </a:prstGeom>
+            <a:noFill/>
+            <a:ln w="38100">
+              <a:solidFill>
+                <a:srgbClr val="935B6D"/>
+              </a:solidFill>
+            </a:ln>
+          </p:spPr>
+          <p:style>
+            <a:lnRef idx="2">
+              <a:schemeClr val="accent1">
+                <a:shade val="50000"/>
+              </a:schemeClr>
+            </a:lnRef>
+            <a:fillRef idx="1">
+              <a:schemeClr val="accent1"/>
+            </a:fillRef>
+            <a:effectRef idx="0">
+              <a:schemeClr val="accent1"/>
+            </a:effectRef>
+            <a:fontRef idx="minor">
+              <a:schemeClr val="lt1"/>
+            </a:fontRef>
+          </p:style>
+          <p:txBody>
+            <a:bodyPr rtlCol="0" anchor="ctr"/>
+            <a:lstStyle/>
+            <a:p>
+              <a:pPr algn="ctr"/>
+              <a:r>
+                <a:rPr lang="en-US" dirty="0">
+                  <a:solidFill>
+                    <a:srgbClr val="935B6D"/>
+                  </a:solidFill>
+                </a:rPr>
+                <a:t>Blocked</a:t>
+              </a:r>
+              <a:endParaRPr lang="ru-RU" dirty="0">
+                <a:solidFill>
+                  <a:srgbClr val="935B6D"/>
+                </a:solidFill>
+              </a:endParaRPr>
+            </a:p>
+          </p:txBody>
+        </p:sp>
+        <p:sp>
+          <p:nvSpPr>
+            <p:cNvPr id="18" name="Прямоугольник 17"/>
+            <p:cNvSpPr/>
+            <p:nvPr/>
+          </p:nvSpPr>
+          <p:spPr>
+            <a:xfrm>
+              <a:off x="4528973" y="4327072"/>
+              <a:ext cx="1422492" cy="360000"/>
+            </a:xfrm>
+            <a:prstGeom prst="rect">
+              <a:avLst/>
+            </a:prstGeom>
+            <a:noFill/>
+            <a:ln w="38100">
+              <a:solidFill>
+                <a:srgbClr val="935B6D"/>
+              </a:solidFill>
+            </a:ln>
+          </p:spPr>
+          <p:style>
+            <a:lnRef idx="2">
+              <a:schemeClr val="accent1">
+                <a:shade val="50000"/>
+              </a:schemeClr>
+            </a:lnRef>
+            <a:fillRef idx="1">
+              <a:schemeClr val="accent1"/>
+            </a:fillRef>
+            <a:effectRef idx="0">
+              <a:schemeClr val="accent1"/>
+            </a:effectRef>
+            <a:fontRef idx="minor">
+              <a:schemeClr val="lt1"/>
+            </a:fontRef>
+          </p:style>
+          <p:txBody>
+            <a:bodyPr rtlCol="0" anchor="ctr"/>
+            <a:lstStyle/>
+            <a:p>
+              <a:pPr algn="ctr"/>
+              <a:r>
+                <a:rPr lang="en-US" dirty="0">
+                  <a:solidFill>
+                    <a:srgbClr val="935B6D"/>
+                  </a:solidFill>
+                </a:rPr>
+                <a:t>Waiting</a:t>
+              </a:r>
+              <a:endParaRPr lang="ru-RU" dirty="0">
+                <a:solidFill>
+                  <a:srgbClr val="935B6D"/>
+                </a:solidFill>
+              </a:endParaRPr>
+            </a:p>
+          </p:txBody>
+        </p:sp>
+        <p:sp>
+          <p:nvSpPr>
+            <p:cNvPr id="19" name="Прямоугольник 18"/>
+            <p:cNvSpPr/>
+            <p:nvPr/>
+          </p:nvSpPr>
+          <p:spPr>
+            <a:xfrm>
+              <a:off x="2428291" y="5992563"/>
+              <a:ext cx="1422492" cy="360000"/>
+            </a:xfrm>
+            <a:prstGeom prst="rect">
+              <a:avLst/>
+            </a:prstGeom>
+            <a:solidFill>
+              <a:srgbClr val="935B6D"/>
+            </a:solidFill>
+            <a:ln w="38100">
+              <a:solidFill>
+                <a:srgbClr val="935B6D"/>
+              </a:solidFill>
+            </a:ln>
+          </p:spPr>
+          <p:style>
+            <a:lnRef idx="2">
+              <a:schemeClr val="accent1">
+                <a:shade val="50000"/>
+              </a:schemeClr>
+            </a:lnRef>
+            <a:fillRef idx="1">
+              <a:schemeClr val="accent1"/>
+            </a:fillRef>
+            <a:effectRef idx="0">
+              <a:schemeClr val="accent1"/>
+            </a:effectRef>
+            <a:fontRef idx="minor">
+              <a:schemeClr val="lt1"/>
+            </a:fontRef>
+          </p:style>
+          <p:txBody>
+            <a:bodyPr rtlCol="0" anchor="ctr"/>
+            <a:lstStyle/>
+            <a:p>
+              <a:pPr algn="ctr"/>
+              <a:r>
+                <a:rPr lang="en-US" dirty="0" smtClean="0">
+                  <a:solidFill>
+                    <a:srgbClr val="1E1F22"/>
+                  </a:solidFill>
+                </a:rPr>
+                <a:t>Terminated</a:t>
+              </a:r>
+              <a:endParaRPr lang="ru-RU" dirty="0">
+                <a:solidFill>
+                  <a:srgbClr val="1E1F22"/>
+                </a:solidFill>
+              </a:endParaRPr>
+            </a:p>
+          </p:txBody>
+        </p:sp>
+        <p:cxnSp>
+          <p:nvCxnSpPr>
+            <p:cNvPr id="22" name="Прямая со стрелкой 21"/>
+            <p:cNvCxnSpPr/>
+            <p:nvPr/>
+          </p:nvCxnSpPr>
+          <p:spPr>
+            <a:xfrm>
+              <a:off x="3139537" y="1356088"/>
+              <a:ext cx="0" cy="1305492"/>
+            </a:xfrm>
+            <a:prstGeom prst="straightConnector1">
+              <a:avLst/>
+            </a:prstGeom>
+            <a:ln w="31750" cap="rnd" cmpd="sng">
+              <a:solidFill>
+                <a:srgbClr val="AE9446"/>
+              </a:solidFill>
+              <a:prstDash val="solid"/>
+              <a:miter lim="800000"/>
+              <a:headEnd type="none"/>
+              <a:tailEnd type="stealth" w="med" len="med"/>
+            </a:ln>
+          </p:spPr>
+          <p:style>
+            <a:lnRef idx="1">
+              <a:schemeClr val="accent1"/>
+            </a:lnRef>
+            <a:fillRef idx="0">
+              <a:schemeClr val="accent1"/>
+            </a:fillRef>
+            <a:effectRef idx="0">
+              <a:schemeClr val="accent1"/>
+            </a:effectRef>
+            <a:fontRef idx="minor">
+              <a:schemeClr val="tx1"/>
+            </a:fontRef>
+          </p:style>
+        </p:cxnSp>
+        <p:sp>
+          <p:nvSpPr>
+            <p:cNvPr id="14" name="Прямоугольник 13"/>
+            <p:cNvSpPr/>
+            <p:nvPr/>
+          </p:nvSpPr>
+          <p:spPr>
+            <a:xfrm>
+              <a:off x="2428291" y="2661580"/>
+              <a:ext cx="1422492" cy="360000"/>
+            </a:xfrm>
+            <a:prstGeom prst="rect">
+              <a:avLst/>
+            </a:prstGeom>
+            <a:noFill/>
+            <a:ln w="38100">
+              <a:solidFill>
+                <a:srgbClr val="9CC56C"/>
+              </a:solidFill>
+            </a:ln>
+          </p:spPr>
+          <p:style>
+            <a:lnRef idx="2">
+              <a:schemeClr val="accent1">
+                <a:shade val="50000"/>
+              </a:schemeClr>
+            </a:lnRef>
+            <a:fillRef idx="1">
+              <a:schemeClr val="accent1"/>
+            </a:fillRef>
+            <a:effectRef idx="0">
+              <a:schemeClr val="accent1"/>
+            </a:effectRef>
+            <a:fontRef idx="minor">
+              <a:schemeClr val="lt1"/>
+            </a:fontRef>
+          </p:style>
+          <p:txBody>
+            <a:bodyPr rtlCol="0" anchor="ctr"/>
+            <a:lstStyle/>
+            <a:p>
+              <a:pPr algn="ctr"/>
+              <a:r>
+                <a:rPr lang="en-US" dirty="0">
+                  <a:solidFill>
+                    <a:srgbClr val="9CC56C"/>
+                  </a:solidFill>
+                </a:rPr>
+                <a:t>Runnable</a:t>
+              </a:r>
+              <a:endParaRPr lang="ru-RU" dirty="0">
+                <a:solidFill>
+                  <a:srgbClr val="9CC56C"/>
+                </a:solidFill>
+              </a:endParaRPr>
+            </a:p>
+          </p:txBody>
+        </p:sp>
+        <p:sp>
+          <p:nvSpPr>
+            <p:cNvPr id="15" name="Прямоугольник 14"/>
+            <p:cNvSpPr/>
+            <p:nvPr/>
+          </p:nvSpPr>
+          <p:spPr>
+            <a:xfrm>
+              <a:off x="2428291" y="4327072"/>
+              <a:ext cx="1422492" cy="360000"/>
+            </a:xfrm>
+            <a:prstGeom prst="rect">
+              <a:avLst/>
+            </a:prstGeom>
+            <a:noFill/>
+            <a:ln w="38100">
+              <a:solidFill>
+                <a:srgbClr val="9CC56C"/>
+              </a:solidFill>
+            </a:ln>
+          </p:spPr>
+          <p:style>
+            <a:lnRef idx="2">
+              <a:schemeClr val="accent1">
+                <a:shade val="50000"/>
+              </a:schemeClr>
+            </a:lnRef>
+            <a:fillRef idx="1">
+              <a:schemeClr val="accent1"/>
+            </a:fillRef>
+            <a:effectRef idx="0">
+              <a:schemeClr val="accent1"/>
+            </a:effectRef>
+            <a:fontRef idx="minor">
+              <a:schemeClr val="lt1"/>
+            </a:fontRef>
+          </p:style>
+          <p:txBody>
+            <a:bodyPr rtlCol="0" anchor="ctr"/>
+            <a:lstStyle/>
+            <a:p>
+              <a:pPr algn="ctr"/>
+              <a:r>
+                <a:rPr lang="en-US" dirty="0" smtClean="0">
+                  <a:solidFill>
+                    <a:srgbClr val="9CC56C"/>
+                  </a:solidFill>
+                </a:rPr>
+                <a:t>Running</a:t>
+              </a:r>
+              <a:endParaRPr lang="ru-RU" dirty="0">
+                <a:solidFill>
+                  <a:srgbClr val="9CC56C"/>
+                </a:solidFill>
+              </a:endParaRPr>
+            </a:p>
+          </p:txBody>
+        </p:sp>
+        <p:cxnSp>
+          <p:nvCxnSpPr>
+            <p:cNvPr id="24" name="Прямая со стрелкой 23"/>
+            <p:cNvCxnSpPr/>
+            <p:nvPr/>
+          </p:nvCxnSpPr>
+          <p:spPr>
+            <a:xfrm>
+              <a:off x="2822710" y="3021580"/>
+              <a:ext cx="0" cy="1305492"/>
+            </a:xfrm>
+            <a:prstGeom prst="straightConnector1">
+              <a:avLst/>
+            </a:prstGeom>
+            <a:ln w="31750" cap="rnd" cmpd="sng">
+              <a:solidFill>
+                <a:srgbClr val="9CC56C"/>
+              </a:solidFill>
+              <a:prstDash val="solid"/>
+              <a:miter lim="800000"/>
+              <a:headEnd type="none"/>
+              <a:tailEnd type="stealth" w="med" len="med"/>
+            </a:ln>
+          </p:spPr>
+          <p:style>
+            <a:lnRef idx="1">
+              <a:schemeClr val="accent1"/>
+            </a:lnRef>
+            <a:fillRef idx="0">
+              <a:schemeClr val="accent1"/>
+            </a:fillRef>
+            <a:effectRef idx="0">
+              <a:schemeClr val="accent1"/>
+            </a:effectRef>
+            <a:fontRef idx="minor">
+              <a:schemeClr val="tx1"/>
+            </a:fontRef>
+          </p:style>
+        </p:cxnSp>
+        <p:cxnSp>
+          <p:nvCxnSpPr>
+            <p:cNvPr id="32" name="Прямая со стрелкой 31"/>
+            <p:cNvCxnSpPr/>
+            <p:nvPr/>
+          </p:nvCxnSpPr>
+          <p:spPr>
+            <a:xfrm flipV="1">
+              <a:off x="2683967" y="3021580"/>
+              <a:ext cx="0" cy="1292928"/>
+            </a:xfrm>
+            <a:prstGeom prst="straightConnector1">
+              <a:avLst/>
+            </a:prstGeom>
+            <a:ln w="31750" cap="rnd" cmpd="sng">
+              <a:solidFill>
+                <a:srgbClr val="9CC56C"/>
+              </a:solidFill>
+              <a:prstDash val="solid"/>
+              <a:miter lim="800000"/>
+              <a:headEnd type="none"/>
+              <a:tailEnd type="stealth" w="med" len="med"/>
+            </a:ln>
+          </p:spPr>
+          <p:style>
+            <a:lnRef idx="1">
+              <a:schemeClr val="accent1"/>
+            </a:lnRef>
+            <a:fillRef idx="0">
+              <a:schemeClr val="accent1"/>
+            </a:fillRef>
+            <a:effectRef idx="0">
+              <a:schemeClr val="accent1"/>
+            </a:effectRef>
+            <a:fontRef idx="minor">
+              <a:schemeClr val="tx1"/>
+            </a:fontRef>
+          </p:style>
+        </p:cxnSp>
+        <p:cxnSp>
+          <p:nvCxnSpPr>
+            <p:cNvPr id="38" name="Прямая со стрелкой 37"/>
+            <p:cNvCxnSpPr/>
+            <p:nvPr/>
+          </p:nvCxnSpPr>
+          <p:spPr>
+            <a:xfrm>
+              <a:off x="3139537" y="4687072"/>
+              <a:ext cx="0" cy="1305491"/>
+            </a:xfrm>
+            <a:prstGeom prst="straightConnector1">
+              <a:avLst/>
+            </a:prstGeom>
+            <a:ln w="31750" cap="rnd" cmpd="sng">
+              <a:solidFill>
+                <a:srgbClr val="9CC56C"/>
+              </a:solidFill>
+              <a:prstDash val="solid"/>
+              <a:miter lim="800000"/>
+              <a:headEnd type="none"/>
+              <a:tailEnd type="stealth" w="med" len="med"/>
+            </a:ln>
+          </p:spPr>
+          <p:style>
+            <a:lnRef idx="1">
+              <a:schemeClr val="accent1"/>
+            </a:lnRef>
+            <a:fillRef idx="0">
+              <a:schemeClr val="accent1"/>
+            </a:fillRef>
+            <a:effectRef idx="0">
+              <a:schemeClr val="accent1"/>
+            </a:effectRef>
+            <a:fontRef idx="minor">
+              <a:schemeClr val="tx1"/>
+            </a:fontRef>
+          </p:style>
+        </p:cxnSp>
+        <p:cxnSp>
+          <p:nvCxnSpPr>
+            <p:cNvPr id="42" name="Прямая со стрелкой 41"/>
+            <p:cNvCxnSpPr>
+              <a:stCxn id="15" idx="1"/>
+              <a:endCxn id="16" idx="3"/>
+            </p:cNvCxnSpPr>
+            <p:nvPr/>
+          </p:nvCxnSpPr>
+          <p:spPr>
+            <a:xfrm flipH="1">
+              <a:off x="1750102" y="4507072"/>
+              <a:ext cx="678189" cy="0"/>
+            </a:xfrm>
+            <a:prstGeom prst="straightConnector1">
+              <a:avLst/>
+            </a:prstGeom>
+            <a:ln w="31750" cap="rnd" cmpd="sng">
+              <a:solidFill>
+                <a:srgbClr val="9CC56C"/>
+              </a:solidFill>
+              <a:prstDash val="solid"/>
+              <a:miter lim="800000"/>
+              <a:headEnd type="none"/>
+              <a:tailEnd type="stealth" w="med" len="med"/>
+            </a:ln>
+          </p:spPr>
+          <p:style>
+            <a:lnRef idx="1">
+              <a:schemeClr val="accent1"/>
+            </a:lnRef>
+            <a:fillRef idx="0">
+              <a:schemeClr val="accent1"/>
+            </a:fillRef>
+            <a:effectRef idx="0">
+              <a:schemeClr val="accent1"/>
+            </a:effectRef>
+            <a:fontRef idx="minor">
+              <a:schemeClr val="tx1"/>
+            </a:fontRef>
+          </p:style>
+        </p:cxnSp>
+        <p:cxnSp>
+          <p:nvCxnSpPr>
+            <p:cNvPr id="44" name="Прямая со стрелкой 43"/>
+            <p:cNvCxnSpPr>
+              <a:stCxn id="16" idx="0"/>
+              <a:endCxn id="14" idx="1"/>
+            </p:cNvCxnSpPr>
+            <p:nvPr/>
+          </p:nvCxnSpPr>
+          <p:spPr>
+            <a:xfrm rot="5400000" flipH="1" flipV="1">
+              <a:off x="990827" y="2889609"/>
+              <a:ext cx="1485492" cy="1389435"/>
+            </a:xfrm>
+            <a:prstGeom prst="bentConnector2">
+              <a:avLst/>
+            </a:prstGeom>
+            <a:ln w="31750" cap="rnd" cmpd="sng">
+              <a:solidFill>
+                <a:srgbClr val="935B6D"/>
+              </a:solidFill>
+              <a:prstDash val="solid"/>
+              <a:miter lim="800000"/>
+              <a:headEnd type="none"/>
+              <a:tailEnd type="stealth" w="med" len="med"/>
+            </a:ln>
+          </p:spPr>
+          <p:style>
+            <a:lnRef idx="1">
+              <a:schemeClr val="accent1"/>
+            </a:lnRef>
+            <a:fillRef idx="0">
+              <a:schemeClr val="accent1"/>
+            </a:fillRef>
+            <a:effectRef idx="0">
+              <a:schemeClr val="accent1"/>
+            </a:effectRef>
+            <a:fontRef idx="minor">
+              <a:schemeClr val="tx1"/>
+            </a:fontRef>
+          </p:style>
+        </p:cxnSp>
+        <p:cxnSp>
+          <p:nvCxnSpPr>
+            <p:cNvPr id="48" name="Прямая со стрелкой 47"/>
+            <p:cNvCxnSpPr>
+              <a:stCxn id="17" idx="1"/>
+              <a:endCxn id="14" idx="3"/>
+            </p:cNvCxnSpPr>
+            <p:nvPr/>
+          </p:nvCxnSpPr>
+          <p:spPr>
+            <a:xfrm flipH="1">
+              <a:off x="3850783" y="2841580"/>
+              <a:ext cx="678190" cy="0"/>
+            </a:xfrm>
+            <a:prstGeom prst="straightConnector1">
+              <a:avLst/>
+            </a:prstGeom>
+            <a:ln w="31750" cap="rnd" cmpd="sng">
+              <a:solidFill>
+                <a:srgbClr val="935B6D"/>
+              </a:solidFill>
+              <a:prstDash val="solid"/>
+              <a:miter lim="800000"/>
+              <a:headEnd type="none"/>
+              <a:tailEnd type="stealth" w="med" len="med"/>
+            </a:ln>
+          </p:spPr>
+          <p:style>
+            <a:lnRef idx="1">
+              <a:schemeClr val="accent1"/>
+            </a:lnRef>
+            <a:fillRef idx="0">
+              <a:schemeClr val="accent1"/>
+            </a:fillRef>
+            <a:effectRef idx="0">
+              <a:schemeClr val="accent1"/>
+            </a:effectRef>
+            <a:fontRef idx="minor">
+              <a:schemeClr val="tx1"/>
+            </a:fontRef>
+          </p:style>
+        </p:cxnSp>
+        <p:cxnSp>
+          <p:nvCxnSpPr>
+            <p:cNvPr id="51" name="Прямая со стрелкой 50"/>
+            <p:cNvCxnSpPr>
+              <a:endCxn id="17" idx="2"/>
+            </p:cNvCxnSpPr>
+            <p:nvPr/>
+          </p:nvCxnSpPr>
+          <p:spPr>
+            <a:xfrm rot="5400000" flipH="1" flipV="1">
+              <a:off x="4188034" y="3103098"/>
+              <a:ext cx="1133703" cy="970668"/>
+            </a:xfrm>
+            <a:prstGeom prst="bentConnector3">
+              <a:avLst>
+                <a:gd name="adj1" fmla="val 1271"/>
+              </a:avLst>
+            </a:prstGeom>
+            <a:ln w="31750" cap="rnd" cmpd="sng">
+              <a:solidFill>
+                <a:srgbClr val="9CC56C"/>
+              </a:solidFill>
+              <a:prstDash val="solid"/>
+              <a:miter lim="800000"/>
+              <a:headEnd type="none"/>
+              <a:tailEnd type="stealth" w="med" len="med"/>
+            </a:ln>
+          </p:spPr>
+          <p:style>
+            <a:lnRef idx="1">
+              <a:schemeClr val="accent1"/>
+            </a:lnRef>
+            <a:fillRef idx="0">
+              <a:schemeClr val="accent1"/>
+            </a:fillRef>
+            <a:effectRef idx="0">
+              <a:schemeClr val="accent1"/>
+            </a:effectRef>
+            <a:fontRef idx="minor">
+              <a:schemeClr val="tx1"/>
+            </a:fontRef>
+          </p:style>
+        </p:cxnSp>
+        <p:sp>
+          <p:nvSpPr>
+            <p:cNvPr id="67" name="Прямоугольник 66"/>
+            <p:cNvSpPr/>
+            <p:nvPr/>
+          </p:nvSpPr>
+          <p:spPr>
+            <a:xfrm>
+              <a:off x="3149100" y="1870335"/>
+              <a:ext cx="602665" cy="276999"/>
+            </a:xfrm>
+            <a:prstGeom prst="rect">
+              <a:avLst/>
+            </a:prstGeom>
+          </p:spPr>
+          <p:txBody>
+            <a:bodyPr wrap="none">
+              <a:spAutoFit/>
+            </a:bodyPr>
+            <a:lstStyle/>
+            <a:p>
+              <a:r>
+                <a:rPr lang="en-US" sz="1200" dirty="0" smtClean="0">
+                  <a:solidFill>
+                    <a:srgbClr val="AE9446"/>
+                  </a:solidFill>
+                </a:rPr>
+                <a:t>.start()</a:t>
+              </a:r>
+              <a:endParaRPr lang="ru-RU" sz="1200" dirty="0">
+                <a:solidFill>
+                  <a:srgbClr val="AE9446"/>
+                </a:solidFill>
+              </a:endParaRPr>
+            </a:p>
+          </p:txBody>
+        </p:sp>
+        <p:sp>
+          <p:nvSpPr>
+            <p:cNvPr id="68" name="Прямоугольник 67"/>
+            <p:cNvSpPr/>
+            <p:nvPr/>
+          </p:nvSpPr>
+          <p:spPr>
+            <a:xfrm>
+              <a:off x="2826503" y="3433933"/>
+              <a:ext cx="1150571" cy="646331"/>
+            </a:xfrm>
+            <a:prstGeom prst="rect">
+              <a:avLst/>
+            </a:prstGeom>
+          </p:spPr>
+          <p:txBody>
+            <a:bodyPr wrap="none">
+              <a:spAutoFit/>
+            </a:bodyPr>
+            <a:lstStyle/>
+            <a:p>
+              <a:r>
+                <a:rPr lang="ru-RU" sz="1200" dirty="0" smtClean="0">
+                  <a:solidFill>
+                    <a:srgbClr val="9CC56C"/>
+                  </a:solidFill>
+                </a:rPr>
+                <a:t>Когда система </a:t>
+              </a:r>
+              <a:br>
+                <a:rPr lang="ru-RU" sz="1200" dirty="0" smtClean="0">
+                  <a:solidFill>
+                    <a:srgbClr val="9CC56C"/>
+                  </a:solidFill>
+                </a:rPr>
+              </a:br>
+              <a:r>
+                <a:rPr lang="ru-RU" sz="1200" dirty="0" smtClean="0">
+                  <a:solidFill>
+                    <a:srgbClr val="9CC56C"/>
+                  </a:solidFill>
+                </a:rPr>
+                <a:t>запускает </a:t>
+              </a:r>
+              <a:br>
+                <a:rPr lang="ru-RU" sz="1200" dirty="0" smtClean="0">
+                  <a:solidFill>
+                    <a:srgbClr val="9CC56C"/>
+                  </a:solidFill>
+                </a:rPr>
+              </a:br>
+              <a:r>
+                <a:rPr lang="ru-RU" sz="1200" dirty="0" smtClean="0">
+                  <a:solidFill>
+                    <a:srgbClr val="9CC56C"/>
+                  </a:solidFill>
+                </a:rPr>
+                <a:t>этот поток</a:t>
+              </a:r>
+              <a:endParaRPr lang="ru-RU" sz="1200" dirty="0"/>
+            </a:p>
+          </p:txBody>
+        </p:sp>
+        <p:sp>
+          <p:nvSpPr>
+            <p:cNvPr id="69" name="Прямоугольник 68"/>
+            <p:cNvSpPr/>
+            <p:nvPr/>
+          </p:nvSpPr>
+          <p:spPr>
+            <a:xfrm>
+              <a:off x="2073846" y="3615595"/>
+              <a:ext cx="606897" cy="276999"/>
+            </a:xfrm>
+            <a:prstGeom prst="rect">
+              <a:avLst/>
+            </a:prstGeom>
+          </p:spPr>
+          <p:txBody>
+            <a:bodyPr wrap="none">
+              <a:spAutoFit/>
+            </a:bodyPr>
+            <a:lstStyle/>
+            <a:p>
+              <a:r>
+                <a:rPr lang="en-US" sz="1200" dirty="0" smtClean="0">
+                  <a:solidFill>
+                    <a:srgbClr val="9CC56C"/>
+                  </a:solidFill>
+                </a:rPr>
+                <a:t>.yield()</a:t>
+              </a:r>
+              <a:endParaRPr lang="ru-RU" sz="1200" dirty="0"/>
+            </a:p>
+          </p:txBody>
+        </p:sp>
+        <p:sp>
+          <p:nvSpPr>
+            <p:cNvPr id="70" name="Прямоугольник 69"/>
+            <p:cNvSpPr/>
+            <p:nvPr/>
+          </p:nvSpPr>
+          <p:spPr>
+            <a:xfrm>
+              <a:off x="1775712" y="4176008"/>
+              <a:ext cx="646331" cy="276999"/>
+            </a:xfrm>
+            <a:prstGeom prst="rect">
+              <a:avLst/>
+            </a:prstGeom>
+          </p:spPr>
+          <p:txBody>
+            <a:bodyPr wrap="none">
+              <a:spAutoFit/>
+            </a:bodyPr>
+            <a:lstStyle/>
+            <a:p>
+              <a:r>
+                <a:rPr lang="en-US" sz="1200" dirty="0" smtClean="0">
+                  <a:solidFill>
+                    <a:srgbClr val="9CC56C"/>
+                  </a:solidFill>
+                </a:rPr>
+                <a:t>.sleep()</a:t>
+              </a:r>
+              <a:endParaRPr lang="ru-RU" sz="1200" dirty="0"/>
+            </a:p>
+          </p:txBody>
+        </p:sp>
+        <p:sp>
+          <p:nvSpPr>
+            <p:cNvPr id="71" name="Прямоугольник 70"/>
+            <p:cNvSpPr/>
+            <p:nvPr/>
+          </p:nvSpPr>
+          <p:spPr>
+            <a:xfrm>
+              <a:off x="1206938" y="2377375"/>
+              <a:ext cx="1011239" cy="461665"/>
+            </a:xfrm>
+            <a:prstGeom prst="rect">
+              <a:avLst/>
+            </a:prstGeom>
+          </p:spPr>
+          <p:txBody>
+            <a:bodyPr wrap="none">
+              <a:spAutoFit/>
+            </a:bodyPr>
+            <a:lstStyle/>
+            <a:p>
+              <a:r>
+                <a:rPr lang="ru-RU" sz="1200" dirty="0" smtClean="0">
+                  <a:solidFill>
+                    <a:srgbClr val="935B6D"/>
+                  </a:solidFill>
+                </a:rPr>
+                <a:t>Время сна </a:t>
+              </a:r>
+              <a:br>
+                <a:rPr lang="ru-RU" sz="1200" dirty="0" smtClean="0">
+                  <a:solidFill>
+                    <a:srgbClr val="935B6D"/>
+                  </a:solidFill>
+                </a:rPr>
+              </a:br>
+              <a:r>
+                <a:rPr lang="ru-RU" sz="1200" dirty="0" smtClean="0">
+                  <a:solidFill>
+                    <a:srgbClr val="935B6D"/>
+                  </a:solidFill>
+                </a:rPr>
+                <a:t>закончилось</a:t>
+              </a:r>
+              <a:endParaRPr lang="ru-RU" sz="1200" dirty="0">
+                <a:solidFill>
+                  <a:srgbClr val="935B6D"/>
+                </a:solidFill>
+              </a:endParaRPr>
+            </a:p>
+          </p:txBody>
+        </p:sp>
+        <p:sp>
+          <p:nvSpPr>
+            <p:cNvPr id="72" name="Прямоугольник 71"/>
+            <p:cNvSpPr/>
+            <p:nvPr/>
+          </p:nvSpPr>
+          <p:spPr>
+            <a:xfrm>
+              <a:off x="4189878" y="2130998"/>
+              <a:ext cx="1407693" cy="276999"/>
+            </a:xfrm>
+            <a:prstGeom prst="rect">
+              <a:avLst/>
+            </a:prstGeom>
+          </p:spPr>
+          <p:txBody>
+            <a:bodyPr wrap="none">
+              <a:spAutoFit/>
+            </a:bodyPr>
+            <a:lstStyle/>
+            <a:p>
+              <a:r>
+                <a:rPr lang="en-US" sz="1200" dirty="0" smtClean="0">
+                  <a:solidFill>
+                    <a:srgbClr val="935B6D"/>
+                  </a:solidFill>
+                </a:rPr>
+                <a:t>.notify()  .</a:t>
+              </a:r>
+              <a:r>
+                <a:rPr lang="en-US" sz="1200" dirty="0" err="1" smtClean="0">
+                  <a:solidFill>
+                    <a:srgbClr val="935B6D"/>
+                  </a:solidFill>
+                </a:rPr>
+                <a:t>notifyAll</a:t>
+              </a:r>
+              <a:r>
+                <a:rPr lang="en-US" sz="1200" dirty="0" smtClean="0">
+                  <a:solidFill>
+                    <a:srgbClr val="935B6D"/>
+                  </a:solidFill>
+                </a:rPr>
+                <a:t>()</a:t>
+              </a:r>
+              <a:endParaRPr lang="ru-RU" sz="1200" dirty="0">
+                <a:solidFill>
+                  <a:srgbClr val="935B6D"/>
+                </a:solidFill>
+              </a:endParaRPr>
+            </a:p>
+          </p:txBody>
+        </p:sp>
+        <p:sp>
+          <p:nvSpPr>
+            <p:cNvPr id="73" name="Прямоугольник 72"/>
+            <p:cNvSpPr/>
+            <p:nvPr/>
+          </p:nvSpPr>
+          <p:spPr>
+            <a:xfrm>
+              <a:off x="4305855" y="3674688"/>
+              <a:ext cx="914033" cy="461665"/>
+            </a:xfrm>
+            <a:prstGeom prst="rect">
+              <a:avLst/>
+            </a:prstGeom>
+          </p:spPr>
+          <p:txBody>
+            <a:bodyPr wrap="none">
+              <a:spAutoFit/>
+            </a:bodyPr>
+            <a:lstStyle/>
+            <a:p>
+              <a:r>
+                <a:rPr lang="ru-RU" sz="1200" dirty="0" smtClean="0">
+                  <a:solidFill>
+                    <a:srgbClr val="9CC56C"/>
+                  </a:solidFill>
+                </a:rPr>
+                <a:t>Ожидание </a:t>
+              </a:r>
+              <a:br>
+                <a:rPr lang="ru-RU" sz="1200" dirty="0" smtClean="0">
+                  <a:solidFill>
+                    <a:srgbClr val="9CC56C"/>
+                  </a:solidFill>
+                </a:rPr>
+              </a:br>
+              <a:r>
+                <a:rPr lang="ru-RU" sz="1200" dirty="0" smtClean="0">
+                  <a:solidFill>
+                    <a:srgbClr val="9CC56C"/>
+                  </a:solidFill>
+                </a:rPr>
+                <a:t>доступа</a:t>
+              </a:r>
+              <a:endParaRPr lang="ru-RU" sz="1200" dirty="0"/>
+            </a:p>
+          </p:txBody>
+        </p:sp>
+        <p:sp>
+          <p:nvSpPr>
+            <p:cNvPr id="74" name="Прямоугольник 73"/>
+            <p:cNvSpPr/>
+            <p:nvPr/>
+          </p:nvSpPr>
+          <p:spPr>
+            <a:xfrm>
+              <a:off x="3875495" y="2847138"/>
+              <a:ext cx="721993" cy="461665"/>
+            </a:xfrm>
+            <a:prstGeom prst="rect">
+              <a:avLst/>
+            </a:prstGeom>
+          </p:spPr>
+          <p:txBody>
+            <a:bodyPr wrap="none">
+              <a:spAutoFit/>
+            </a:bodyPr>
+            <a:lstStyle/>
+            <a:p>
+              <a:r>
+                <a:rPr lang="ru-RU" sz="1200" dirty="0" smtClean="0">
+                  <a:solidFill>
+                    <a:srgbClr val="935B6D"/>
+                  </a:solidFill>
+                </a:rPr>
+                <a:t>Доступ </a:t>
+              </a:r>
+              <a:br>
+                <a:rPr lang="ru-RU" sz="1200" dirty="0" smtClean="0">
+                  <a:solidFill>
+                    <a:srgbClr val="935B6D"/>
+                  </a:solidFill>
+                </a:rPr>
+              </a:br>
+              <a:r>
+                <a:rPr lang="ru-RU" sz="1200" dirty="0" smtClean="0">
+                  <a:solidFill>
+                    <a:srgbClr val="935B6D"/>
+                  </a:solidFill>
+                </a:rPr>
+                <a:t>получен</a:t>
+              </a:r>
+              <a:endParaRPr lang="ru-RU" sz="1200" dirty="0">
+                <a:solidFill>
+                  <a:srgbClr val="935B6D"/>
+                </a:solidFill>
+              </a:endParaRPr>
+            </a:p>
+          </p:txBody>
+        </p:sp>
+        <p:sp>
+          <p:nvSpPr>
+            <p:cNvPr id="75" name="Прямоугольник 74"/>
+            <p:cNvSpPr/>
+            <p:nvPr/>
+          </p:nvSpPr>
+          <p:spPr>
+            <a:xfrm>
+              <a:off x="3139537" y="5108985"/>
+              <a:ext cx="1510157" cy="461665"/>
+            </a:xfrm>
+            <a:prstGeom prst="rect">
+              <a:avLst/>
+            </a:prstGeom>
+          </p:spPr>
+          <p:txBody>
+            <a:bodyPr wrap="none">
+              <a:spAutoFit/>
+            </a:bodyPr>
+            <a:lstStyle/>
+            <a:p>
+              <a:r>
+                <a:rPr lang="en-US" sz="1200" dirty="0" smtClean="0">
+                  <a:solidFill>
+                    <a:srgbClr val="9CC56C"/>
+                  </a:solidFill>
+                </a:rPr>
+                <a:t>.stop() </a:t>
+              </a:r>
+              <a:r>
+                <a:rPr lang="ru-RU" sz="1200" dirty="0" smtClean="0">
+                  <a:solidFill>
+                    <a:srgbClr val="9CC56C"/>
+                  </a:solidFill>
+                </a:rPr>
+                <a:t>или когда </a:t>
+              </a:r>
+              <a:br>
+                <a:rPr lang="ru-RU" sz="1200" dirty="0" smtClean="0">
+                  <a:solidFill>
+                    <a:srgbClr val="9CC56C"/>
+                  </a:solidFill>
+                </a:rPr>
+              </a:br>
+              <a:r>
+                <a:rPr lang="ru-RU" sz="1200" dirty="0" smtClean="0">
+                  <a:solidFill>
+                    <a:srgbClr val="9CC56C"/>
+                  </a:solidFill>
+                </a:rPr>
+                <a:t>метод </a:t>
+              </a:r>
+              <a:r>
+                <a:rPr lang="en-US" sz="1200" dirty="0" smtClean="0">
+                  <a:solidFill>
+                    <a:srgbClr val="9CC56C"/>
+                  </a:solidFill>
+                </a:rPr>
+                <a:t>run() </a:t>
+              </a:r>
+              <a:r>
+                <a:rPr lang="ru-RU" sz="1200" dirty="0" smtClean="0">
+                  <a:solidFill>
+                    <a:srgbClr val="9CC56C"/>
+                  </a:solidFill>
+                </a:rPr>
+                <a:t>прерван</a:t>
+              </a:r>
+              <a:endParaRPr lang="ru-RU" sz="1200" dirty="0"/>
+            </a:p>
+          </p:txBody>
+        </p:sp>
+        <p:grpSp>
+          <p:nvGrpSpPr>
+            <p:cNvPr id="104" name="Группа 103"/>
+            <p:cNvGrpSpPr/>
+            <p:nvPr/>
+          </p:nvGrpSpPr>
+          <p:grpSpPr>
+            <a:xfrm>
+              <a:off x="3533957" y="2421381"/>
+              <a:ext cx="2417508" cy="2085691"/>
+              <a:chOff x="3533957" y="2421381"/>
+              <a:chExt cx="2417508" cy="2085691"/>
+            </a:xfrm>
+          </p:grpSpPr>
+          <p:cxnSp>
+            <p:nvCxnSpPr>
+              <p:cNvPr id="58" name="Прямая со стрелкой 50"/>
+              <p:cNvCxnSpPr>
+                <a:stCxn id="18" idx="3"/>
+              </p:cNvCxnSpPr>
+              <p:nvPr/>
+            </p:nvCxnSpPr>
+            <p:spPr>
+              <a:xfrm flipH="1" flipV="1">
+                <a:off x="3533957" y="2424731"/>
+                <a:ext cx="2417508" cy="2082341"/>
+              </a:xfrm>
+              <a:prstGeom prst="bentConnector3">
+                <a:avLst>
+                  <a:gd name="adj1" fmla="val -3546"/>
+                </a:avLst>
+              </a:prstGeom>
+              <a:ln w="31750" cap="rnd" cmpd="sng">
+                <a:solidFill>
+                  <a:srgbClr val="935B6D"/>
+                </a:solidFill>
+                <a:prstDash val="solid"/>
+                <a:miter lim="800000"/>
+                <a:headEnd type="none"/>
+                <a:tailEnd type="none" w="med" len="med"/>
+              </a:ln>
+            </p:spPr>
+            <p:style>
+              <a:lnRef idx="1">
+                <a:schemeClr val="accent1"/>
+              </a:lnRef>
+              <a:fillRef idx="0">
+                <a:schemeClr val="accent1"/>
+              </a:fillRef>
+              <a:effectRef idx="0">
+                <a:schemeClr val="accent1"/>
+              </a:effectRef>
+              <a:fontRef idx="minor">
+                <a:schemeClr val="tx1"/>
+              </a:fontRef>
+            </p:style>
+          </p:cxnSp>
+          <p:cxnSp>
+            <p:nvCxnSpPr>
+              <p:cNvPr id="99" name="Прямая со стрелкой 50"/>
+              <p:cNvCxnSpPr/>
+              <p:nvPr/>
+            </p:nvCxnSpPr>
+            <p:spPr>
+              <a:xfrm>
+                <a:off x="3533957" y="2421381"/>
+                <a:ext cx="0" cy="237262"/>
+              </a:xfrm>
+              <a:prstGeom prst="straightConnector1">
+                <a:avLst/>
+              </a:prstGeom>
+              <a:ln w="31750" cap="rnd" cmpd="sng">
+                <a:solidFill>
+                  <a:srgbClr val="935B6D"/>
+                </a:solidFill>
+                <a:prstDash val="solid"/>
+                <a:miter lim="800000"/>
+                <a:headEnd type="none"/>
+                <a:tailEnd type="stealth" w="med" len="med"/>
+              </a:ln>
+            </p:spPr>
+            <p:style>
+              <a:lnRef idx="1">
+                <a:schemeClr val="accent1"/>
+              </a:lnRef>
+              <a:fillRef idx="0">
+                <a:schemeClr val="accent1"/>
+              </a:fillRef>
+              <a:effectRef idx="0">
+                <a:schemeClr val="accent1"/>
+              </a:effectRef>
+              <a:fontRef idx="minor">
+                <a:schemeClr val="tx1"/>
+              </a:fontRef>
+            </p:style>
+          </p:cxnSp>
+        </p:grpSp>
+        <p:cxnSp>
+          <p:nvCxnSpPr>
+            <p:cNvPr id="107" name="Прямая со стрелкой 50"/>
+            <p:cNvCxnSpPr>
+              <a:endCxn id="15" idx="3"/>
+            </p:cNvCxnSpPr>
+            <p:nvPr/>
+          </p:nvCxnSpPr>
+          <p:spPr>
+            <a:xfrm rot="10800000" flipV="1">
+              <a:off x="3850784" y="4155284"/>
+              <a:ext cx="418767" cy="351788"/>
+            </a:xfrm>
+            <a:prstGeom prst="bentConnector3">
+              <a:avLst>
+                <a:gd name="adj1" fmla="val -40"/>
+              </a:avLst>
+            </a:prstGeom>
+            <a:ln w="31750" cap="rnd" cmpd="sng">
+              <a:solidFill>
+                <a:srgbClr val="9CC56C"/>
+              </a:solidFill>
+              <a:prstDash val="solid"/>
+              <a:miter lim="800000"/>
+              <a:headEnd type="none"/>
+              <a:tailEnd type="none" w="med" len="med"/>
+            </a:ln>
+          </p:spPr>
+          <p:style>
+            <a:lnRef idx="1">
+              <a:schemeClr val="accent1"/>
+            </a:lnRef>
+            <a:fillRef idx="0">
+              <a:schemeClr val="accent1"/>
+            </a:fillRef>
+            <a:effectRef idx="0">
+              <a:schemeClr val="accent1"/>
+            </a:effectRef>
+            <a:fontRef idx="minor">
+              <a:schemeClr val="tx1"/>
+            </a:fontRef>
+          </p:style>
+        </p:cxnSp>
+      </p:grpSp>
+      <p:sp>
+        <p:nvSpPr>
+          <p:cNvPr id="118" name="Прямоугольник 117"/>
+          <p:cNvSpPr/>
+          <p:nvPr/>
+        </p:nvSpPr>
+        <p:spPr>
+          <a:xfrm>
+            <a:off x="6285810" y="927478"/>
+            <a:ext cx="5562062" cy="5632311"/>
+          </a:xfrm>
+          <a:prstGeom prst="rect">
+            <a:avLst/>
+          </a:prstGeom>
+        </p:spPr>
+        <p:txBody>
+          <a:bodyPr wrap="square">
+            <a:spAutoFit/>
+          </a:bodyPr>
+          <a:lstStyle/>
+          <a:p>
+            <a:r>
+              <a:rPr lang="ru-RU" dirty="0" smtClean="0">
+                <a:solidFill>
+                  <a:srgbClr val="AE9446"/>
+                </a:solidFill>
+              </a:rPr>
+              <a:t>NEW -</a:t>
+            </a:r>
+            <a:r>
+              <a:rPr lang="ru-RU" dirty="0">
+                <a:solidFill>
+                  <a:srgbClr val="B5B7BC"/>
+                </a:solidFill>
+              </a:rPr>
+              <a:t> Поток создан, но ещё не запущен. </a:t>
+            </a:r>
+            <a:endParaRPr lang="ru-RU" dirty="0" smtClean="0">
+              <a:solidFill>
+                <a:srgbClr val="B5B7BC"/>
+              </a:solidFill>
+            </a:endParaRPr>
+          </a:p>
+          <a:p>
+            <a:r>
+              <a:rPr lang="ru-RU" dirty="0" smtClean="0">
+                <a:solidFill>
+                  <a:srgbClr val="AE9446"/>
+                </a:solidFill>
+              </a:rPr>
+              <a:t>RUNNABLE</a:t>
+            </a:r>
+            <a:r>
+              <a:rPr lang="ru-RU" dirty="0" smtClean="0">
+                <a:solidFill>
+                  <a:srgbClr val="B5B7BC"/>
+                </a:solidFill>
+              </a:rPr>
+              <a:t> - </a:t>
+            </a:r>
+            <a:r>
+              <a:rPr lang="ru-RU" dirty="0">
+                <a:solidFill>
+                  <a:srgbClr val="B5B7BC"/>
+                </a:solidFill>
+              </a:rPr>
+              <a:t>В этом состоянии поток считается готовым к выполнению и может быть выбран планировщиком потоков для выполнения на процессоре. </a:t>
+            </a:r>
+            <a:r>
+              <a:rPr lang="ru-RU" dirty="0">
+                <a:solidFill>
+                  <a:srgbClr val="B5B7BC"/>
+                </a:solidFill>
+              </a:rPr>
+              <a:t>Поток может фактически выполняться или ожидать своей очереди на выполнение.</a:t>
+            </a:r>
+          </a:p>
+          <a:p>
+            <a:r>
+              <a:rPr lang="ru-RU" dirty="0" smtClean="0">
+                <a:solidFill>
+                  <a:srgbClr val="AE9446"/>
+                </a:solidFill>
+              </a:rPr>
+              <a:t>BLOCKED</a:t>
+            </a:r>
+            <a:r>
+              <a:rPr lang="ru-RU" dirty="0" smtClean="0">
+                <a:solidFill>
+                  <a:srgbClr val="B5B7BC"/>
+                </a:solidFill>
+              </a:rPr>
+              <a:t> -</a:t>
+            </a:r>
+            <a:r>
+              <a:rPr lang="ru-RU" dirty="0">
+                <a:solidFill>
+                  <a:srgbClr val="B5B7BC"/>
+                </a:solidFill>
+              </a:rPr>
+              <a:t> Поток переходит в это состояние, если он пытается войти в синхронизированный блок или метод, доступ к которому в данный момент удерживается другим потоком. </a:t>
+            </a:r>
+          </a:p>
+          <a:p>
+            <a:r>
+              <a:rPr lang="ru-RU" dirty="0" smtClean="0">
+                <a:solidFill>
+                  <a:srgbClr val="AE9446"/>
+                </a:solidFill>
+              </a:rPr>
+              <a:t>WAITING</a:t>
+            </a:r>
+            <a:r>
+              <a:rPr lang="ru-RU" dirty="0" smtClean="0">
+                <a:solidFill>
+                  <a:srgbClr val="B5B7BC"/>
+                </a:solidFill>
+              </a:rPr>
+              <a:t> -</a:t>
+            </a:r>
+            <a:r>
+              <a:rPr lang="ru-RU" dirty="0">
+                <a:solidFill>
+                  <a:srgbClr val="B5B7BC"/>
+                </a:solidFill>
+              </a:rPr>
+              <a:t> Поток находится в состоянии ожидания без указания времени, пока другой поток не разбудит его. </a:t>
+            </a:r>
+            <a:endParaRPr lang="ru-RU" dirty="0" smtClean="0">
+              <a:solidFill>
+                <a:srgbClr val="B5B7BC"/>
+              </a:solidFill>
+            </a:endParaRPr>
+          </a:p>
+          <a:p>
+            <a:r>
+              <a:rPr lang="ru-RU" dirty="0" smtClean="0">
+                <a:solidFill>
+                  <a:srgbClr val="AE9446"/>
+                </a:solidFill>
+              </a:rPr>
+              <a:t>TIMED_WAITING</a:t>
+            </a:r>
+            <a:r>
+              <a:rPr lang="ru-RU" dirty="0" smtClean="0">
+                <a:solidFill>
+                  <a:srgbClr val="B5B7BC"/>
+                </a:solidFill>
+              </a:rPr>
+              <a:t> -</a:t>
+            </a:r>
+            <a:r>
+              <a:rPr lang="ru-RU" dirty="0">
+                <a:solidFill>
+                  <a:srgbClr val="B5B7BC"/>
+                </a:solidFill>
+              </a:rPr>
+              <a:t> Похожее на состояние WAITING, но с указанным временем ожидания. </a:t>
+            </a:r>
+            <a:r>
+              <a:rPr lang="ru-RU" dirty="0">
+                <a:solidFill>
+                  <a:srgbClr val="B5B7BC"/>
+                </a:solidFill>
+              </a:rPr>
+              <a:t>Поток переходит в это состояние при вызове методов </a:t>
+            </a:r>
+            <a:r>
+              <a:rPr lang="ru-RU" dirty="0" err="1">
+                <a:solidFill>
+                  <a:srgbClr val="B5B7BC"/>
+                </a:solidFill>
+              </a:rPr>
+              <a:t>sleep</a:t>
+            </a:r>
+            <a:r>
+              <a:rPr lang="ru-RU" dirty="0">
+                <a:solidFill>
+                  <a:srgbClr val="B5B7BC"/>
+                </a:solidFill>
+              </a:rPr>
+              <a:t>() или </a:t>
+            </a:r>
+            <a:r>
+              <a:rPr lang="ru-RU" dirty="0" err="1">
+                <a:solidFill>
+                  <a:srgbClr val="B5B7BC"/>
+                </a:solidFill>
+              </a:rPr>
+              <a:t>join</a:t>
+            </a:r>
+            <a:r>
+              <a:rPr lang="ru-RU" dirty="0">
+                <a:solidFill>
+                  <a:srgbClr val="B5B7BC"/>
+                </a:solidFill>
+              </a:rPr>
+              <a:t>() с указанием таймаута. </a:t>
+            </a:r>
+          </a:p>
+          <a:p>
+            <a:r>
+              <a:rPr lang="ru-RU" dirty="0" smtClean="0">
+                <a:solidFill>
+                  <a:srgbClr val="AE9446"/>
+                </a:solidFill>
+              </a:rPr>
+              <a:t>TERMINATED</a:t>
+            </a:r>
+            <a:r>
+              <a:rPr lang="ru-RU" dirty="0" smtClean="0">
+                <a:solidFill>
+                  <a:srgbClr val="B5B7BC"/>
+                </a:solidFill>
+              </a:rPr>
+              <a:t> -</a:t>
+            </a:r>
+            <a:r>
+              <a:rPr lang="ru-RU" dirty="0">
+                <a:solidFill>
+                  <a:srgbClr val="B5B7BC"/>
+                </a:solidFill>
+              </a:rPr>
+              <a:t> Поток переходит в это состояние, когда метод </a:t>
+            </a:r>
+            <a:r>
+              <a:rPr lang="ru-RU" dirty="0" err="1">
+                <a:solidFill>
+                  <a:srgbClr val="B5B7BC"/>
+                </a:solidFill>
+              </a:rPr>
+              <a:t>run</a:t>
+            </a:r>
+            <a:r>
+              <a:rPr lang="ru-RU" dirty="0">
+                <a:solidFill>
+                  <a:srgbClr val="B5B7BC"/>
+                </a:solidFill>
+              </a:rPr>
+              <a:t>() завершает своё выполнение либо из-за нормального завершения, либо из-за </a:t>
+            </a:r>
+            <a:r>
+              <a:rPr lang="ru-RU" dirty="0" err="1">
+                <a:solidFill>
+                  <a:srgbClr val="B5B7BC"/>
+                </a:solidFill>
+              </a:rPr>
+              <a:t>неперехваченного</a:t>
+            </a:r>
+            <a:r>
+              <a:rPr lang="ru-RU" dirty="0">
+                <a:solidFill>
+                  <a:srgbClr val="B5B7BC"/>
+                </a:solidFill>
+              </a:rPr>
+              <a:t> исключения. </a:t>
+            </a:r>
+          </a:p>
+        </p:txBody>
+      </p:sp>
+    </p:spTree>
+    <p:extLst>
+      <p:ext uri="{BB962C8B-B14F-4D97-AF65-F5344CB8AC3E}">
+        <p14:creationId xmlns:p14="http://schemas.microsoft.com/office/powerpoint/2010/main" val="70457662"/>
+      </p:ext>
+    </p:extLst>
+  </p:cSld>
+  <p:clrMapOvr>
+    <a:masterClrMapping/>
+  </p:clrMapOvr>
+  <p:timing>
+    <p:tnLst>
+      <p:par>
+        <p:cTn id="1" dur="indefinite" restart="never" nodeType="tmRoot"/>
+      </p:par>
+    </p:tnLst>
+  </p:timing>
+</p:sld>
+</file>
+
+<file path=ppt/slides/slide15.xml><?xml version="1.0" encoding="utf-8"?>
+<p:sld xmlns:a="http://schemas.openxmlformats.org/drawingml/2006/main" xmlns:r="http://schemas.openxmlformats.org/officeDocument/2006/relationships" xmlns:p="http://schemas.openxmlformats.org/presentationml/2006/main">
+  <p:cSld>
+    <p:bg>
+      <p:bgPr>
+        <a:solidFill>
+          <a:srgbClr val="1E1F22"/>
+        </a:solidFill>
+        <a:effectLst/>
+      </p:bgPr>
+    </p:bg>
+    <p:spTree>
+      <p:nvGrpSpPr>
+        <p:cNvPr id="1" name=""/>
+        <p:cNvGrpSpPr/>
+        <p:nvPr/>
+      </p:nvGrpSpPr>
+      <p:grpSpPr>
+        <a:xfrm>
+          <a:off x="0" y="0"/>
+          <a:ext cx="0" cy="0"/>
+          <a:chOff x="0" y="0"/>
+          <a:chExt cx="0" cy="0"/>
+        </a:xfrm>
+      </p:grpSpPr>
+      <p:pic>
+        <p:nvPicPr>
+          <p:cNvPr id="9" name="Рисунок 8"/>
+          <p:cNvPicPr>
+            <a:picLocks noChangeAspect="1"/>
+          </p:cNvPicPr>
+          <p:nvPr/>
+        </p:nvPicPr>
+        <p:blipFill>
+          <a:blip r:embed="rId3"/>
+          <a:stretch>
+            <a:fillRect/>
+          </a:stretch>
+        </p:blipFill>
+        <p:spPr>
+          <a:xfrm>
+            <a:off x="6172074" y="945274"/>
+            <a:ext cx="3925655" cy="5752570"/>
+          </a:xfrm>
+          <a:prstGeom prst="rect">
+            <a:avLst/>
+          </a:prstGeom>
+        </p:spPr>
+      </p:pic>
+      <p:pic>
+        <p:nvPicPr>
+          <p:cNvPr id="3" name="Рисунок 2"/>
+          <p:cNvPicPr>
+            <a:picLocks noChangeAspect="1"/>
+          </p:cNvPicPr>
+          <p:nvPr/>
+        </p:nvPicPr>
+        <p:blipFill>
+          <a:blip r:embed="rId4"/>
+          <a:stretch>
+            <a:fillRect/>
+          </a:stretch>
+        </p:blipFill>
+        <p:spPr>
+          <a:xfrm>
+            <a:off x="263524" y="2727490"/>
+            <a:ext cx="4625729" cy="3970354"/>
+          </a:xfrm>
+          <a:prstGeom prst="rect">
+            <a:avLst/>
+          </a:prstGeom>
+        </p:spPr>
+      </p:pic>
+      <p:sp>
+        <p:nvSpPr>
+          <p:cNvPr id="2" name="Заголовок 1"/>
+          <p:cNvSpPr>
+            <a:spLocks noGrp="1"/>
+          </p:cNvSpPr>
+          <p:nvPr>
+            <p:ph type="title"/>
+          </p:nvPr>
+        </p:nvSpPr>
+        <p:spPr>
+          <a:xfrm>
+            <a:off x="180000" y="180000"/>
+            <a:ext cx="11916228" cy="563789"/>
+          </a:xfrm>
+        </p:spPr>
+        <p:txBody>
+          <a:bodyPr>
+            <a:noAutofit/>
+          </a:bodyPr>
+          <a:lstStyle/>
+          <a:p>
+            <a:r>
+              <a:rPr lang="ru-RU" sz="2800" dirty="0">
+                <a:solidFill>
+                  <a:srgbClr val="965C3F"/>
+                </a:solidFill>
+                <a:latin typeface="Calibri" panose="020F0502020204030204" pitchFamily="34" charset="0"/>
+                <a:cs typeface="Calibri" panose="020F0502020204030204" pitchFamily="34" charset="0"/>
+              </a:rPr>
+              <a:t>Этапы жизни потока</a:t>
+            </a:r>
+            <a:endParaRPr lang="ru-RU" sz="2800" dirty="0">
+              <a:solidFill>
+                <a:srgbClr val="965C3F"/>
+              </a:solidFill>
+              <a:latin typeface="Calibri" panose="020F0502020204030204" pitchFamily="34" charset="0"/>
+              <a:cs typeface="Calibri" panose="020F0502020204030204" pitchFamily="34" charset="0"/>
+            </a:endParaRPr>
+          </a:p>
+        </p:txBody>
+      </p:sp>
+      <p:cxnSp>
+        <p:nvCxnSpPr>
+          <p:cNvPr id="6" name="Прямая соединительная линия 5"/>
+          <p:cNvCxnSpPr/>
+          <p:nvPr/>
+        </p:nvCxnSpPr>
+        <p:spPr>
+          <a:xfrm flipV="1">
+            <a:off x="180000" y="0"/>
+            <a:ext cx="0" cy="6858000"/>
+          </a:xfrm>
+          <a:prstGeom prst="line">
+            <a:avLst/>
+          </a:prstGeom>
+          <a:ln w="22225">
+            <a:solidFill>
+              <a:srgbClr val="4A494A"/>
+            </a:solidFill>
+          </a:ln>
+        </p:spPr>
+        <p:style>
+          <a:lnRef idx="1">
+            <a:schemeClr val="accent1"/>
+          </a:lnRef>
+          <a:fillRef idx="0">
+            <a:schemeClr val="accent1"/>
+          </a:fillRef>
+          <a:effectRef idx="0">
+            <a:schemeClr val="accent1"/>
+          </a:effectRef>
+          <a:fontRef idx="minor">
+            <a:schemeClr val="tx1"/>
+          </a:fontRef>
+        </p:style>
+      </p:cxnSp>
+      <p:cxnSp>
+        <p:nvCxnSpPr>
+          <p:cNvPr id="7" name="Прямая соединительная линия 6"/>
+          <p:cNvCxnSpPr/>
+          <p:nvPr/>
+        </p:nvCxnSpPr>
+        <p:spPr>
+          <a:xfrm flipH="1">
+            <a:off x="180000" y="180000"/>
+            <a:ext cx="12154876" cy="0"/>
+          </a:xfrm>
+          <a:prstGeom prst="line">
+            <a:avLst/>
+          </a:prstGeom>
+          <a:ln w="22225">
+            <a:solidFill>
+              <a:srgbClr val="4A494A"/>
+            </a:solidFill>
+          </a:ln>
+        </p:spPr>
+        <p:style>
+          <a:lnRef idx="1">
+            <a:schemeClr val="accent1"/>
+          </a:lnRef>
+          <a:fillRef idx="0">
+            <a:schemeClr val="accent1"/>
+          </a:fillRef>
+          <a:effectRef idx="0">
+            <a:schemeClr val="accent1"/>
+          </a:effectRef>
+          <a:fontRef idx="minor">
+            <a:schemeClr val="tx1"/>
+          </a:fontRef>
+        </p:style>
+      </p:cxnSp>
+      <p:cxnSp>
+        <p:nvCxnSpPr>
+          <p:cNvPr id="11" name="Прямая соединительная линия 10"/>
+          <p:cNvCxnSpPr/>
+          <p:nvPr/>
+        </p:nvCxnSpPr>
+        <p:spPr>
+          <a:xfrm flipH="1">
+            <a:off x="180000" y="761864"/>
+            <a:ext cx="12154876" cy="0"/>
+          </a:xfrm>
+          <a:prstGeom prst="line">
+            <a:avLst/>
+          </a:prstGeom>
+          <a:ln w="22225">
+            <a:solidFill>
+              <a:srgbClr val="4A494A"/>
+            </a:solidFill>
+          </a:ln>
+        </p:spPr>
+        <p:style>
+          <a:lnRef idx="1">
+            <a:schemeClr val="accent1"/>
+          </a:lnRef>
+          <a:fillRef idx="0">
+            <a:schemeClr val="accent1"/>
+          </a:fillRef>
+          <a:effectRef idx="0">
+            <a:schemeClr val="accent1"/>
+          </a:effectRef>
+          <a:fontRef idx="minor">
+            <a:schemeClr val="tx1"/>
+          </a:fontRef>
+        </p:style>
+      </p:cxnSp>
+      <p:sp>
+        <p:nvSpPr>
+          <p:cNvPr id="36" name="Прямоугольник 35"/>
+          <p:cNvSpPr/>
+          <p:nvPr/>
+        </p:nvSpPr>
+        <p:spPr>
+          <a:xfrm>
+            <a:off x="6172074" y="945274"/>
+            <a:ext cx="5756400" cy="5752570"/>
+          </a:xfrm>
+          <a:prstGeom prst="rect">
+            <a:avLst/>
+          </a:prstGeom>
+          <a:noFill/>
+          <a:ln>
+            <a:solidFill>
+              <a:srgbClr val="4A494A"/>
+            </a:solidFill>
+          </a:ln>
+        </p:spPr>
+        <p:style>
+          <a:lnRef idx="2">
+            <a:schemeClr val="accent1">
+              <a:shade val="50000"/>
+            </a:schemeClr>
+          </a:lnRef>
+          <a:fillRef idx="1">
+            <a:schemeClr val="accent1"/>
+          </a:fillRef>
+          <a:effectRef idx="0">
+            <a:schemeClr val="accent1"/>
+          </a:effectRef>
+          <a:fontRef idx="minor">
+            <a:schemeClr val="lt1"/>
+          </a:fontRef>
+        </p:style>
+        <p:txBody>
+          <a:bodyPr rtlCol="0" anchor="ctr"/>
+          <a:lstStyle/>
+          <a:p>
+            <a:pPr algn="ctr"/>
+            <a:endParaRPr lang="ru-RU"/>
+          </a:p>
+        </p:txBody>
+      </p:sp>
+      <p:sp>
+        <p:nvSpPr>
+          <p:cNvPr id="41" name="Прямоугольник 40"/>
+          <p:cNvSpPr/>
+          <p:nvPr/>
+        </p:nvSpPr>
+        <p:spPr>
+          <a:xfrm>
+            <a:off x="263525" y="2727490"/>
+            <a:ext cx="5756400" cy="3970354"/>
+          </a:xfrm>
+          <a:prstGeom prst="rect">
+            <a:avLst/>
+          </a:prstGeom>
+          <a:noFill/>
+          <a:ln>
+            <a:solidFill>
+              <a:srgbClr val="4A494A"/>
+            </a:solidFill>
+          </a:ln>
+        </p:spPr>
+        <p:style>
+          <a:lnRef idx="2">
+            <a:schemeClr val="accent1">
+              <a:shade val="50000"/>
+            </a:schemeClr>
+          </a:lnRef>
+          <a:fillRef idx="1">
+            <a:schemeClr val="accent1"/>
+          </a:fillRef>
+          <a:effectRef idx="0">
+            <a:schemeClr val="accent1"/>
+          </a:effectRef>
+          <a:fontRef idx="minor">
+            <a:schemeClr val="lt1"/>
+          </a:fontRef>
+        </p:style>
+        <p:txBody>
+          <a:bodyPr rtlCol="0" anchor="ctr"/>
+          <a:lstStyle/>
+          <a:p>
+            <a:pPr algn="ctr"/>
+            <a:endParaRPr lang="ru-RU"/>
+          </a:p>
+        </p:txBody>
+      </p:sp>
+      <p:sp>
+        <p:nvSpPr>
+          <p:cNvPr id="20" name="Прямоугольник 19"/>
+          <p:cNvSpPr/>
+          <p:nvPr/>
+        </p:nvSpPr>
+        <p:spPr>
+          <a:xfrm>
+            <a:off x="267794" y="945274"/>
+            <a:ext cx="5756400" cy="1689771"/>
+          </a:xfrm>
+          <a:prstGeom prst="rect">
+            <a:avLst/>
+          </a:prstGeom>
+          <a:noFill/>
+          <a:ln>
+            <a:solidFill>
+              <a:srgbClr val="4A494A"/>
+            </a:solidFill>
+          </a:ln>
+        </p:spPr>
+        <p:style>
+          <a:lnRef idx="2">
+            <a:schemeClr val="accent1">
+              <a:shade val="50000"/>
+            </a:schemeClr>
+          </a:lnRef>
+          <a:fillRef idx="1">
+            <a:schemeClr val="accent1"/>
+          </a:fillRef>
+          <a:effectRef idx="0">
+            <a:schemeClr val="accent1"/>
+          </a:effectRef>
+          <a:fontRef idx="minor">
+            <a:schemeClr val="lt1"/>
+          </a:fontRef>
+        </p:style>
+        <p:txBody>
+          <a:bodyPr rtlCol="0" anchor="ctr"/>
+          <a:lstStyle/>
+          <a:p>
+            <a:pPr algn="ctr"/>
+            <a:endParaRPr lang="ru-RU"/>
+          </a:p>
+        </p:txBody>
+      </p:sp>
+      <p:grpSp>
+        <p:nvGrpSpPr>
+          <p:cNvPr id="19" name="Группа 18"/>
+          <p:cNvGrpSpPr/>
+          <p:nvPr/>
+        </p:nvGrpSpPr>
+        <p:grpSpPr>
+          <a:xfrm>
+            <a:off x="394220" y="1074949"/>
+            <a:ext cx="5503549" cy="1430421"/>
+            <a:chOff x="524915" y="945274"/>
+            <a:chExt cx="5503549" cy="1430421"/>
+          </a:xfrm>
+        </p:grpSpPr>
+        <p:grpSp>
+          <p:nvGrpSpPr>
+            <p:cNvPr id="15" name="Группа 14"/>
+            <p:cNvGrpSpPr/>
+            <p:nvPr/>
+          </p:nvGrpSpPr>
+          <p:grpSpPr>
+            <a:xfrm>
+              <a:off x="524915" y="945274"/>
+              <a:ext cx="5341774" cy="369332"/>
+              <a:chOff x="524915" y="945274"/>
+              <a:chExt cx="5341774" cy="369332"/>
+            </a:xfrm>
+          </p:grpSpPr>
+          <p:sp>
+            <p:nvSpPr>
+              <p:cNvPr id="17" name="Прямоугольник 16"/>
+              <p:cNvSpPr/>
+              <p:nvPr/>
+            </p:nvSpPr>
+            <p:spPr>
+              <a:xfrm>
+                <a:off x="524915" y="945274"/>
+                <a:ext cx="1648721" cy="369332"/>
+              </a:xfrm>
+              <a:prstGeom prst="rect">
+                <a:avLst/>
+              </a:prstGeom>
+            </p:spPr>
+            <p:txBody>
+              <a:bodyPr wrap="none">
+                <a:spAutoFit/>
+              </a:bodyPr>
+              <a:lstStyle/>
+              <a:p>
+                <a:pPr>
+                  <a:defRPr/>
+                </a:pPr>
+                <a:r>
+                  <a:rPr lang="en-US" dirty="0">
+                    <a:solidFill>
+                      <a:srgbClr val="AE9446"/>
+                    </a:solidFill>
+                  </a:rPr>
+                  <a:t>State</a:t>
+                </a:r>
+                <a:r>
+                  <a:rPr lang="en-US" dirty="0"/>
+                  <a:t> </a:t>
+                </a:r>
+                <a:r>
+                  <a:rPr lang="en-US" dirty="0" err="1">
+                    <a:solidFill>
+                      <a:srgbClr val="935B6D"/>
+                    </a:solidFill>
+                  </a:rPr>
+                  <a:t>getState</a:t>
+                </a:r>
+                <a:r>
+                  <a:rPr lang="en-US" dirty="0">
+                    <a:solidFill>
+                      <a:srgbClr val="B5B7BC"/>
+                    </a:solidFill>
+                  </a:rPr>
+                  <a:t>()</a:t>
+                </a:r>
+                <a:endParaRPr lang="en-US" dirty="0">
+                  <a:solidFill>
+                    <a:srgbClr val="B5B7BC"/>
+                  </a:solidFill>
+                </a:endParaRPr>
+              </a:p>
+            </p:txBody>
+          </p:sp>
+          <p:sp>
+            <p:nvSpPr>
+              <p:cNvPr id="18" name="Прямоугольник 17"/>
+              <p:cNvSpPr/>
+              <p:nvPr/>
+            </p:nvSpPr>
+            <p:spPr>
+              <a:xfrm>
+                <a:off x="2148363" y="945274"/>
+                <a:ext cx="3718326" cy="369332"/>
+              </a:xfrm>
+              <a:prstGeom prst="rect">
+                <a:avLst/>
+              </a:prstGeom>
+            </p:spPr>
+            <p:txBody>
+              <a:bodyPr wrap="none">
+                <a:spAutoFit/>
+              </a:bodyPr>
+              <a:lstStyle/>
+              <a:p>
+                <a:r>
+                  <a:rPr lang="en-US" dirty="0">
+                    <a:solidFill>
+                      <a:srgbClr val="B5B7BC"/>
+                    </a:solidFill>
+                  </a:rPr>
+                  <a:t>- </a:t>
+                </a:r>
+                <a:r>
+                  <a:rPr lang="ru-RU" dirty="0" smtClean="0">
+                    <a:solidFill>
+                      <a:srgbClr val="B5B7BC"/>
+                    </a:solidFill>
+                  </a:rPr>
+                  <a:t>возвращает текущий статус потока</a:t>
+                </a:r>
+                <a:endParaRPr lang="ru-RU" dirty="0"/>
+              </a:p>
+            </p:txBody>
+          </p:sp>
+        </p:grpSp>
+        <p:grpSp>
+          <p:nvGrpSpPr>
+            <p:cNvPr id="10" name="Группа 9"/>
+            <p:cNvGrpSpPr/>
+            <p:nvPr/>
+          </p:nvGrpSpPr>
+          <p:grpSpPr>
+            <a:xfrm>
+              <a:off x="524915" y="1452365"/>
+              <a:ext cx="5503549" cy="923330"/>
+              <a:chOff x="524915" y="1452365"/>
+              <a:chExt cx="5503549" cy="923330"/>
+            </a:xfrm>
+          </p:grpSpPr>
+          <p:sp>
+            <p:nvSpPr>
+              <p:cNvPr id="22" name="Прямоугольник 21"/>
+              <p:cNvSpPr/>
+              <p:nvPr/>
+            </p:nvSpPr>
+            <p:spPr>
+              <a:xfrm>
+                <a:off x="524915" y="1452365"/>
+                <a:ext cx="1766317" cy="369332"/>
+              </a:xfrm>
+              <a:prstGeom prst="rect">
+                <a:avLst/>
+              </a:prstGeom>
+            </p:spPr>
+            <p:txBody>
+              <a:bodyPr wrap="none">
+                <a:spAutoFit/>
+              </a:bodyPr>
+              <a:lstStyle/>
+              <a:p>
+                <a:r>
+                  <a:rPr lang="en-US" dirty="0" err="1">
+                    <a:solidFill>
+                      <a:srgbClr val="AE9446"/>
+                    </a:solidFill>
+                  </a:rPr>
+                  <a:t>boolean</a:t>
+                </a:r>
+                <a:r>
+                  <a:rPr lang="en-US" dirty="0">
+                    <a:solidFill>
+                      <a:srgbClr val="B5B7BC"/>
+                    </a:solidFill>
+                  </a:rPr>
+                  <a:t> </a:t>
+                </a:r>
+                <a:r>
+                  <a:rPr lang="en-US" dirty="0" err="1">
+                    <a:solidFill>
+                      <a:srgbClr val="935B6D"/>
+                    </a:solidFill>
+                  </a:rPr>
+                  <a:t>isAlive</a:t>
+                </a:r>
+                <a:r>
+                  <a:rPr lang="en-US" dirty="0">
+                    <a:solidFill>
+                      <a:srgbClr val="B5B7BC"/>
+                    </a:solidFill>
+                  </a:rPr>
+                  <a:t>()</a:t>
+                </a:r>
+              </a:p>
+            </p:txBody>
+          </p:sp>
+          <p:sp>
+            <p:nvSpPr>
+              <p:cNvPr id="23" name="Прямоугольник 22"/>
+              <p:cNvSpPr/>
+              <p:nvPr/>
+            </p:nvSpPr>
+            <p:spPr>
+              <a:xfrm>
+                <a:off x="2148363" y="1452365"/>
+                <a:ext cx="3880101" cy="923330"/>
+              </a:xfrm>
+              <a:prstGeom prst="rect">
+                <a:avLst/>
+              </a:prstGeom>
+            </p:spPr>
+            <p:txBody>
+              <a:bodyPr wrap="none">
+                <a:spAutoFit/>
+              </a:bodyPr>
+              <a:lstStyle/>
+              <a:p>
+                <a:r>
+                  <a:rPr lang="en-US" dirty="0">
+                    <a:solidFill>
+                      <a:srgbClr val="B5B7BC"/>
+                    </a:solidFill>
+                  </a:rPr>
+                  <a:t>- </a:t>
+                </a:r>
+                <a:r>
+                  <a:rPr lang="ru-RU" dirty="0" smtClean="0">
+                    <a:solidFill>
+                      <a:srgbClr val="B5B7BC"/>
+                    </a:solidFill>
+                  </a:rPr>
+                  <a:t>возвращает </a:t>
+                </a:r>
+                <a:r>
+                  <a:rPr lang="en-US" dirty="0" smtClean="0">
+                    <a:solidFill>
+                      <a:srgbClr val="9CC56C"/>
+                    </a:solidFill>
+                  </a:rPr>
+                  <a:t>true</a:t>
+                </a:r>
+                <a:r>
+                  <a:rPr lang="ru-RU" dirty="0" smtClean="0">
+                    <a:solidFill>
+                      <a:srgbClr val="B5B7BC"/>
+                    </a:solidFill>
+                  </a:rPr>
+                  <a:t>, если поток </a:t>
+                </a:r>
+                <a:br>
+                  <a:rPr lang="ru-RU" dirty="0" smtClean="0">
+                    <a:solidFill>
+                      <a:srgbClr val="B5B7BC"/>
+                    </a:solidFill>
+                  </a:rPr>
+                </a:br>
+                <a:r>
+                  <a:rPr lang="ru-RU" dirty="0" smtClean="0">
+                    <a:solidFill>
+                      <a:srgbClr val="B5B7BC"/>
+                    </a:solidFill>
+                  </a:rPr>
+                  <a:t>уже запущен </a:t>
+                </a:r>
+                <a:r>
+                  <a:rPr lang="ru-RU" dirty="0" smtClean="0">
+                    <a:solidFill>
+                      <a:srgbClr val="AE9446"/>
+                    </a:solidFill>
+                  </a:rPr>
+                  <a:t>(</a:t>
+                </a:r>
+                <a:r>
+                  <a:rPr lang="en-US" dirty="0" smtClean="0">
+                    <a:solidFill>
+                      <a:srgbClr val="AE9446"/>
+                    </a:solidFill>
+                  </a:rPr>
+                  <a:t>start)</a:t>
+                </a:r>
+                <a:r>
+                  <a:rPr lang="en-US" dirty="0" smtClean="0">
+                    <a:solidFill>
+                      <a:srgbClr val="B5B7BC"/>
+                    </a:solidFill>
+                  </a:rPr>
+                  <a:t> </a:t>
+                </a:r>
+                <a:r>
+                  <a:rPr lang="ru-RU" dirty="0" smtClean="0">
+                    <a:solidFill>
+                      <a:srgbClr val="B5B7BC"/>
+                    </a:solidFill>
+                  </a:rPr>
+                  <a:t>и еще не прерван</a:t>
+                </a:r>
+                <a:r>
+                  <a:rPr lang="en-US" dirty="0" smtClean="0">
+                    <a:solidFill>
+                      <a:srgbClr val="B5B7BC"/>
+                    </a:solidFill>
+                  </a:rPr>
+                  <a:t/>
+                </a:r>
+                <a:br>
+                  <a:rPr lang="en-US" dirty="0" smtClean="0">
+                    <a:solidFill>
+                      <a:srgbClr val="B5B7BC"/>
+                    </a:solidFill>
+                  </a:rPr>
+                </a:br>
+                <a:r>
+                  <a:rPr lang="en-US" dirty="0" smtClean="0">
+                    <a:solidFill>
+                      <a:srgbClr val="AE9446"/>
+                    </a:solidFill>
+                  </a:rPr>
+                  <a:t>(terminate)</a:t>
+                </a:r>
+                <a:endParaRPr lang="ru-RU" dirty="0">
+                  <a:solidFill>
+                    <a:srgbClr val="AE9446"/>
+                  </a:solidFill>
+                </a:endParaRPr>
+              </a:p>
+            </p:txBody>
+          </p:sp>
+        </p:grpSp>
+      </p:grpSp>
+    </p:spTree>
+    <p:extLst>
+      <p:ext uri="{BB962C8B-B14F-4D97-AF65-F5344CB8AC3E}">
+        <p14:creationId xmlns:p14="http://schemas.microsoft.com/office/powerpoint/2010/main" val="1567496221"/>
+      </p:ext>
+    </p:extLst>
+  </p:cSld>
+  <p:clrMapOvr>
+    <a:masterClrMapping/>
+  </p:clrMapOvr>
+  <p:timing>
+    <p:tnLst>
+      <p:par>
+        <p:cTn id="1" dur="indefinite" restart="never" nodeType="tmRoot"/>
+      </p:par>
+    </p:tnLst>
+  </p:timing>
+</p:sld>
+</file>
+
+<file path=ppt/slides/slide16.xml><?xml version="1.0" encoding="utf-8"?>
+<p:sld xmlns:a="http://schemas.openxmlformats.org/drawingml/2006/main" xmlns:r="http://schemas.openxmlformats.org/officeDocument/2006/relationships" xmlns:p="http://schemas.openxmlformats.org/presentationml/2006/main">
+  <p:cSld>
+    <p:bg>
+      <p:bgPr>
+        <a:solidFill>
+          <a:srgbClr val="1E1F22"/>
+        </a:solidFill>
+        <a:effectLst/>
+      </p:bgPr>
+    </p:bg>
+    <p:spTree>
+      <p:nvGrpSpPr>
+        <p:cNvPr id="1" name=""/>
+        <p:cNvGrpSpPr/>
+        <p:nvPr/>
+      </p:nvGrpSpPr>
+      <p:grpSpPr>
+        <a:xfrm>
+          <a:off x="0" y="0"/>
+          <a:ext cx="0" cy="0"/>
+          <a:chOff x="0" y="0"/>
+          <a:chExt cx="0" cy="0"/>
+        </a:xfrm>
+      </p:grpSpPr>
+      <p:pic>
+        <p:nvPicPr>
+          <p:cNvPr id="4" name="Рисунок 3"/>
+          <p:cNvPicPr>
+            <a:picLocks noChangeAspect="1"/>
+          </p:cNvPicPr>
+          <p:nvPr/>
+        </p:nvPicPr>
+        <p:blipFill>
+          <a:blip r:embed="rId3"/>
+          <a:stretch>
+            <a:fillRect/>
+          </a:stretch>
+        </p:blipFill>
+        <p:spPr>
+          <a:xfrm>
+            <a:off x="6172074" y="945274"/>
+            <a:ext cx="4572638" cy="2238687"/>
+          </a:xfrm>
+          <a:prstGeom prst="rect">
+            <a:avLst/>
+          </a:prstGeom>
+        </p:spPr>
+      </p:pic>
+      <p:sp>
+        <p:nvSpPr>
+          <p:cNvPr id="2" name="Заголовок 1"/>
+          <p:cNvSpPr>
+            <a:spLocks noGrp="1"/>
+          </p:cNvSpPr>
+          <p:nvPr>
+            <p:ph type="title"/>
+          </p:nvPr>
+        </p:nvSpPr>
+        <p:spPr>
+          <a:xfrm>
+            <a:off x="180000" y="180000"/>
+            <a:ext cx="11916228" cy="563789"/>
+          </a:xfrm>
+        </p:spPr>
+        <p:txBody>
+          <a:bodyPr>
+            <a:noAutofit/>
+          </a:bodyPr>
+          <a:lstStyle/>
+          <a:p>
+            <a:r>
+              <a:rPr lang="ru-RU" sz="2800" dirty="0">
+                <a:solidFill>
+                  <a:srgbClr val="965C3F"/>
+                </a:solidFill>
+                <a:latin typeface="Calibri" panose="020F0502020204030204" pitchFamily="34" charset="0"/>
+                <a:cs typeface="Calibri" panose="020F0502020204030204" pitchFamily="34" charset="0"/>
+              </a:rPr>
+              <a:t>Этапы жизни потока</a:t>
+            </a:r>
+            <a:endParaRPr lang="ru-RU" sz="2800" dirty="0">
+              <a:solidFill>
+                <a:srgbClr val="965C3F"/>
+              </a:solidFill>
+              <a:latin typeface="Calibri" panose="020F0502020204030204" pitchFamily="34" charset="0"/>
+              <a:cs typeface="Calibri" panose="020F0502020204030204" pitchFamily="34" charset="0"/>
+            </a:endParaRPr>
+          </a:p>
+        </p:txBody>
+      </p:sp>
+      <p:cxnSp>
+        <p:nvCxnSpPr>
+          <p:cNvPr id="6" name="Прямая соединительная линия 5"/>
+          <p:cNvCxnSpPr/>
+          <p:nvPr/>
+        </p:nvCxnSpPr>
+        <p:spPr>
+          <a:xfrm flipV="1">
+            <a:off x="180000" y="0"/>
+            <a:ext cx="0" cy="6858000"/>
+          </a:xfrm>
+          <a:prstGeom prst="line">
+            <a:avLst/>
+          </a:prstGeom>
+          <a:ln w="22225">
+            <a:solidFill>
+              <a:srgbClr val="4A494A"/>
+            </a:solidFill>
+          </a:ln>
+        </p:spPr>
+        <p:style>
+          <a:lnRef idx="1">
+            <a:schemeClr val="accent1"/>
+          </a:lnRef>
+          <a:fillRef idx="0">
+            <a:schemeClr val="accent1"/>
+          </a:fillRef>
+          <a:effectRef idx="0">
+            <a:schemeClr val="accent1"/>
+          </a:effectRef>
+          <a:fontRef idx="minor">
+            <a:schemeClr val="tx1"/>
+          </a:fontRef>
+        </p:style>
+      </p:cxnSp>
+      <p:cxnSp>
+        <p:nvCxnSpPr>
+          <p:cNvPr id="7" name="Прямая соединительная линия 6"/>
+          <p:cNvCxnSpPr/>
+          <p:nvPr/>
+        </p:nvCxnSpPr>
+        <p:spPr>
+          <a:xfrm flipH="1">
+            <a:off x="180000" y="180000"/>
+            <a:ext cx="12154876" cy="0"/>
+          </a:xfrm>
+          <a:prstGeom prst="line">
+            <a:avLst/>
+          </a:prstGeom>
+          <a:ln w="22225">
+            <a:solidFill>
+              <a:srgbClr val="4A494A"/>
+            </a:solidFill>
+          </a:ln>
+        </p:spPr>
+        <p:style>
+          <a:lnRef idx="1">
+            <a:schemeClr val="accent1"/>
+          </a:lnRef>
+          <a:fillRef idx="0">
+            <a:schemeClr val="accent1"/>
+          </a:fillRef>
+          <a:effectRef idx="0">
+            <a:schemeClr val="accent1"/>
+          </a:effectRef>
+          <a:fontRef idx="minor">
+            <a:schemeClr val="tx1"/>
+          </a:fontRef>
+        </p:style>
+      </p:cxnSp>
+      <p:cxnSp>
+        <p:nvCxnSpPr>
+          <p:cNvPr id="11" name="Прямая соединительная линия 10"/>
+          <p:cNvCxnSpPr/>
+          <p:nvPr/>
+        </p:nvCxnSpPr>
+        <p:spPr>
+          <a:xfrm flipH="1">
+            <a:off x="180000" y="761864"/>
+            <a:ext cx="12154876" cy="0"/>
+          </a:xfrm>
+          <a:prstGeom prst="line">
+            <a:avLst/>
+          </a:prstGeom>
+          <a:ln w="22225">
+            <a:solidFill>
+              <a:srgbClr val="4A494A"/>
+            </a:solidFill>
+          </a:ln>
+        </p:spPr>
+        <p:style>
+          <a:lnRef idx="1">
+            <a:schemeClr val="accent1"/>
+          </a:lnRef>
+          <a:fillRef idx="0">
+            <a:schemeClr val="accent1"/>
+          </a:fillRef>
+          <a:effectRef idx="0">
+            <a:schemeClr val="accent1"/>
+          </a:effectRef>
+          <a:fontRef idx="minor">
+            <a:schemeClr val="tx1"/>
+          </a:fontRef>
+        </p:style>
+      </p:cxnSp>
+      <p:sp>
+        <p:nvSpPr>
+          <p:cNvPr id="36" name="Прямоугольник 35"/>
+          <p:cNvSpPr/>
+          <p:nvPr/>
+        </p:nvSpPr>
+        <p:spPr>
+          <a:xfrm>
+            <a:off x="6172074" y="945274"/>
+            <a:ext cx="5756400" cy="5752570"/>
+          </a:xfrm>
+          <a:prstGeom prst="rect">
+            <a:avLst/>
+          </a:prstGeom>
+          <a:noFill/>
+          <a:ln>
+            <a:solidFill>
+              <a:srgbClr val="4A494A"/>
+            </a:solidFill>
+          </a:ln>
+        </p:spPr>
+        <p:style>
+          <a:lnRef idx="2">
+            <a:schemeClr val="accent1">
+              <a:shade val="50000"/>
+            </a:schemeClr>
+          </a:lnRef>
+          <a:fillRef idx="1">
+            <a:schemeClr val="accent1"/>
+          </a:fillRef>
+          <a:effectRef idx="0">
+            <a:schemeClr val="accent1"/>
+          </a:effectRef>
+          <a:fontRef idx="minor">
+            <a:schemeClr val="lt1"/>
+          </a:fontRef>
+        </p:style>
+        <p:txBody>
+          <a:bodyPr rtlCol="0" anchor="ctr"/>
+          <a:lstStyle/>
+          <a:p>
+            <a:pPr algn="ctr"/>
+            <a:endParaRPr lang="ru-RU"/>
+          </a:p>
+        </p:txBody>
+      </p:sp>
+      <p:pic>
+        <p:nvPicPr>
+          <p:cNvPr id="21" name="Рисунок 20"/>
+          <p:cNvPicPr>
+            <a:picLocks noChangeAspect="1"/>
+          </p:cNvPicPr>
+          <p:nvPr/>
+        </p:nvPicPr>
+        <p:blipFill>
+          <a:blip r:embed="rId4"/>
+          <a:stretch>
+            <a:fillRect/>
+          </a:stretch>
+        </p:blipFill>
+        <p:spPr>
+          <a:xfrm>
+            <a:off x="263525" y="945274"/>
+            <a:ext cx="3925655" cy="5752570"/>
+          </a:xfrm>
+          <a:prstGeom prst="rect">
+            <a:avLst/>
+          </a:prstGeom>
+        </p:spPr>
+      </p:pic>
+      <p:sp>
+        <p:nvSpPr>
+          <p:cNvPr id="25" name="Прямоугольник 24"/>
+          <p:cNvSpPr/>
+          <p:nvPr/>
+        </p:nvSpPr>
+        <p:spPr>
+          <a:xfrm>
+            <a:off x="263525" y="945274"/>
+            <a:ext cx="5756400" cy="5752570"/>
+          </a:xfrm>
+          <a:prstGeom prst="rect">
+            <a:avLst/>
+          </a:prstGeom>
+          <a:noFill/>
+          <a:ln>
+            <a:solidFill>
+              <a:srgbClr val="4A494A"/>
+            </a:solidFill>
+          </a:ln>
+        </p:spPr>
+        <p:style>
+          <a:lnRef idx="2">
+            <a:schemeClr val="accent1">
+              <a:shade val="50000"/>
+            </a:schemeClr>
+          </a:lnRef>
+          <a:fillRef idx="1">
+            <a:schemeClr val="accent1"/>
+          </a:fillRef>
+          <a:effectRef idx="0">
+            <a:schemeClr val="accent1"/>
+          </a:effectRef>
+          <a:fontRef idx="minor">
+            <a:schemeClr val="lt1"/>
+          </a:fontRef>
+        </p:style>
+        <p:txBody>
+          <a:bodyPr rtlCol="0" anchor="ctr"/>
+          <a:lstStyle/>
+          <a:p>
+            <a:pPr algn="ctr"/>
+            <a:endParaRPr lang="ru-RU"/>
+          </a:p>
+        </p:txBody>
+      </p:sp>
+    </p:spTree>
+    <p:extLst>
+      <p:ext uri="{BB962C8B-B14F-4D97-AF65-F5344CB8AC3E}">
+        <p14:creationId xmlns:p14="http://schemas.microsoft.com/office/powerpoint/2010/main" val="2323162889"/>
+      </p:ext>
+    </p:extLst>
+  </p:cSld>
+  <p:clrMapOvr>
+    <a:masterClrMapping/>
+  </p:clrMapOvr>
+  <p:timing>
+    <p:tnLst>
+      <p:par>
+        <p:cTn id="1" dur="indefinite" restart="never" nodeType="tmRoot"/>
+      </p:par>
+    </p:tnLst>
+  </p:timing>
+</p:sld>
+</file>
+
+<file path=ppt/slides/slide17.xml><?xml version="1.0" encoding="utf-8"?>
+<p:sld xmlns:a="http://schemas.openxmlformats.org/drawingml/2006/main" xmlns:r="http://schemas.openxmlformats.org/officeDocument/2006/relationships" xmlns:p="http://schemas.openxmlformats.org/presentationml/2006/main">
+  <p:cSld>
+    <p:bg>
+      <p:bgPr>
+        <a:solidFill>
+          <a:srgbClr val="1E1F22"/>
+        </a:solidFill>
+        <a:effectLst/>
+      </p:bgPr>
+    </p:bg>
+    <p:spTree>
+      <p:nvGrpSpPr>
+        <p:cNvPr id="1" name=""/>
+        <p:cNvGrpSpPr/>
+        <p:nvPr/>
+      </p:nvGrpSpPr>
+      <p:grpSpPr>
+        <a:xfrm>
+          <a:off x="0" y="0"/>
+          <a:ext cx="0" cy="0"/>
+          <a:chOff x="0" y="0"/>
+          <a:chExt cx="0" cy="0"/>
+        </a:xfrm>
+      </p:grpSpPr>
+      <p:sp>
+        <p:nvSpPr>
+          <p:cNvPr id="2" name="Заголовок 1"/>
+          <p:cNvSpPr>
+            <a:spLocks noGrp="1"/>
+          </p:cNvSpPr>
+          <p:nvPr>
+            <p:ph type="title"/>
+          </p:nvPr>
+        </p:nvSpPr>
+        <p:spPr>
+          <a:xfrm>
+            <a:off x="180000" y="180000"/>
+            <a:ext cx="11916228" cy="563789"/>
+          </a:xfrm>
+        </p:spPr>
+        <p:txBody>
+          <a:bodyPr>
+            <a:noAutofit/>
+          </a:bodyPr>
+          <a:lstStyle/>
+          <a:p>
+            <a:r>
+              <a:rPr lang="ru-RU" sz="2800" dirty="0" smtClean="0">
+                <a:solidFill>
+                  <a:srgbClr val="965C3F"/>
+                </a:solidFill>
+                <a:latin typeface="Calibri" panose="020F0502020204030204" pitchFamily="34" charset="0"/>
+                <a:cs typeface="Calibri" panose="020F0502020204030204" pitchFamily="34" charset="0"/>
+              </a:rPr>
+              <a:t>Синхронизация</a:t>
             </a:r>
             <a:endParaRPr lang="ru-RU" sz="2800" dirty="0">
               <a:solidFill>
@@ -7917,657 +12995,7 @@
     </p:spTree>
     <p:extLst>
       <p:ext uri="{BB962C8B-B14F-4D97-AF65-F5344CB8AC3E}">
-        <p14:creationId xmlns:p14="http://schemas.microsoft.com/office/powerpoint/2010/main" val="4263079593"/>
-      </p:ext>
-    </p:extLst>
-  </p:cSld>
-  <p:clrMapOvr>
-    <a:masterClrMapping/>
-  </p:clrMapOvr>
-  <p:timing>
-    <p:tnLst>
-      <p:par>
-        <p:cTn id="1" dur="indefinite" restart="never" nodeType="tmRoot"/>
-      </p:par>
-    </p:tnLst>
-  </p:timing>
-</p:sld>
-</file>
-
-<file path=ppt/slides/slide14.xml><?xml version="1.0" encoding="utf-8"?>
-<p:sld xmlns:a="http://schemas.openxmlformats.org/drawingml/2006/main" xmlns:r="http://schemas.openxmlformats.org/officeDocument/2006/relationships" xmlns:p="http://schemas.openxmlformats.org/presentationml/2006/main">
-  <p:cSld>
-    <p:bg>
-      <p:bgPr>
-        <a:solidFill>
-          <a:srgbClr val="1E1F22"/>
-        </a:solidFill>
-        <a:effectLst/>
-      </p:bgPr>
-    </p:bg>
-    <p:spTree>
-      <p:nvGrpSpPr>
-        <p:cNvPr id="1" name=""/>
-        <p:cNvGrpSpPr/>
-        <p:nvPr/>
-      </p:nvGrpSpPr>
-      <p:grpSpPr>
-        <a:xfrm>
-          <a:off x="0" y="0"/>
-          <a:ext cx="0" cy="0"/>
-          <a:chOff x="0" y="0"/>
-          <a:chExt cx="0" cy="0"/>
-        </a:xfrm>
-      </p:grpSpPr>
-      <p:sp>
-        <p:nvSpPr>
-          <p:cNvPr id="2" name="Заголовок 1"/>
-          <p:cNvSpPr>
-            <a:spLocks noGrp="1"/>
-          </p:cNvSpPr>
-          <p:nvPr>
-            <p:ph type="title"/>
-          </p:nvPr>
-        </p:nvSpPr>
-        <p:spPr>
-          <a:xfrm>
-            <a:off x="180000" y="180000"/>
-            <a:ext cx="11916228" cy="563789"/>
-          </a:xfrm>
-        </p:spPr>
-        <p:txBody>
-          <a:bodyPr>
-            <a:noAutofit/>
-          </a:bodyPr>
-          <a:lstStyle/>
-          <a:p>
-            <a:r>
-              <a:rPr lang="ru-RU" sz="2800" dirty="0" smtClean="0">
-                <a:solidFill>
-                  <a:srgbClr val="965C3F"/>
-                </a:solidFill>
-                <a:latin typeface="Calibri" panose="020F0502020204030204" pitchFamily="34" charset="0"/>
-                <a:cs typeface="Calibri" panose="020F0502020204030204" pitchFamily="34" charset="0"/>
-              </a:rPr>
-              <a:t>Синхронизация</a:t>
-            </a:r>
-            <a:endParaRPr lang="ru-RU" sz="2800" dirty="0">
-              <a:solidFill>
-                <a:srgbClr val="965C3F"/>
-              </a:solidFill>
-              <a:latin typeface="Calibri" panose="020F0502020204030204" pitchFamily="34" charset="0"/>
-              <a:cs typeface="Calibri" panose="020F0502020204030204" pitchFamily="34" charset="0"/>
-            </a:endParaRPr>
-          </a:p>
-        </p:txBody>
-      </p:sp>
-      <p:cxnSp>
-        <p:nvCxnSpPr>
-          <p:cNvPr id="6" name="Прямая соединительная линия 5"/>
-          <p:cNvCxnSpPr/>
-          <p:nvPr/>
-        </p:nvCxnSpPr>
-        <p:spPr>
-          <a:xfrm flipV="1">
-            <a:off x="180000" y="0"/>
-            <a:ext cx="0" cy="6858000"/>
-          </a:xfrm>
-          <a:prstGeom prst="line">
-            <a:avLst/>
-          </a:prstGeom>
-          <a:ln w="22225">
-            <a:solidFill>
-              <a:srgbClr val="4A494A"/>
-            </a:solidFill>
-          </a:ln>
-        </p:spPr>
-        <p:style>
-          <a:lnRef idx="1">
-            <a:schemeClr val="accent1"/>
-          </a:lnRef>
-          <a:fillRef idx="0">
-            <a:schemeClr val="accent1"/>
-          </a:fillRef>
-          <a:effectRef idx="0">
-            <a:schemeClr val="accent1"/>
-          </a:effectRef>
-          <a:fontRef idx="minor">
-            <a:schemeClr val="tx1"/>
-          </a:fontRef>
-        </p:style>
-      </p:cxnSp>
-      <p:cxnSp>
-        <p:nvCxnSpPr>
-          <p:cNvPr id="7" name="Прямая соединительная линия 6"/>
-          <p:cNvCxnSpPr/>
-          <p:nvPr/>
-        </p:nvCxnSpPr>
-        <p:spPr>
-          <a:xfrm flipH="1">
-            <a:off x="180000" y="180000"/>
-            <a:ext cx="12154876" cy="0"/>
-          </a:xfrm>
-          <a:prstGeom prst="line">
-            <a:avLst/>
-          </a:prstGeom>
-          <a:ln w="22225">
-            <a:solidFill>
-              <a:srgbClr val="4A494A"/>
-            </a:solidFill>
-          </a:ln>
-        </p:spPr>
-        <p:style>
-          <a:lnRef idx="1">
-            <a:schemeClr val="accent1"/>
-          </a:lnRef>
-          <a:fillRef idx="0">
-            <a:schemeClr val="accent1"/>
-          </a:fillRef>
-          <a:effectRef idx="0">
-            <a:schemeClr val="accent1"/>
-          </a:effectRef>
-          <a:fontRef idx="minor">
-            <a:schemeClr val="tx1"/>
-          </a:fontRef>
-        </p:style>
-      </p:cxnSp>
-      <p:cxnSp>
-        <p:nvCxnSpPr>
-          <p:cNvPr id="11" name="Прямая соединительная линия 10"/>
-          <p:cNvCxnSpPr/>
-          <p:nvPr/>
-        </p:nvCxnSpPr>
-        <p:spPr>
-          <a:xfrm flipH="1">
-            <a:off x="180000" y="761864"/>
-            <a:ext cx="12154876" cy="0"/>
-          </a:xfrm>
-          <a:prstGeom prst="line">
-            <a:avLst/>
-          </a:prstGeom>
-          <a:ln w="22225">
-            <a:solidFill>
-              <a:srgbClr val="4A494A"/>
-            </a:solidFill>
-          </a:ln>
-        </p:spPr>
-        <p:style>
-          <a:lnRef idx="1">
-            <a:schemeClr val="accent1"/>
-          </a:lnRef>
-          <a:fillRef idx="0">
-            <a:schemeClr val="accent1"/>
-          </a:fillRef>
-          <a:effectRef idx="0">
-            <a:schemeClr val="accent1"/>
-          </a:effectRef>
-          <a:fontRef idx="minor">
-            <a:schemeClr val="tx1"/>
-          </a:fontRef>
-        </p:style>
-      </p:cxnSp>
-      <p:sp>
-        <p:nvSpPr>
-          <p:cNvPr id="37" name="TextBox 36"/>
-          <p:cNvSpPr txBox="1"/>
-          <p:nvPr/>
-        </p:nvSpPr>
-        <p:spPr>
-          <a:xfrm>
-            <a:off x="263524" y="849475"/>
-            <a:ext cx="615441" cy="369332"/>
-          </a:xfrm>
-          <a:prstGeom prst="rect">
-            <a:avLst/>
-          </a:prstGeom>
-          <a:noFill/>
-          <a:ln>
-            <a:noFill/>
-          </a:ln>
-        </p:spPr>
-        <p:txBody>
-          <a:bodyPr wrap="square" rtlCol="0">
-            <a:spAutoFit/>
-          </a:bodyPr>
-          <a:lstStyle/>
-          <a:p>
-            <a:r>
-              <a:rPr lang="ru-RU" dirty="0" smtClean="0">
-                <a:solidFill>
-                  <a:srgbClr val="B5B7BC"/>
-                </a:solidFill>
-              </a:rPr>
-              <a:t>Код</a:t>
-            </a:r>
-            <a:endParaRPr lang="ru-RU" dirty="0">
-              <a:solidFill>
-                <a:srgbClr val="9CC56C"/>
-              </a:solidFill>
-            </a:endParaRPr>
-          </a:p>
-        </p:txBody>
-      </p:sp>
-      <p:sp>
-        <p:nvSpPr>
-          <p:cNvPr id="36" name="Прямоугольник 35"/>
-          <p:cNvSpPr/>
-          <p:nvPr/>
-        </p:nvSpPr>
-        <p:spPr>
-          <a:xfrm>
-            <a:off x="6172074" y="1218808"/>
-            <a:ext cx="5756400" cy="5479036"/>
-          </a:xfrm>
-          <a:prstGeom prst="rect">
-            <a:avLst/>
-          </a:prstGeom>
-          <a:noFill/>
-          <a:ln>
-            <a:solidFill>
-              <a:srgbClr val="4A494A"/>
-            </a:solidFill>
-          </a:ln>
-        </p:spPr>
-        <p:style>
-          <a:lnRef idx="2">
-            <a:schemeClr val="accent1">
-              <a:shade val="50000"/>
-            </a:schemeClr>
-          </a:lnRef>
-          <a:fillRef idx="1">
-            <a:schemeClr val="accent1"/>
-          </a:fillRef>
-          <a:effectRef idx="0">
-            <a:schemeClr val="accent1"/>
-          </a:effectRef>
-          <a:fontRef idx="minor">
-            <a:schemeClr val="lt1"/>
-          </a:fontRef>
-        </p:style>
-        <p:txBody>
-          <a:bodyPr rtlCol="0" anchor="ctr"/>
-          <a:lstStyle/>
-          <a:p>
-            <a:pPr algn="ctr"/>
-            <a:endParaRPr lang="ru-RU"/>
-          </a:p>
-        </p:txBody>
-      </p:sp>
-      <p:sp>
-        <p:nvSpPr>
-          <p:cNvPr id="41" name="Прямоугольник 40"/>
-          <p:cNvSpPr/>
-          <p:nvPr/>
-        </p:nvSpPr>
-        <p:spPr>
-          <a:xfrm>
-            <a:off x="263525" y="1218808"/>
-            <a:ext cx="5756400" cy="5479036"/>
-          </a:xfrm>
-          <a:prstGeom prst="rect">
-            <a:avLst/>
-          </a:prstGeom>
-          <a:noFill/>
-          <a:ln>
-            <a:solidFill>
-              <a:srgbClr val="4A494A"/>
-            </a:solidFill>
-          </a:ln>
-        </p:spPr>
-        <p:style>
-          <a:lnRef idx="2">
-            <a:schemeClr val="accent1">
-              <a:shade val="50000"/>
-            </a:schemeClr>
-          </a:lnRef>
-          <a:fillRef idx="1">
-            <a:schemeClr val="accent1"/>
-          </a:fillRef>
-          <a:effectRef idx="0">
-            <a:schemeClr val="accent1"/>
-          </a:effectRef>
-          <a:fontRef idx="minor">
-            <a:schemeClr val="lt1"/>
-          </a:fontRef>
-        </p:style>
-        <p:txBody>
-          <a:bodyPr rtlCol="0" anchor="ctr"/>
-          <a:lstStyle/>
-          <a:p>
-            <a:pPr algn="ctr"/>
-            <a:endParaRPr lang="ru-RU"/>
-          </a:p>
-        </p:txBody>
-      </p:sp>
-    </p:spTree>
-    <p:extLst>
-      <p:ext uri="{BB962C8B-B14F-4D97-AF65-F5344CB8AC3E}">
         <p14:creationId xmlns:p14="http://schemas.microsoft.com/office/powerpoint/2010/main" val="3637048355"/>
-      </p:ext>
-    </p:extLst>
-  </p:cSld>
-  <p:clrMapOvr>
-    <a:masterClrMapping/>
-  </p:clrMapOvr>
-  <p:timing>
-    <p:tnLst>
-      <p:par>
-        <p:cTn id="1" dur="indefinite" restart="never" nodeType="tmRoot"/>
-      </p:par>
-    </p:tnLst>
-  </p:timing>
-</p:sld>
-</file>
-
-<file path=ppt/slides/slide15.xml><?xml version="1.0" encoding="utf-8"?>
-<p:sld xmlns:a="http://schemas.openxmlformats.org/drawingml/2006/main" xmlns:r="http://schemas.openxmlformats.org/officeDocument/2006/relationships" xmlns:p="http://schemas.openxmlformats.org/presentationml/2006/main">
-  <p:cSld>
-    <p:bg>
-      <p:bgPr>
-        <a:solidFill>
-          <a:srgbClr val="1E1F22"/>
-        </a:solidFill>
-        <a:effectLst/>
-      </p:bgPr>
-    </p:bg>
-    <p:spTree>
-      <p:nvGrpSpPr>
-        <p:cNvPr id="1" name=""/>
-        <p:cNvGrpSpPr/>
-        <p:nvPr/>
-      </p:nvGrpSpPr>
-      <p:grpSpPr>
-        <a:xfrm>
-          <a:off x="0" y="0"/>
-          <a:ext cx="0" cy="0"/>
-          <a:chOff x="0" y="0"/>
-          <a:chExt cx="0" cy="0"/>
-        </a:xfrm>
-      </p:grpSpPr>
-      <p:sp>
-        <p:nvSpPr>
-          <p:cNvPr id="2" name="Заголовок 1"/>
-          <p:cNvSpPr>
-            <a:spLocks noGrp="1"/>
-          </p:cNvSpPr>
-          <p:nvPr>
-            <p:ph type="title"/>
-          </p:nvPr>
-        </p:nvSpPr>
-        <p:spPr>
-          <a:xfrm>
-            <a:off x="180000" y="180000"/>
-            <a:ext cx="11916228" cy="563789"/>
-          </a:xfrm>
-        </p:spPr>
-        <p:txBody>
-          <a:bodyPr>
-            <a:noAutofit/>
-          </a:bodyPr>
-          <a:lstStyle/>
-          <a:p>
-            <a:r>
-              <a:rPr lang="ru-RU" sz="2800" dirty="0" smtClean="0">
-                <a:solidFill>
-                  <a:srgbClr val="965C3F"/>
-                </a:solidFill>
-                <a:latin typeface="Calibri" panose="020F0502020204030204" pitchFamily="34" charset="0"/>
-                <a:cs typeface="Calibri" panose="020F0502020204030204" pitchFamily="34" charset="0"/>
-              </a:rPr>
-              <a:t>Этапы жизни потока</a:t>
-            </a:r>
-            <a:endParaRPr lang="ru-RU" sz="2800" dirty="0">
-              <a:solidFill>
-                <a:srgbClr val="965C3F"/>
-              </a:solidFill>
-              <a:latin typeface="Calibri" panose="020F0502020204030204" pitchFamily="34" charset="0"/>
-              <a:cs typeface="Calibri" panose="020F0502020204030204" pitchFamily="34" charset="0"/>
-            </a:endParaRPr>
-          </a:p>
-        </p:txBody>
-      </p:sp>
-      <p:cxnSp>
-        <p:nvCxnSpPr>
-          <p:cNvPr id="6" name="Прямая соединительная линия 5"/>
-          <p:cNvCxnSpPr/>
-          <p:nvPr/>
-        </p:nvCxnSpPr>
-        <p:spPr>
-          <a:xfrm flipV="1">
-            <a:off x="180000" y="0"/>
-            <a:ext cx="0" cy="6858000"/>
-          </a:xfrm>
-          <a:prstGeom prst="line">
-            <a:avLst/>
-          </a:prstGeom>
-          <a:ln w="22225">
-            <a:solidFill>
-              <a:srgbClr val="4A494A"/>
-            </a:solidFill>
-          </a:ln>
-        </p:spPr>
-        <p:style>
-          <a:lnRef idx="1">
-            <a:schemeClr val="accent1"/>
-          </a:lnRef>
-          <a:fillRef idx="0">
-            <a:schemeClr val="accent1"/>
-          </a:fillRef>
-          <a:effectRef idx="0">
-            <a:schemeClr val="accent1"/>
-          </a:effectRef>
-          <a:fontRef idx="minor">
-            <a:schemeClr val="tx1"/>
-          </a:fontRef>
-        </p:style>
-      </p:cxnSp>
-      <p:cxnSp>
-        <p:nvCxnSpPr>
-          <p:cNvPr id="7" name="Прямая соединительная линия 6"/>
-          <p:cNvCxnSpPr/>
-          <p:nvPr/>
-        </p:nvCxnSpPr>
-        <p:spPr>
-          <a:xfrm flipH="1">
-            <a:off x="180000" y="180000"/>
-            <a:ext cx="12154876" cy="0"/>
-          </a:xfrm>
-          <a:prstGeom prst="line">
-            <a:avLst/>
-          </a:prstGeom>
-          <a:ln w="22225">
-            <a:solidFill>
-              <a:srgbClr val="4A494A"/>
-            </a:solidFill>
-          </a:ln>
-        </p:spPr>
-        <p:style>
-          <a:lnRef idx="1">
-            <a:schemeClr val="accent1"/>
-          </a:lnRef>
-          <a:fillRef idx="0">
-            <a:schemeClr val="accent1"/>
-          </a:fillRef>
-          <a:effectRef idx="0">
-            <a:schemeClr val="accent1"/>
-          </a:effectRef>
-          <a:fontRef idx="minor">
-            <a:schemeClr val="tx1"/>
-          </a:fontRef>
-        </p:style>
-      </p:cxnSp>
-      <p:cxnSp>
-        <p:nvCxnSpPr>
-          <p:cNvPr id="11" name="Прямая соединительная линия 10"/>
-          <p:cNvCxnSpPr/>
-          <p:nvPr/>
-        </p:nvCxnSpPr>
-        <p:spPr>
-          <a:xfrm flipH="1">
-            <a:off x="180000" y="761864"/>
-            <a:ext cx="12154876" cy="0"/>
-          </a:xfrm>
-          <a:prstGeom prst="line">
-            <a:avLst/>
-          </a:prstGeom>
-          <a:ln w="22225">
-            <a:solidFill>
-              <a:srgbClr val="4A494A"/>
-            </a:solidFill>
-          </a:ln>
-        </p:spPr>
-        <p:style>
-          <a:lnRef idx="1">
-            <a:schemeClr val="accent1"/>
-          </a:lnRef>
-          <a:fillRef idx="0">
-            <a:schemeClr val="accent1"/>
-          </a:fillRef>
-          <a:effectRef idx="0">
-            <a:schemeClr val="accent1"/>
-          </a:effectRef>
-          <a:fontRef idx="minor">
-            <a:schemeClr val="tx1"/>
-          </a:fontRef>
-        </p:style>
-      </p:cxnSp>
-      <p:sp>
-        <p:nvSpPr>
-          <p:cNvPr id="37" name="TextBox 36"/>
-          <p:cNvSpPr txBox="1"/>
-          <p:nvPr/>
-        </p:nvSpPr>
-        <p:spPr>
-          <a:xfrm>
-            <a:off x="263524" y="849475"/>
-            <a:ext cx="615441" cy="369332"/>
-          </a:xfrm>
-          <a:prstGeom prst="rect">
-            <a:avLst/>
-          </a:prstGeom>
-          <a:noFill/>
-          <a:ln>
-            <a:noFill/>
-          </a:ln>
-        </p:spPr>
-        <p:txBody>
-          <a:bodyPr wrap="square" rtlCol="0">
-            <a:spAutoFit/>
-          </a:bodyPr>
-          <a:lstStyle/>
-          <a:p>
-            <a:r>
-              <a:rPr lang="ru-RU" dirty="0" smtClean="0">
-                <a:solidFill>
-                  <a:srgbClr val="B5B7BC"/>
-                </a:solidFill>
-              </a:rPr>
-              <a:t>Код</a:t>
-            </a:r>
-            <a:endParaRPr lang="ru-RU" dirty="0">
-              <a:solidFill>
-                <a:srgbClr val="9CC56C"/>
-              </a:solidFill>
-            </a:endParaRPr>
-          </a:p>
-        </p:txBody>
-      </p:sp>
-      <p:sp>
-        <p:nvSpPr>
-          <p:cNvPr id="36" name="Прямоугольник 35"/>
-          <p:cNvSpPr/>
-          <p:nvPr/>
-        </p:nvSpPr>
-        <p:spPr>
-          <a:xfrm>
-            <a:off x="6172074" y="1218808"/>
-            <a:ext cx="5756400" cy="5479036"/>
-          </a:xfrm>
-          <a:prstGeom prst="rect">
-            <a:avLst/>
-          </a:prstGeom>
-          <a:noFill/>
-          <a:ln>
-            <a:solidFill>
-              <a:srgbClr val="4A494A"/>
-            </a:solidFill>
-          </a:ln>
-        </p:spPr>
-        <p:style>
-          <a:lnRef idx="2">
-            <a:schemeClr val="accent1">
-              <a:shade val="50000"/>
-            </a:schemeClr>
-          </a:lnRef>
-          <a:fillRef idx="1">
-            <a:schemeClr val="accent1"/>
-          </a:fillRef>
-          <a:effectRef idx="0">
-            <a:schemeClr val="accent1"/>
-          </a:effectRef>
-          <a:fontRef idx="minor">
-            <a:schemeClr val="lt1"/>
-          </a:fontRef>
-        </p:style>
-        <p:txBody>
-          <a:bodyPr rtlCol="0" anchor="ctr"/>
-          <a:lstStyle/>
-          <a:p>
-            <a:pPr algn="ctr"/>
-            <a:endParaRPr lang="ru-RU"/>
-          </a:p>
-        </p:txBody>
-      </p:sp>
-      <p:sp>
-        <p:nvSpPr>
-          <p:cNvPr id="41" name="Прямоугольник 40"/>
-          <p:cNvSpPr/>
-          <p:nvPr/>
-        </p:nvSpPr>
-        <p:spPr>
-          <a:xfrm>
-            <a:off x="263525" y="1218808"/>
-            <a:ext cx="5756400" cy="5479036"/>
-          </a:xfrm>
-          <a:prstGeom prst="rect">
-            <a:avLst/>
-          </a:prstGeom>
-          <a:noFill/>
-          <a:ln>
-            <a:solidFill>
-              <a:srgbClr val="4A494A"/>
-            </a:solidFill>
-          </a:ln>
-        </p:spPr>
-        <p:style>
-          <a:lnRef idx="2">
-            <a:schemeClr val="accent1">
-              <a:shade val="50000"/>
-            </a:schemeClr>
-          </a:lnRef>
-          <a:fillRef idx="1">
-            <a:schemeClr val="accent1"/>
-          </a:fillRef>
-          <a:effectRef idx="0">
-            <a:schemeClr val="accent1"/>
-          </a:effectRef>
-          <a:fontRef idx="minor">
-            <a:schemeClr val="lt1"/>
-          </a:fontRef>
-        </p:style>
-        <p:txBody>
-          <a:bodyPr rtlCol="0" anchor="ctr"/>
-          <a:lstStyle/>
-          <a:p>
-            <a:pPr algn="ctr"/>
-            <a:endParaRPr lang="ru-RU"/>
-          </a:p>
-        </p:txBody>
-      </p:sp>
-    </p:spTree>
-    <p:extLst>
-      <p:ext uri="{BB962C8B-B14F-4D97-AF65-F5344CB8AC3E}">
-        <p14:creationId xmlns:p14="http://schemas.microsoft.com/office/powerpoint/2010/main" val="70457662"/>
       </p:ext>
     </p:extLst>
   </p:cSld>
